--- a/presentation/presentation.pptx
+++ b/presentation/presentation.pptx
@@ -4792,6 +4792,42 @@
           </a:prstGeom>
         </p:spPr>
       </p:pic>
+      <p:pic>
+        <p:nvPicPr>
+          <p:cNvPr id="3" name="Immagine 2" descr="Immagine che contiene testo&#10;&#10;Descrizione generata automaticamente">
+            <a:extLst>
+              <a:ext uri="{FF2B5EF4-FFF2-40B4-BE49-F238E27FC236}">
+                <a16:creationId xmlns:a16="http://schemas.microsoft.com/office/drawing/2014/main" id="{2522CA00-EC4C-4EFF-B027-8B8B5F903F2D}"/>
+              </a:ext>
+            </a:extLst>
+          </p:cNvPr>
+          <p:cNvPicPr>
+            <a:picLocks noChangeAspect="1"/>
+          </p:cNvPicPr>
+          <p:nvPr/>
+        </p:nvPicPr>
+        <p:blipFill>
+          <a:blip r:embed="rId4" cstate="print">
+            <a:extLst>
+              <a:ext uri="{28A0092B-C50C-407E-A947-70E740481C1C}">
+                <a14:useLocalDpi xmlns:a14="http://schemas.microsoft.com/office/drawing/2010/main" val="0"/>
+              </a:ext>
+            </a:extLst>
+          </a:blip>
+          <a:stretch>
+            <a:fillRect/>
+          </a:stretch>
+        </p:blipFill>
+        <p:spPr>
+          <a:xfrm>
+            <a:off x="1236785" y="3429000"/>
+            <a:ext cx="3467099" cy="2767044"/>
+          </a:xfrm>
+          <a:prstGeom prst="rect">
+            <a:avLst/>
+          </a:prstGeom>
+        </p:spPr>
+      </p:pic>
     </p:spTree>
     <p:extLst>
       <p:ext uri="{BB962C8B-B14F-4D97-AF65-F5344CB8AC3E}">

--- a/presentation/presentation.pptx
+++ b/presentation/presentation.pptx
@@ -5,7 +5,7 @@
     <p:sldMasterId id="2147483648" r:id="rId1"/>
   </p:sldMasterIdLst>
   <p:notesMasterIdLst>
-    <p:notesMasterId r:id="rId12"/>
+    <p:notesMasterId r:id="rId13"/>
   </p:notesMasterIdLst>
   <p:sldIdLst>
     <p:sldId id="256" r:id="rId2"/>
@@ -15,9 +15,10 @@
     <p:sldId id="301" r:id="rId6"/>
     <p:sldId id="304" r:id="rId7"/>
     <p:sldId id="261" r:id="rId8"/>
-    <p:sldId id="306" r:id="rId9"/>
-    <p:sldId id="307" r:id="rId10"/>
-    <p:sldId id="299" r:id="rId11"/>
+    <p:sldId id="308" r:id="rId9"/>
+    <p:sldId id="306" r:id="rId10"/>
+    <p:sldId id="307" r:id="rId11"/>
+    <p:sldId id="299" r:id="rId12"/>
   </p:sldIdLst>
   <p:sldSz cx="12192000" cy="6858000"/>
   <p:notesSz cx="6858000" cy="9144000"/>
@@ -2453,7 +2454,7 @@
           </a:ln>
           <a:extLst>
             <a:ext uri="{C572A759-6A51-4108-AA02-DFA0A04FC94B}">
-              <ma14:wrappingTextBoxFlag xmlns:ma14="http://schemas.microsoft.com/office/mac/drawingml/2011/main" xmlns="" val="1"/>
+              <ma14:wrappingTextBoxFlag xmlns="" xmlns:ma14="http://schemas.microsoft.com/office/mac/drawingml/2011/main" val="1"/>
             </a:ext>
           </a:extLst>
         </p:spPr>
@@ -2492,7 +2493,7 @@
           </a:ln>
           <a:extLst>
             <a:ext uri="{C572A759-6A51-4108-AA02-DFA0A04FC94B}">
-              <ma14:wrappingTextBoxFlag xmlns:ma14="http://schemas.microsoft.com/office/mac/drawingml/2011/main" xmlns="" val="1"/>
+              <ma14:wrappingTextBoxFlag xmlns="" xmlns:ma14="http://schemas.microsoft.com/office/mac/drawingml/2011/main" val="1"/>
             </a:ext>
           </a:extLst>
         </p:spPr>
@@ -3514,7 +3515,7 @@
             <a:effectLst/>
             <a:extLst>
               <a:ext uri="{C572A759-6A51-4108-AA02-DFA0A04FC94B}">
-                <ma14:wrappingTextBoxFlag xmlns:ma14="http://schemas.microsoft.com/office/mac/drawingml/2011/main" xmlns="" val="1"/>
+                <ma14:wrappingTextBoxFlag xmlns="" xmlns:ma14="http://schemas.microsoft.com/office/mac/drawingml/2011/main" val="1"/>
               </a:ext>
             </a:extLst>
           </p:spPr>
@@ -3566,7 +3567,7 @@
             <a:effectLst/>
             <a:extLst>
               <a:ext uri="{C572A759-6A51-4108-AA02-DFA0A04FC94B}">
-                <ma14:wrappingTextBoxFlag xmlns:ma14="http://schemas.microsoft.com/office/mac/drawingml/2011/main" xmlns="" val="1"/>
+                <ma14:wrappingTextBoxFlag xmlns="" xmlns:ma14="http://schemas.microsoft.com/office/mac/drawingml/2011/main" val="1"/>
               </a:ext>
             </a:extLst>
           </p:spPr>
@@ -3750,6 +3751,285 @@
 <file path=ppt/slides/slide10.xml><?xml version="1.0" encoding="utf-8"?>
 <p:sld xmlns:a="http://schemas.openxmlformats.org/drawingml/2006/main" xmlns:r="http://schemas.openxmlformats.org/officeDocument/2006/relationships" xmlns:p="http://schemas.openxmlformats.org/presentationml/2006/main">
   <p:cSld>
+    <p:spTree>
+      <p:nvGrpSpPr>
+        <p:cNvPr id="1" name=""/>
+        <p:cNvGrpSpPr/>
+        <p:nvPr/>
+      </p:nvGrpSpPr>
+      <p:grpSpPr>
+        <a:xfrm>
+          <a:off x="0" y="0"/>
+          <a:ext cx="0" cy="0"/>
+          <a:chOff x="0" y="0"/>
+          <a:chExt cx="0" cy="0"/>
+        </a:xfrm>
+      </p:grpSpPr>
+      <p:sp>
+        <p:nvSpPr>
+          <p:cNvPr id="330" name="Rectangle 5"/>
+          <p:cNvSpPr/>
+          <p:nvPr/>
+        </p:nvSpPr>
+        <p:spPr>
+          <a:xfrm>
+            <a:off x="0" y="0"/>
+            <a:ext cx="12192000" cy="6858000"/>
+          </a:xfrm>
+          <a:prstGeom prst="rect">
+            <a:avLst/>
+          </a:prstGeom>
+          <a:solidFill>
+            <a:srgbClr val="1E1E1E"/>
+          </a:solidFill>
+          <a:ln w="12700">
+            <a:miter lim="400000"/>
+          </a:ln>
+        </p:spPr>
+        <p:txBody>
+          <a:bodyPr lIns="45719" rIns="45719"/>
+          <a:lstStyle/>
+          <a:p>
+            <a:endParaRPr/>
+          </a:p>
+        </p:txBody>
+      </p:sp>
+      <p:sp>
+        <p:nvSpPr>
+          <p:cNvPr id="331" name="Rectangle 2"/>
+          <p:cNvSpPr txBox="1"/>
+          <p:nvPr/>
+        </p:nvSpPr>
+        <p:spPr>
+          <a:xfrm>
+            <a:off x="406851" y="1346005"/>
+            <a:ext cx="5426697" cy="607089"/>
+          </a:xfrm>
+          <a:prstGeom prst="rect">
+            <a:avLst/>
+          </a:prstGeom>
+          <a:ln w="12700">
+            <a:miter lim="400000"/>
+          </a:ln>
+          <a:extLst>
+            <a:ext uri="{C572A759-6A51-4108-AA02-DFA0A04FC94B}">
+              <ma14:wrappingTextBoxFlag xmlns="" xmlns:ma14="http://schemas.microsoft.com/office/mac/drawingml/2011/main" val="1"/>
+            </a:ext>
+          </a:extLst>
+        </p:spPr>
+        <p:txBody>
+          <a:bodyPr wrap="square" lIns="45719" rIns="45719">
+            <a:spAutoFit/>
+          </a:bodyPr>
+          <a:lstStyle>
+            <a:lvl1pPr algn="just">
+              <a:lnSpc>
+                <a:spcPct val="150000"/>
+              </a:lnSpc>
+              <a:defRPr sz="900">
+                <a:solidFill>
+                  <a:srgbClr val="FFFFFF"/>
+                </a:solidFill>
+                <a:latin typeface="Lato Regular"/>
+                <a:ea typeface="Lato Regular"/>
+                <a:cs typeface="Lato Regular"/>
+                <a:sym typeface="Lato Regular"/>
+              </a:defRPr>
+            </a:lvl1pPr>
+          </a:lstStyle>
+          <a:p>
+            <a:r>
+              <a:rPr sz="1200" dirty="0"/>
+              <a:t>Lorem ipsum dolor sit </a:t>
+            </a:r>
+            <a:r>
+              <a:rPr sz="1200" dirty="0" err="1"/>
+              <a:t>amet</a:t>
+            </a:r>
+            <a:r>
+              <a:rPr sz="1200" dirty="0"/>
+              <a:t>, </a:t>
+            </a:r>
+            <a:r>
+              <a:rPr sz="1200" dirty="0" err="1"/>
+              <a:t>lacus</a:t>
+            </a:r>
+            <a:r>
+              <a:rPr sz="1200" dirty="0"/>
+              <a:t> </a:t>
+            </a:r>
+            <a:r>
+              <a:rPr sz="1200" dirty="0" err="1"/>
+              <a:t>nulla</a:t>
+            </a:r>
+            <a:r>
+              <a:rPr sz="1200" dirty="0"/>
+              <a:t> ac </a:t>
+            </a:r>
+            <a:r>
+              <a:rPr sz="1200" dirty="0" err="1"/>
+              <a:t>netus</a:t>
+            </a:r>
+            <a:r>
+              <a:rPr sz="1200" dirty="0"/>
+              <a:t> </a:t>
+            </a:r>
+            <a:r>
+              <a:rPr sz="1200" dirty="0" err="1"/>
+              <a:t>nibh</a:t>
+            </a:r>
+            <a:r>
+              <a:rPr sz="1200" dirty="0"/>
+              <a:t> </a:t>
+            </a:r>
+            <a:r>
+              <a:rPr sz="1200" dirty="0" err="1"/>
+              <a:t>aliquet</a:t>
+            </a:r>
+            <a:r>
+              <a:rPr sz="1200" dirty="0"/>
+              <a:t>, </a:t>
+            </a:r>
+            <a:r>
+              <a:rPr sz="1200" dirty="0" err="1"/>
+              <a:t>porttitor</a:t>
+            </a:r>
+            <a:r>
+              <a:rPr sz="1200" dirty="0"/>
+              <a:t> ligula </a:t>
+            </a:r>
+            <a:r>
+              <a:rPr sz="1200" dirty="0" err="1"/>
+              <a:t>justo</a:t>
+            </a:r>
+            <a:r>
+              <a:rPr sz="1200" dirty="0"/>
+              <a:t> libero </a:t>
+            </a:r>
+            <a:r>
+              <a:rPr sz="1200" dirty="0" err="1"/>
+              <a:t>vivamus</a:t>
+            </a:r>
+            <a:r>
+              <a:rPr sz="1200" dirty="0"/>
+              <a:t> </a:t>
+            </a:r>
+            <a:r>
+              <a:rPr sz="1200" dirty="0" err="1"/>
+              <a:t>porttitor</a:t>
+            </a:r>
+            <a:r>
+              <a:rPr sz="1200" dirty="0"/>
+              <a:t> dolor, </a:t>
+            </a:r>
+            <a:r>
+              <a:rPr lang="it-IT" sz="1200" dirty="0"/>
+              <a:t> Perché </a:t>
+            </a:r>
+            <a:r>
+              <a:rPr lang="it-IT" sz="1200" dirty="0" err="1"/>
+              <a:t>layer</a:t>
+            </a:r>
+            <a:r>
+              <a:rPr lang="it-IT" sz="1200" dirty="0"/>
+              <a:t>?</a:t>
+            </a:r>
+            <a:endParaRPr sz="1200" dirty="0"/>
+          </a:p>
+        </p:txBody>
+      </p:sp>
+      <p:sp>
+        <p:nvSpPr>
+          <p:cNvPr id="2" name="Picture Placeholder 1"/>
+          <p:cNvSpPr>
+            <a:spLocks noGrp="1"/>
+          </p:cNvSpPr>
+          <p:nvPr>
+            <p:ph type="pic" sz="half" idx="13"/>
+          </p:nvPr>
+        </p:nvSpPr>
+        <p:spPr>
+          <a:xfrm>
+            <a:off x="6541288" y="1346005"/>
+            <a:ext cx="5107949" cy="4165990"/>
+          </a:xfrm>
+        </p:spPr>
+      </p:sp>
+      <p:sp>
+        <p:nvSpPr>
+          <p:cNvPr id="8" name="TextBox 5">
+            <a:extLst>
+              <a:ext uri="{FF2B5EF4-FFF2-40B4-BE49-F238E27FC236}">
+                <a16:creationId xmlns:a16="http://schemas.microsoft.com/office/drawing/2014/main" id="{2D7E1F90-7546-4231-8DCD-7A9B5FD8F7D6}"/>
+              </a:ext>
+            </a:extLst>
+          </p:cNvPr>
+          <p:cNvSpPr txBox="1"/>
+          <p:nvPr/>
+        </p:nvSpPr>
+        <p:spPr>
+          <a:xfrm>
+            <a:off x="406850" y="579951"/>
+            <a:ext cx="5591675" cy="1200329"/>
+          </a:xfrm>
+          <a:prstGeom prst="rect">
+            <a:avLst/>
+          </a:prstGeom>
+          <a:ln w="12700">
+            <a:miter lim="400000"/>
+          </a:ln>
+          <a:extLst>
+            <a:ext uri="{C572A759-6A51-4108-AA02-DFA0A04FC94B}">
+              <ma14:wrappingTextBoxFlag xmlns="" xmlns:ma14="http://schemas.microsoft.com/office/mac/drawingml/2011/main" val="1"/>
+            </a:ext>
+          </a:extLst>
+        </p:spPr>
+        <p:txBody>
+          <a:bodyPr wrap="square" lIns="45719" rIns="45719">
+            <a:spAutoFit/>
+          </a:bodyPr>
+          <a:lstStyle>
+            <a:lvl1pPr>
+              <a:defRPr sz="3600">
+                <a:solidFill>
+                  <a:srgbClr val="FFFFFF"/>
+                </a:solidFill>
+                <a:latin typeface="Montserrat Bold"/>
+                <a:ea typeface="Montserrat Bold"/>
+                <a:cs typeface="Montserrat Bold"/>
+                <a:sym typeface="Montserrat Bold"/>
+              </a:defRPr>
+            </a:lvl1pPr>
+          </a:lstStyle>
+          <a:p>
+            <a:r>
+              <a:rPr lang="it-IT" dirty="0" err="1"/>
+              <a:t>Conclusion</a:t>
+            </a:r>
+            <a:endParaRPr lang="it-IT" dirty="0"/>
+          </a:p>
+          <a:p>
+            <a:endParaRPr dirty="0"/>
+          </a:p>
+        </p:txBody>
+      </p:sp>
+    </p:spTree>
+    <p:extLst>
+      <p:ext uri="{BB962C8B-B14F-4D97-AF65-F5344CB8AC3E}">
+        <p14:creationId xmlns:p14="http://schemas.microsoft.com/office/powerpoint/2010/main" val="1104741153"/>
+      </p:ext>
+    </p:extLst>
+  </p:cSld>
+  <p:clrMapOvr>
+    <a:masterClrMapping/>
+  </p:clrMapOvr>
+  <p:transition spd="med"/>
+</p:sld>
+</file>
+
+<file path=ppt/slides/slide11.xml><?xml version="1.0" encoding="utf-8"?>
+<p:sld xmlns:a="http://schemas.openxmlformats.org/drawingml/2006/main" xmlns:r="http://schemas.openxmlformats.org/officeDocument/2006/relationships" xmlns:p="http://schemas.openxmlformats.org/presentationml/2006/main">
+  <p:cSld>
     <p:bg>
       <p:bgPr>
         <a:solidFill>
@@ -3820,7 +4100,7 @@
           </a:ln>
           <a:extLst>
             <a:ext uri="{C572A759-6A51-4108-AA02-DFA0A04FC94B}">
-              <ma14:wrappingTextBoxFlag xmlns:ma14="http://schemas.microsoft.com/office/mac/drawingml/2011/main" xmlns="" val="1"/>
+              <ma14:wrappingTextBoxFlag xmlns="" xmlns:ma14="http://schemas.microsoft.com/office/mac/drawingml/2011/main" val="1"/>
             </a:ext>
           </a:extLst>
         </p:spPr>
@@ -3911,7 +4191,7 @@
           <a:effectLst/>
           <a:extLst>
             <a:ext uri="{C572A759-6A51-4108-AA02-DFA0A04FC94B}">
-              <ma14:wrappingTextBoxFlag xmlns:ma14="http://schemas.microsoft.com/office/mac/drawingml/2011/main" xmlns="" val="1"/>
+              <ma14:wrappingTextBoxFlag xmlns="" xmlns:ma14="http://schemas.microsoft.com/office/mac/drawingml/2011/main" val="1"/>
             </a:ext>
           </a:extLst>
         </p:spPr>
@@ -4236,7 +4516,7 @@
           </a:ln>
           <a:extLst>
             <a:ext uri="{C572A759-6A51-4108-AA02-DFA0A04FC94B}">
-              <ma14:wrappingTextBoxFlag xmlns:ma14="http://schemas.microsoft.com/office/mac/drawingml/2011/main" xmlns="" val="1"/>
+              <ma14:wrappingTextBoxFlag xmlns="" xmlns:ma14="http://schemas.microsoft.com/office/mac/drawingml/2011/main" val="1"/>
             </a:ext>
           </a:extLst>
         </p:spPr>
@@ -4360,7 +4640,7 @@
           </a:ln>
           <a:extLst>
             <a:ext uri="{C572A759-6A51-4108-AA02-DFA0A04FC94B}">
-              <ma14:wrappingTextBoxFlag xmlns:ma14="http://schemas.microsoft.com/office/mac/drawingml/2011/main" xmlns="" val="1"/>
+              <ma14:wrappingTextBoxFlag xmlns="" xmlns:ma14="http://schemas.microsoft.com/office/mac/drawingml/2011/main" val="1"/>
             </a:ext>
           </a:extLst>
         </p:spPr>
@@ -4580,7 +4860,7 @@
           </a:ln>
           <a:extLst>
             <a:ext uri="{C572A759-6A51-4108-AA02-DFA0A04FC94B}">
-              <ma14:wrappingTextBoxFlag xmlns:ma14="http://schemas.microsoft.com/office/mac/drawingml/2011/main" xmlns="" val="1"/>
+              <ma14:wrappingTextBoxFlag xmlns="" xmlns:ma14="http://schemas.microsoft.com/office/mac/drawingml/2011/main" val="1"/>
             </a:ext>
           </a:extLst>
         </p:spPr>
@@ -4722,7 +5002,7 @@
           </a:ln>
           <a:extLst>
             <a:ext uri="{C572A759-6A51-4108-AA02-DFA0A04FC94B}">
-              <ma14:wrappingTextBoxFlag xmlns:ma14="http://schemas.microsoft.com/office/mac/drawingml/2011/main" xmlns="" val="1"/>
+              <ma14:wrappingTextBoxFlag xmlns="" xmlns:ma14="http://schemas.microsoft.com/office/mac/drawingml/2011/main" val="1"/>
             </a:ext>
           </a:extLst>
         </p:spPr>
@@ -4921,7 +5201,7 @@
           </a:ln>
           <a:extLst>
             <a:ext uri="{C572A759-6A51-4108-AA02-DFA0A04FC94B}">
-              <ma14:wrappingTextBoxFlag xmlns:ma14="http://schemas.microsoft.com/office/mac/drawingml/2011/main" xmlns="" val="1"/>
+              <ma14:wrappingTextBoxFlag xmlns="" xmlns:ma14="http://schemas.microsoft.com/office/mac/drawingml/2011/main" val="1"/>
             </a:ext>
           </a:extLst>
         </p:spPr>
@@ -5048,7 +5328,7 @@
           </a:ln>
           <a:extLst>
             <a:ext uri="{C572A759-6A51-4108-AA02-DFA0A04FC94B}">
-              <ma14:wrappingTextBoxFlag xmlns:ma14="http://schemas.microsoft.com/office/mac/drawingml/2011/main" xmlns="" val="1"/>
+              <ma14:wrappingTextBoxFlag xmlns="" xmlns:ma14="http://schemas.microsoft.com/office/mac/drawingml/2011/main" val="1"/>
             </a:ext>
           </a:extLst>
         </p:spPr>
@@ -5244,7 +5524,7 @@
           </a:ln>
           <a:extLst>
             <a:ext uri="{C572A759-6A51-4108-AA02-DFA0A04FC94B}">
-              <ma14:wrappingTextBoxFlag xmlns:ma14="http://schemas.microsoft.com/office/mac/drawingml/2011/main" xmlns="" val="1"/>
+              <ma14:wrappingTextBoxFlag xmlns="" xmlns:ma14="http://schemas.microsoft.com/office/mac/drawingml/2011/main" val="1"/>
             </a:ext>
           </a:extLst>
         </p:spPr>
@@ -5411,7 +5691,7 @@
           </a:ln>
           <a:extLst>
             <a:ext uri="{C572A759-6A51-4108-AA02-DFA0A04FC94B}">
-              <ma14:wrappingTextBoxFlag xmlns:ma14="http://schemas.microsoft.com/office/mac/drawingml/2011/main" xmlns="" val="1"/>
+              <ma14:wrappingTextBoxFlag xmlns="" xmlns:ma14="http://schemas.microsoft.com/office/mac/drawingml/2011/main" val="1"/>
             </a:ext>
           </a:extLst>
         </p:spPr>
@@ -5522,18 +5802,6 @@
       </p:sp>
       <p:sp>
         <p:nvSpPr>
-          <p:cNvPr id="2" name="Picture Placeholder 1"/>
-          <p:cNvSpPr>
-            <a:spLocks noGrp="1"/>
-          </p:cNvSpPr>
-          <p:nvPr>
-            <p:ph type="pic" sz="half" idx="13"/>
-          </p:nvPr>
-        </p:nvSpPr>
-        <p:spPr/>
-      </p:sp>
-      <p:sp>
-        <p:nvSpPr>
           <p:cNvPr id="9" name="Rectangle 2">
             <a:extLst>
               <a:ext uri="{FF2B5EF4-FFF2-40B4-BE49-F238E27FC236}">
@@ -5557,7 +5825,7 @@
           </a:ln>
           <a:extLst>
             <a:ext uri="{C572A759-6A51-4108-AA02-DFA0A04FC94B}">
-              <ma14:wrappingTextBoxFlag xmlns:ma14="http://schemas.microsoft.com/office/mac/drawingml/2011/main" xmlns="" val="1"/>
+              <ma14:wrappingTextBoxFlag xmlns="" xmlns:ma14="http://schemas.microsoft.com/office/mac/drawingml/2011/main" val="1"/>
             </a:ext>
           </a:extLst>
         </p:spPr>
@@ -5684,7 +5952,7 @@
         <p:spPr>
           <a:xfrm>
             <a:off x="337797" y="336458"/>
-            <a:ext cx="2201883" cy="646331"/>
+            <a:ext cx="3963584" cy="646331"/>
           </a:xfrm>
           <a:prstGeom prst="rect">
             <a:avLst/>
@@ -5694,7 +5962,7 @@
           </a:ln>
           <a:extLst>
             <a:ext uri="{C572A759-6A51-4108-AA02-DFA0A04FC94B}">
-              <ma14:wrappingTextBoxFlag xmlns:ma14="http://schemas.microsoft.com/office/mac/drawingml/2011/main" xmlns="" val="1"/>
+              <ma14:wrappingTextBoxFlag xmlns="" xmlns:ma14="http://schemas.microsoft.com/office/mac/drawingml/2011/main" val="1"/>
             </a:ext>
           </a:extLst>
         </p:spPr>
@@ -5718,12 +5986,48 @@
           <a:p>
             <a:r>
               <a:rPr lang="it-IT" dirty="0"/>
-              <a:t>Best model</a:t>
+              <a:t>Best model: Model 1</a:t>
             </a:r>
             <a:endParaRPr dirty="0"/>
           </a:p>
         </p:txBody>
       </p:sp>
+      <p:pic>
+        <p:nvPicPr>
+          <p:cNvPr id="8" name="Immagine 7" descr="Immagine che contiene tavolo&#10;&#10;Descrizione generata automaticamente">
+            <a:extLst>
+              <a:ext uri="{FF2B5EF4-FFF2-40B4-BE49-F238E27FC236}">
+                <a16:creationId xmlns:a16="http://schemas.microsoft.com/office/drawing/2014/main" id="{AADA5F72-CC7C-4E24-ADFF-26CCC038385A}"/>
+              </a:ext>
+            </a:extLst>
+          </p:cNvPr>
+          <p:cNvPicPr>
+            <a:picLocks noChangeAspect="1"/>
+          </p:cNvPicPr>
+          <p:nvPr/>
+        </p:nvPicPr>
+        <p:blipFill>
+          <a:blip r:embed="rId2">
+            <a:extLst>
+              <a:ext uri="{28A0092B-C50C-407E-A947-70E740481C1C}">
+                <a14:useLocalDpi xmlns:a14="http://schemas.microsoft.com/office/drawing/2010/main" val="0"/>
+              </a:ext>
+            </a:extLst>
+          </a:blip>
+          <a:stretch>
+            <a:fillRect/>
+          </a:stretch>
+        </p:blipFill>
+        <p:spPr>
+          <a:xfrm>
+            <a:off x="6801986" y="693751"/>
+            <a:ext cx="4856845" cy="5470498"/>
+          </a:xfrm>
+          <a:prstGeom prst="rect">
+            <a:avLst/>
+          </a:prstGeom>
+        </p:spPr>
+      </p:pic>
     </p:spTree>
     <p:extLst>
       <p:ext uri="{BB962C8B-B14F-4D97-AF65-F5344CB8AC3E}">
@@ -5774,7 +6078,7 @@
           </a:ln>
           <a:extLst>
             <a:ext uri="{C572A759-6A51-4108-AA02-DFA0A04FC94B}">
-              <ma14:wrappingTextBoxFlag xmlns:ma14="http://schemas.microsoft.com/office/mac/drawingml/2011/main" xmlns="" val="1"/>
+              <ma14:wrappingTextBoxFlag xmlns="" xmlns:ma14="http://schemas.microsoft.com/office/mac/drawingml/2011/main" val="1"/>
             </a:ext>
           </a:extLst>
         </p:spPr>
@@ -5893,7 +6197,7 @@
           </a:ln>
           <a:extLst>
             <a:ext uri="{C572A759-6A51-4108-AA02-DFA0A04FC94B}">
-              <ma14:wrappingTextBoxFlag xmlns:ma14="http://schemas.microsoft.com/office/mac/drawingml/2011/main" xmlns="" val="1"/>
+              <ma14:wrappingTextBoxFlag xmlns="" xmlns:ma14="http://schemas.microsoft.com/office/mac/drawingml/2011/main" val="1"/>
             </a:ext>
           </a:extLst>
         </p:spPr>
@@ -5920,18 +6224,42 @@
           </a:p>
         </p:txBody>
       </p:sp>
-      <p:sp>
-        <p:nvSpPr>
-          <p:cNvPr id="2" name="Picture Placeholder 1"/>
-          <p:cNvSpPr>
-            <a:spLocks noGrp="1"/>
-          </p:cNvSpPr>
-          <p:nvPr>
-            <p:ph type="pic" sz="half" idx="13"/>
-          </p:nvPr>
-        </p:nvSpPr>
-        <p:spPr/>
-      </p:sp>
+      <p:pic>
+        <p:nvPicPr>
+          <p:cNvPr id="4" name="Immagine 3">
+            <a:extLst>
+              <a:ext uri="{FF2B5EF4-FFF2-40B4-BE49-F238E27FC236}">
+                <a16:creationId xmlns:a16="http://schemas.microsoft.com/office/drawing/2014/main" id="{F0193568-147D-41B9-BB58-2B63B7BDDB4F}"/>
+              </a:ext>
+            </a:extLst>
+          </p:cNvPr>
+          <p:cNvPicPr>
+            <a:picLocks noChangeAspect="1"/>
+          </p:cNvPicPr>
+          <p:nvPr/>
+        </p:nvPicPr>
+        <p:blipFill>
+          <a:blip r:embed="rId2">
+            <a:extLst>
+              <a:ext uri="{28A0092B-C50C-407E-A947-70E740481C1C}">
+                <a14:useLocalDpi xmlns:a14="http://schemas.microsoft.com/office/drawing/2010/main" val="0"/>
+              </a:ext>
+            </a:extLst>
+          </a:blip>
+          <a:stretch>
+            <a:fillRect/>
+          </a:stretch>
+        </p:blipFill>
+        <p:spPr>
+          <a:xfrm>
+            <a:off x="1797075" y="1801728"/>
+            <a:ext cx="8088889" cy="4520635"/>
+          </a:xfrm>
+          <a:prstGeom prst="rect">
+            <a:avLst/>
+          </a:prstGeom>
+        </p:spPr>
+      </p:pic>
     </p:spTree>
   </p:cSld>
   <p:clrMapOvr>
@@ -5967,7 +6295,7 @@
         <p:spPr>
           <a:xfrm>
             <a:off x="3153713" y="934519"/>
-            <a:ext cx="5884575" cy="270652"/>
+            <a:ext cx="5884575" cy="478401"/>
           </a:xfrm>
           <a:prstGeom prst="rect">
             <a:avLst/>
@@ -6016,7 +6344,7 @@
             </a:r>
             <a:r>
               <a:rPr lang="it-IT" dirty="0" err="1"/>
-              <a:t>visualize</a:t>
+              <a:t>represent</a:t>
             </a:r>
             <a:r>
               <a:rPr lang="it-IT" dirty="0"/>
@@ -6024,7 +6352,7 @@
             </a:r>
             <a:r>
               <a:rPr lang="it-IT" dirty="0" err="1"/>
-              <a:t>comparison</a:t>
+              <a:t>loss</a:t>
             </a:r>
             <a:r>
               <a:rPr lang="it-IT" dirty="0"/>
@@ -6032,11 +6360,43 @@
             </a:r>
             <a:r>
               <a:rPr lang="it-IT" dirty="0" err="1"/>
-              <a:t>between</a:t>
+              <a:t>function</a:t>
             </a:r>
             <a:r>
               <a:rPr lang="it-IT" dirty="0"/>
-              <a:t> out top N models</a:t>
+              <a:t> of the model and the </a:t>
+            </a:r>
+            <a:r>
+              <a:rPr lang="it-IT" dirty="0" err="1"/>
+              <a:t>scatter</a:t>
+            </a:r>
+            <a:r>
+              <a:rPr lang="it-IT" dirty="0"/>
+              <a:t> plot of the </a:t>
+            </a:r>
+            <a:r>
+              <a:rPr lang="it-IT" dirty="0" err="1"/>
+              <a:t>prediction</a:t>
+            </a:r>
+            <a:r>
+              <a:rPr lang="it-IT" dirty="0"/>
+              <a:t> </a:t>
+            </a:r>
+            <a:r>
+              <a:rPr lang="it-IT" dirty="0" err="1"/>
+              <a:t>against</a:t>
+            </a:r>
+            <a:r>
+              <a:rPr lang="it-IT" dirty="0"/>
+              <a:t> the </a:t>
+            </a:r>
+            <a:r>
+              <a:rPr lang="it-IT" dirty="0" err="1"/>
+              <a:t>real</a:t>
+            </a:r>
+            <a:r>
+              <a:rPr lang="it-IT" dirty="0"/>
+              <a:t> duration</a:t>
             </a:r>
             <a:r>
               <a:rPr dirty="0"/>
@@ -6053,8 +6413,8 @@
         </p:nvSpPr>
         <p:spPr>
           <a:xfrm>
-            <a:off x="4922121" y="288188"/>
-            <a:ext cx="2347757" cy="646331"/>
+            <a:off x="5123697" y="288188"/>
+            <a:ext cx="1435647" cy="646331"/>
           </a:xfrm>
           <a:prstGeom prst="rect">
             <a:avLst/>
@@ -6085,28 +6445,51 @@
           <a:p>
             <a:r>
               <a:rPr lang="it-IT" dirty="0" err="1"/>
-              <a:t>Comparison</a:t>
+              <a:t>Results</a:t>
             </a:r>
             <a:endParaRPr dirty="0"/>
           </a:p>
         </p:txBody>
       </p:sp>
-      <p:sp>
-        <p:nvSpPr>
-          <p:cNvPr id="2" name="Picture Placeholder 1"/>
-          <p:cNvSpPr>
-            <a:spLocks noGrp="1"/>
-          </p:cNvSpPr>
-          <p:nvPr>
-            <p:ph type="pic" sz="half" idx="13"/>
-          </p:nvPr>
-        </p:nvSpPr>
-        <p:spPr/>
-      </p:sp>
+      <p:pic>
+        <p:nvPicPr>
+          <p:cNvPr id="4" name="Immagine 3">
+            <a:extLst>
+              <a:ext uri="{FF2B5EF4-FFF2-40B4-BE49-F238E27FC236}">
+                <a16:creationId xmlns:a16="http://schemas.microsoft.com/office/drawing/2014/main" id="{F0193568-147D-41B9-BB58-2B63B7BDDB4F}"/>
+              </a:ext>
+            </a:extLst>
+          </p:cNvPr>
+          <p:cNvPicPr>
+            <a:picLocks noChangeAspect="1"/>
+          </p:cNvPicPr>
+          <p:nvPr/>
+        </p:nvPicPr>
+        <p:blipFill>
+          <a:blip r:embed="rId2">
+            <a:extLst>
+              <a:ext uri="{28A0092B-C50C-407E-A947-70E740481C1C}">
+                <a14:useLocalDpi xmlns:a14="http://schemas.microsoft.com/office/drawing/2010/main" val="0"/>
+              </a:ext>
+            </a:extLst>
+          </a:blip>
+          <a:srcRect/>
+          <a:stretch/>
+        </p:blipFill>
+        <p:spPr>
+          <a:xfrm>
+            <a:off x="1984695" y="1801728"/>
+            <a:ext cx="7713648" cy="4520635"/>
+          </a:xfrm>
+          <a:prstGeom prst="rect">
+            <a:avLst/>
+          </a:prstGeom>
+        </p:spPr>
+      </p:pic>
     </p:spTree>
     <p:extLst>
       <p:ext uri="{BB962C8B-B14F-4D97-AF65-F5344CB8AC3E}">
-        <p14:creationId xmlns:p14="http://schemas.microsoft.com/office/powerpoint/2010/main" val="1396381081"/>
+        <p14:creationId xmlns:p14="http://schemas.microsoft.com/office/powerpoint/2010/main" val="4176706947"/>
       </p:ext>
     </p:extLst>
   </p:cSld>
@@ -6136,43 +6519,14 @@
       </p:grpSpPr>
       <p:sp>
         <p:nvSpPr>
-          <p:cNvPr id="330" name="Rectangle 5"/>
-          <p:cNvSpPr/>
-          <p:nvPr/>
-        </p:nvSpPr>
-        <p:spPr>
-          <a:xfrm>
-            <a:off x="0" y="0"/>
-            <a:ext cx="12192000" cy="6858000"/>
-          </a:xfrm>
-          <a:prstGeom prst="rect">
-            <a:avLst/>
-          </a:prstGeom>
-          <a:solidFill>
-            <a:srgbClr val="1E1E1E"/>
-          </a:solidFill>
-          <a:ln w="12700">
-            <a:miter lim="400000"/>
-          </a:ln>
-        </p:spPr>
-        <p:txBody>
-          <a:bodyPr lIns="45719" rIns="45719"/>
-          <a:lstStyle/>
-          <a:p>
-            <a:endParaRPr/>
-          </a:p>
-        </p:txBody>
-      </p:sp>
-      <p:sp>
-        <p:nvSpPr>
-          <p:cNvPr id="331" name="Rectangle 2"/>
+          <p:cNvPr id="346" name="Rectangle 11"/>
           <p:cNvSpPr txBox="1"/>
           <p:nvPr/>
         </p:nvSpPr>
         <p:spPr>
           <a:xfrm>
-            <a:off x="406851" y="1346005"/>
-            <a:ext cx="5426697" cy="607089"/>
+            <a:off x="3153713" y="934519"/>
+            <a:ext cx="5884575" cy="270652"/>
           </a:xfrm>
           <a:prstGeom prst="rect">
             <a:avLst/>
@@ -6187,17 +6541,17 @@
           </a:extLst>
         </p:spPr>
         <p:txBody>
-          <a:bodyPr wrap="square" lIns="45719" rIns="45719">
+          <a:bodyPr lIns="45719" rIns="45719">
             <a:spAutoFit/>
           </a:bodyPr>
           <a:lstStyle>
-            <a:lvl1pPr algn="just">
+            <a:lvl1pPr algn="ctr">
               <a:lnSpc>
                 <a:spcPct val="150000"/>
               </a:lnSpc>
               <a:defRPr sz="900">
                 <a:solidFill>
-                  <a:srgbClr val="FFFFFF"/>
+                  <a:srgbClr val="A7A7A7"/>
                 </a:solidFill>
                 <a:latin typeface="Lato Regular"/>
                 <a:ea typeface="Lato Regular"/>
@@ -6208,138 +6562,58 @@
           </a:lstStyle>
           <a:p>
             <a:r>
-              <a:rPr sz="1200" dirty="0"/>
-              <a:t>Lorem ipsum dolor sit </a:t>
-            </a:r>
-            <a:r>
-              <a:rPr sz="1200" dirty="0" err="1"/>
-              <a:t>amet</a:t>
-            </a:r>
-            <a:r>
-              <a:rPr sz="1200" dirty="0"/>
-              <a:t>, </a:t>
-            </a:r>
-            <a:r>
-              <a:rPr sz="1200" dirty="0" err="1"/>
-              <a:t>lacus</a:t>
-            </a:r>
-            <a:r>
-              <a:rPr sz="1200" dirty="0"/>
+              <a:rPr lang="it-IT" dirty="0"/>
+              <a:t>The following </a:t>
+            </a:r>
+            <a:r>
+              <a:rPr lang="it-IT" dirty="0" err="1"/>
+              <a:t>graphs</a:t>
+            </a:r>
+            <a:r>
+              <a:rPr lang="it-IT" dirty="0"/>
               <a:t> </a:t>
             </a:r>
             <a:r>
-              <a:rPr sz="1200" dirty="0" err="1"/>
-              <a:t>nulla</a:t>
-            </a:r>
-            <a:r>
-              <a:rPr sz="1200" dirty="0"/>
-              <a:t> ac </a:t>
-            </a:r>
-            <a:r>
-              <a:rPr sz="1200" dirty="0" err="1"/>
-              <a:t>netus</a:t>
-            </a:r>
-            <a:r>
-              <a:rPr sz="1200" dirty="0"/>
+              <a:rPr lang="it-IT" dirty="0" err="1"/>
+              <a:t>visualize</a:t>
+            </a:r>
+            <a:r>
+              <a:rPr lang="it-IT" dirty="0"/>
+              <a:t> the </a:t>
+            </a:r>
+            <a:r>
+              <a:rPr lang="it-IT" dirty="0" err="1"/>
+              <a:t>comparison</a:t>
+            </a:r>
+            <a:r>
+              <a:rPr lang="it-IT" dirty="0"/>
               <a:t> </a:t>
             </a:r>
             <a:r>
-              <a:rPr sz="1200" dirty="0" err="1"/>
-              <a:t>nibh</a:t>
-            </a:r>
-            <a:r>
-              <a:rPr sz="1200" dirty="0"/>
-              <a:t> </a:t>
-            </a:r>
-            <a:r>
-              <a:rPr sz="1200" dirty="0" err="1"/>
-              <a:t>aliquet</a:t>
-            </a:r>
-            <a:r>
-              <a:rPr sz="1200" dirty="0"/>
-              <a:t>, </a:t>
-            </a:r>
-            <a:r>
-              <a:rPr sz="1200" dirty="0" err="1"/>
-              <a:t>porttitor</a:t>
-            </a:r>
-            <a:r>
-              <a:rPr sz="1200" dirty="0"/>
-              <a:t> ligula </a:t>
-            </a:r>
-            <a:r>
-              <a:rPr sz="1200" dirty="0" err="1"/>
-              <a:t>justo</a:t>
-            </a:r>
-            <a:r>
-              <a:rPr sz="1200" dirty="0"/>
-              <a:t> libero </a:t>
-            </a:r>
-            <a:r>
-              <a:rPr sz="1200" dirty="0" err="1"/>
-              <a:t>vivamus</a:t>
-            </a:r>
-            <a:r>
-              <a:rPr sz="1200" dirty="0"/>
-              <a:t> </a:t>
-            </a:r>
-            <a:r>
-              <a:rPr sz="1200" dirty="0" err="1"/>
-              <a:t>porttitor</a:t>
-            </a:r>
-            <a:r>
-              <a:rPr sz="1200" dirty="0"/>
-              <a:t> dolor, </a:t>
-            </a:r>
-            <a:r>
-              <a:rPr lang="it-IT" sz="1200" dirty="0"/>
-              <a:t> Perché </a:t>
-            </a:r>
-            <a:r>
-              <a:rPr lang="it-IT" sz="1200" dirty="0" err="1"/>
-              <a:t>layer</a:t>
-            </a:r>
-            <a:r>
-              <a:rPr lang="it-IT" sz="1200" dirty="0"/>
-              <a:t>?</a:t>
-            </a:r>
-            <a:endParaRPr sz="1200" dirty="0"/>
+              <a:rPr lang="it-IT" dirty="0" err="1"/>
+              <a:t>between</a:t>
+            </a:r>
+            <a:r>
+              <a:rPr lang="it-IT" dirty="0"/>
+              <a:t> out top N models</a:t>
+            </a:r>
+            <a:r>
+              <a:rPr dirty="0"/>
+              <a:t>.</a:t>
+            </a:r>
           </a:p>
         </p:txBody>
       </p:sp>
       <p:sp>
         <p:nvSpPr>
-          <p:cNvPr id="2" name="Picture Placeholder 1"/>
-          <p:cNvSpPr>
-            <a:spLocks noGrp="1"/>
-          </p:cNvSpPr>
-          <p:nvPr>
-            <p:ph type="pic" sz="half" idx="13"/>
-          </p:nvPr>
-        </p:nvSpPr>
-        <p:spPr>
-          <a:xfrm>
-            <a:off x="6541288" y="1346005"/>
-            <a:ext cx="5107949" cy="4165990"/>
-          </a:xfrm>
-        </p:spPr>
-      </p:sp>
-      <p:sp>
-        <p:nvSpPr>
-          <p:cNvPr id="8" name="TextBox 5">
-            <a:extLst>
-              <a:ext uri="{FF2B5EF4-FFF2-40B4-BE49-F238E27FC236}">
-                <a16:creationId xmlns:a16="http://schemas.microsoft.com/office/drawing/2014/main" id="{2D7E1F90-7546-4231-8DCD-7A9B5FD8F7D6}"/>
-              </a:ext>
-            </a:extLst>
-          </p:cNvPr>
+          <p:cNvPr id="347" name="TextBox 12"/>
           <p:cNvSpPr txBox="1"/>
           <p:nvPr/>
         </p:nvSpPr>
         <p:spPr>
           <a:xfrm>
-            <a:off x="406850" y="579951"/>
-            <a:ext cx="5591675" cy="1200329"/>
+            <a:off x="4922121" y="288188"/>
+            <a:ext cx="2347757" cy="646331"/>
           </a:xfrm>
           <a:prstGeom prst="rect">
             <a:avLst/>
@@ -6354,15 +6628,12 @@
           </a:extLst>
         </p:spPr>
         <p:txBody>
-          <a:bodyPr wrap="square" lIns="45719" rIns="45719">
+          <a:bodyPr wrap="none" lIns="45719" rIns="45719">
             <a:spAutoFit/>
           </a:bodyPr>
           <a:lstStyle>
             <a:lvl1pPr>
               <a:defRPr sz="3600">
-                <a:solidFill>
-                  <a:srgbClr val="FFFFFF"/>
-                </a:solidFill>
                 <a:latin typeface="Montserrat Bold"/>
                 <a:ea typeface="Montserrat Bold"/>
                 <a:cs typeface="Montserrat Bold"/>
@@ -6373,19 +6644,52 @@
           <a:p>
             <a:r>
               <a:rPr lang="it-IT" dirty="0" err="1"/>
-              <a:t>Conclusion</a:t>
-            </a:r>
-            <a:endParaRPr lang="it-IT" dirty="0"/>
-          </a:p>
-          <a:p>
+              <a:t>Comparison</a:t>
+            </a:r>
             <a:endParaRPr dirty="0"/>
           </a:p>
         </p:txBody>
       </p:sp>
+      <p:pic>
+        <p:nvPicPr>
+          <p:cNvPr id="4" name="Immagine 3">
+            <a:extLst>
+              <a:ext uri="{FF2B5EF4-FFF2-40B4-BE49-F238E27FC236}">
+                <a16:creationId xmlns:a16="http://schemas.microsoft.com/office/drawing/2014/main" id="{419C839D-B355-4D3F-9DA4-592C8D04B95F}"/>
+              </a:ext>
+            </a:extLst>
+          </p:cNvPr>
+          <p:cNvPicPr>
+            <a:picLocks noChangeAspect="1"/>
+          </p:cNvPicPr>
+          <p:nvPr/>
+        </p:nvPicPr>
+        <p:blipFill>
+          <a:blip r:embed="rId2">
+            <a:extLst>
+              <a:ext uri="{28A0092B-C50C-407E-A947-70E740481C1C}">
+                <a14:useLocalDpi xmlns:a14="http://schemas.microsoft.com/office/drawing/2010/main" val="0"/>
+              </a:ext>
+            </a:extLst>
+          </a:blip>
+          <a:stretch>
+            <a:fillRect/>
+          </a:stretch>
+        </p:blipFill>
+        <p:spPr>
+          <a:xfrm>
+            <a:off x="2001294" y="1580850"/>
+            <a:ext cx="8034223" cy="4620693"/>
+          </a:xfrm>
+          <a:prstGeom prst="rect">
+            <a:avLst/>
+          </a:prstGeom>
+        </p:spPr>
+      </p:pic>
     </p:spTree>
     <p:extLst>
       <p:ext uri="{BB962C8B-B14F-4D97-AF65-F5344CB8AC3E}">
-        <p14:creationId xmlns:p14="http://schemas.microsoft.com/office/powerpoint/2010/main" val="1104741153"/>
+        <p14:creationId xmlns:p14="http://schemas.microsoft.com/office/powerpoint/2010/main" val="1396381081"/>
       </p:ext>
     </p:extLst>
   </p:cSld>

--- a/presentation/presentation.pptx
+++ b/presentation/presentation.pptx
@@ -5815,7 +5815,7 @@
         <p:spPr>
           <a:xfrm>
             <a:off x="337797" y="1140813"/>
-            <a:ext cx="5426697" cy="607089"/>
+            <a:ext cx="5426697" cy="3733330"/>
           </a:xfrm>
           <a:prstGeom prst="rect">
             <a:avLst/>
@@ -5851,88 +5851,46 @@
           </a:lstStyle>
           <a:p>
             <a:r>
-              <a:rPr sz="1200" dirty="0"/>
-              <a:t>Lorem ipsum dolor sit </a:t>
-            </a:r>
-            <a:r>
-              <a:rPr sz="1200" dirty="0" err="1"/>
-              <a:t>amet</a:t>
-            </a:r>
-            <a:r>
-              <a:rPr sz="1200" dirty="0"/>
-              <a:t>, </a:t>
-            </a:r>
-            <a:r>
-              <a:rPr sz="1200" dirty="0" err="1"/>
-              <a:t>lacus</a:t>
-            </a:r>
-            <a:r>
-              <a:rPr sz="1200" dirty="0"/>
-              <a:t> </a:t>
-            </a:r>
-            <a:r>
-              <a:rPr sz="1200" dirty="0" err="1"/>
-              <a:t>nulla</a:t>
-            </a:r>
-            <a:r>
-              <a:rPr sz="1200" dirty="0"/>
-              <a:t> ac </a:t>
-            </a:r>
-            <a:r>
-              <a:rPr sz="1200" dirty="0" err="1"/>
-              <a:t>netus</a:t>
-            </a:r>
-            <a:r>
-              <a:rPr sz="1200" dirty="0"/>
-              <a:t> </a:t>
-            </a:r>
-            <a:r>
-              <a:rPr sz="1200" dirty="0" err="1"/>
-              <a:t>nibh</a:t>
-            </a:r>
-            <a:r>
-              <a:rPr sz="1200" dirty="0"/>
-              <a:t> </a:t>
-            </a:r>
-            <a:r>
-              <a:rPr sz="1200" dirty="0" err="1"/>
-              <a:t>aliquet</a:t>
-            </a:r>
-            <a:r>
-              <a:rPr sz="1200" dirty="0"/>
-              <a:t>, </a:t>
-            </a:r>
-            <a:r>
-              <a:rPr sz="1200" dirty="0" err="1"/>
-              <a:t>porttitor</a:t>
-            </a:r>
-            <a:r>
-              <a:rPr sz="1200" dirty="0"/>
-              <a:t> ligula </a:t>
-            </a:r>
-            <a:r>
-              <a:rPr sz="1200" dirty="0" err="1"/>
-              <a:t>justo</a:t>
-            </a:r>
-            <a:r>
-              <a:rPr sz="1200" dirty="0"/>
-              <a:t> libero </a:t>
-            </a:r>
-            <a:r>
-              <a:rPr sz="1200" dirty="0" err="1"/>
-              <a:t>vivamus</a:t>
-            </a:r>
-            <a:r>
-              <a:rPr sz="1200" dirty="0"/>
-              <a:t> </a:t>
-            </a:r>
-            <a:r>
-              <a:rPr sz="1200" dirty="0" err="1"/>
-              <a:t>porttitor</a:t>
-            </a:r>
-            <a:r>
-              <a:rPr sz="1200" dirty="0"/>
-              <a:t> dolor, </a:t>
+              <a:rPr lang="en-US" sz="1600" dirty="0"/>
+              <a:t>This is model that resulted to be the best, in the end. It uses Dense layers, each with decreasing number </a:t>
+            </a:r>
+            <a:r>
+              <a:rPr lang="en-US" sz="1600"/>
+              <a:t>of units and </a:t>
+            </a:r>
+            <a:r>
+              <a:rPr lang="en-US" sz="1600" dirty="0"/>
+              <a:t>with the </a:t>
+            </a:r>
+            <a:r>
+              <a:rPr lang="en-US" sz="1600" dirty="0" err="1"/>
+              <a:t>relu</a:t>
+            </a:r>
+            <a:r>
+              <a:rPr lang="en-US" sz="1600" dirty="0"/>
+              <a:t> activation function, each followed by a </a:t>
+            </a:r>
+            <a:r>
+              <a:rPr lang="en-US" sz="1600" dirty="0" err="1"/>
+              <a:t>BatchNormalization</a:t>
+            </a:r>
+            <a:r>
+              <a:rPr lang="en-US" sz="1600" dirty="0"/>
+              <a:t> layer. This layer normalizes the results obtained from the previous dense layer, resulting in better and faster learning, and less overfitting.</a:t>
+            </a:r>
+          </a:p>
+          <a:p>
+            <a:r>
+              <a:rPr lang="en-US" sz="1600" dirty="0"/>
+              <a:t>This layers all follows a Gaussian Noise layer, with very small hyperparameter. This is because adding noise to an </a:t>
+            </a:r>
+            <a:r>
+              <a:rPr lang="en-US" sz="1600" dirty="0" err="1"/>
+              <a:t>underconstrained</a:t>
+            </a:r>
+            <a:r>
+              <a:rPr lang="en-US" sz="1600" dirty="0"/>
+              <a:t> neural network model can have a regularizing effect and reduce overfitting.</a:t>
             </a:r>
           </a:p>
         </p:txBody>
@@ -5952,7 +5910,7 @@
         <p:spPr>
           <a:xfrm>
             <a:off x="337797" y="336458"/>
-            <a:ext cx="3963584" cy="646331"/>
+            <a:ext cx="4066176" cy="646331"/>
           </a:xfrm>
           <a:prstGeom prst="rect">
             <a:avLst/>
@@ -5985,10 +5943,10 @@
           </a:lstStyle>
           <a:p>
             <a:r>
-              <a:rPr lang="it-IT" dirty="0"/>
+              <a:rPr lang="it-IT" b="1" dirty="0"/>
               <a:t>Best model: Model 1</a:t>
             </a:r>
-            <a:endParaRPr dirty="0"/>
+            <a:endParaRPr b="1" dirty="0"/>
           </a:p>
         </p:txBody>
       </p:sp>

--- a/presentation/presentation.pptx
+++ b/presentation/presentation.pptx
@@ -5,7 +5,7 @@
     <p:sldMasterId id="2147483648" r:id="rId1"/>
   </p:sldMasterIdLst>
   <p:notesMasterIdLst>
-    <p:notesMasterId r:id="rId13"/>
+    <p:notesMasterId r:id="rId14"/>
   </p:notesMasterIdLst>
   <p:sldIdLst>
     <p:sldId id="256" r:id="rId2"/>
@@ -15,10 +15,11 @@
     <p:sldId id="301" r:id="rId6"/>
     <p:sldId id="304" r:id="rId7"/>
     <p:sldId id="261" r:id="rId8"/>
-    <p:sldId id="308" r:id="rId9"/>
-    <p:sldId id="306" r:id="rId10"/>
-    <p:sldId id="307" r:id="rId11"/>
-    <p:sldId id="299" r:id="rId12"/>
+    <p:sldId id="309" r:id="rId9"/>
+    <p:sldId id="308" r:id="rId10"/>
+    <p:sldId id="306" r:id="rId11"/>
+    <p:sldId id="307" r:id="rId12"/>
+    <p:sldId id="299" r:id="rId13"/>
   </p:sldIdLst>
   <p:sldSz cx="12192000" cy="6858000"/>
   <p:notesSz cx="6858000" cy="9144000"/>
@@ -2454,7 +2455,7 @@
           </a:ln>
           <a:extLst>
             <a:ext uri="{C572A759-6A51-4108-AA02-DFA0A04FC94B}">
-              <ma14:wrappingTextBoxFlag xmlns="" xmlns:ma14="http://schemas.microsoft.com/office/mac/drawingml/2011/main" val="1"/>
+              <ma14:wrappingTextBoxFlag xmlns:ma14="http://schemas.microsoft.com/office/mac/drawingml/2011/main" xmlns="" val="1"/>
             </a:ext>
           </a:extLst>
         </p:spPr>
@@ -2493,7 +2494,7 @@
           </a:ln>
           <a:extLst>
             <a:ext uri="{C572A759-6A51-4108-AA02-DFA0A04FC94B}">
-              <ma14:wrappingTextBoxFlag xmlns="" xmlns:ma14="http://schemas.microsoft.com/office/mac/drawingml/2011/main" val="1"/>
+              <ma14:wrappingTextBoxFlag xmlns:ma14="http://schemas.microsoft.com/office/mac/drawingml/2011/main" xmlns="" val="1"/>
             </a:ext>
           </a:extLst>
         </p:spPr>
@@ -3515,7 +3516,7 @@
             <a:effectLst/>
             <a:extLst>
               <a:ext uri="{C572A759-6A51-4108-AA02-DFA0A04FC94B}">
-                <ma14:wrappingTextBoxFlag xmlns="" xmlns:ma14="http://schemas.microsoft.com/office/mac/drawingml/2011/main" val="1"/>
+                <ma14:wrappingTextBoxFlag xmlns:ma14="http://schemas.microsoft.com/office/mac/drawingml/2011/main" xmlns="" val="1"/>
               </a:ext>
             </a:extLst>
           </p:spPr>
@@ -3567,7 +3568,7 @@
             <a:effectLst/>
             <a:extLst>
               <a:ext uri="{C572A759-6A51-4108-AA02-DFA0A04FC94B}">
-                <ma14:wrappingTextBoxFlag xmlns="" xmlns:ma14="http://schemas.microsoft.com/office/mac/drawingml/2011/main" val="1"/>
+                <ma14:wrappingTextBoxFlag xmlns:ma14="http://schemas.microsoft.com/office/mac/drawingml/2011/main" xmlns="" val="1"/>
               </a:ext>
             </a:extLst>
           </p:spPr>
@@ -3767,6 +3768,206 @@
       </p:grpSpPr>
       <p:sp>
         <p:nvSpPr>
+          <p:cNvPr id="346" name="Rectangle 11"/>
+          <p:cNvSpPr txBox="1"/>
+          <p:nvPr/>
+        </p:nvSpPr>
+        <p:spPr>
+          <a:xfrm>
+            <a:off x="3153713" y="934519"/>
+            <a:ext cx="5884575" cy="270652"/>
+          </a:xfrm>
+          <a:prstGeom prst="rect">
+            <a:avLst/>
+          </a:prstGeom>
+          <a:ln w="12700">
+            <a:miter lim="400000"/>
+          </a:ln>
+          <a:extLst>
+            <a:ext uri="{C572A759-6A51-4108-AA02-DFA0A04FC94B}">
+              <ma14:wrappingTextBoxFlag xmlns="" xmlns:ma14="http://schemas.microsoft.com/office/mac/drawingml/2011/main" val="1"/>
+            </a:ext>
+          </a:extLst>
+        </p:spPr>
+        <p:txBody>
+          <a:bodyPr lIns="45719" rIns="45719">
+            <a:spAutoFit/>
+          </a:bodyPr>
+          <a:lstStyle>
+            <a:lvl1pPr algn="ctr">
+              <a:lnSpc>
+                <a:spcPct val="150000"/>
+              </a:lnSpc>
+              <a:defRPr sz="900">
+                <a:solidFill>
+                  <a:srgbClr val="A7A7A7"/>
+                </a:solidFill>
+                <a:latin typeface="Lato Regular"/>
+                <a:ea typeface="Lato Regular"/>
+                <a:cs typeface="Lato Regular"/>
+                <a:sym typeface="Lato Regular"/>
+              </a:defRPr>
+            </a:lvl1pPr>
+          </a:lstStyle>
+          <a:p>
+            <a:r>
+              <a:rPr lang="it-IT" dirty="0"/>
+              <a:t>The following </a:t>
+            </a:r>
+            <a:r>
+              <a:rPr lang="it-IT" dirty="0" err="1"/>
+              <a:t>graphs</a:t>
+            </a:r>
+            <a:r>
+              <a:rPr lang="it-IT" dirty="0"/>
+              <a:t> </a:t>
+            </a:r>
+            <a:r>
+              <a:rPr lang="it-IT" dirty="0" err="1"/>
+              <a:t>visualize</a:t>
+            </a:r>
+            <a:r>
+              <a:rPr lang="it-IT" dirty="0"/>
+              <a:t> the </a:t>
+            </a:r>
+            <a:r>
+              <a:rPr lang="it-IT" dirty="0" err="1"/>
+              <a:t>comparison</a:t>
+            </a:r>
+            <a:r>
+              <a:rPr lang="it-IT" dirty="0"/>
+              <a:t> </a:t>
+            </a:r>
+            <a:r>
+              <a:rPr lang="it-IT" dirty="0" err="1"/>
+              <a:t>between</a:t>
+            </a:r>
+            <a:r>
+              <a:rPr lang="it-IT" dirty="0"/>
+              <a:t> out top N models</a:t>
+            </a:r>
+            <a:r>
+              <a:rPr dirty="0"/>
+              <a:t>.</a:t>
+            </a:r>
+          </a:p>
+        </p:txBody>
+      </p:sp>
+      <p:sp>
+        <p:nvSpPr>
+          <p:cNvPr id="347" name="TextBox 12"/>
+          <p:cNvSpPr txBox="1"/>
+          <p:nvPr/>
+        </p:nvSpPr>
+        <p:spPr>
+          <a:xfrm>
+            <a:off x="4922121" y="288188"/>
+            <a:ext cx="2347757" cy="646331"/>
+          </a:xfrm>
+          <a:prstGeom prst="rect">
+            <a:avLst/>
+          </a:prstGeom>
+          <a:ln w="12700">
+            <a:miter lim="400000"/>
+          </a:ln>
+          <a:extLst>
+            <a:ext uri="{C572A759-6A51-4108-AA02-DFA0A04FC94B}">
+              <ma14:wrappingTextBoxFlag xmlns="" xmlns:ma14="http://schemas.microsoft.com/office/mac/drawingml/2011/main" val="1"/>
+            </a:ext>
+          </a:extLst>
+        </p:spPr>
+        <p:txBody>
+          <a:bodyPr wrap="none" lIns="45719" rIns="45719">
+            <a:spAutoFit/>
+          </a:bodyPr>
+          <a:lstStyle>
+            <a:lvl1pPr>
+              <a:defRPr sz="3600">
+                <a:latin typeface="Montserrat Bold"/>
+                <a:ea typeface="Montserrat Bold"/>
+                <a:cs typeface="Montserrat Bold"/>
+                <a:sym typeface="Montserrat Bold"/>
+              </a:defRPr>
+            </a:lvl1pPr>
+          </a:lstStyle>
+          <a:p>
+            <a:r>
+              <a:rPr lang="it-IT" dirty="0" err="1"/>
+              <a:t>Comparison</a:t>
+            </a:r>
+            <a:endParaRPr dirty="0"/>
+          </a:p>
+        </p:txBody>
+      </p:sp>
+      <p:pic>
+        <p:nvPicPr>
+          <p:cNvPr id="4" name="Immagine 3">
+            <a:extLst>
+              <a:ext uri="{FF2B5EF4-FFF2-40B4-BE49-F238E27FC236}">
+                <a16:creationId xmlns:a16="http://schemas.microsoft.com/office/drawing/2014/main" id="{419C839D-B355-4D3F-9DA4-592C8D04B95F}"/>
+              </a:ext>
+            </a:extLst>
+          </p:cNvPr>
+          <p:cNvPicPr>
+            <a:picLocks noChangeAspect="1"/>
+          </p:cNvPicPr>
+          <p:nvPr/>
+        </p:nvPicPr>
+        <p:blipFill>
+          <a:blip r:embed="rId2">
+            <a:extLst>
+              <a:ext uri="{28A0092B-C50C-407E-A947-70E740481C1C}">
+                <a14:useLocalDpi xmlns:a14="http://schemas.microsoft.com/office/drawing/2010/main" val="0"/>
+              </a:ext>
+            </a:extLst>
+          </a:blip>
+          <a:stretch>
+            <a:fillRect/>
+          </a:stretch>
+        </p:blipFill>
+        <p:spPr>
+          <a:xfrm>
+            <a:off x="2001294" y="1580850"/>
+            <a:ext cx="8034223" cy="4620693"/>
+          </a:xfrm>
+          <a:prstGeom prst="rect">
+            <a:avLst/>
+          </a:prstGeom>
+        </p:spPr>
+      </p:pic>
+    </p:spTree>
+    <p:extLst>
+      <p:ext uri="{BB962C8B-B14F-4D97-AF65-F5344CB8AC3E}">
+        <p14:creationId xmlns:p14="http://schemas.microsoft.com/office/powerpoint/2010/main" val="1396381081"/>
+      </p:ext>
+    </p:extLst>
+  </p:cSld>
+  <p:clrMapOvr>
+    <a:masterClrMapping/>
+  </p:clrMapOvr>
+  <p:transition spd="med"/>
+</p:sld>
+</file>
+
+<file path=ppt/slides/slide11.xml><?xml version="1.0" encoding="utf-8"?>
+<p:sld xmlns:a="http://schemas.openxmlformats.org/drawingml/2006/main" xmlns:r="http://schemas.openxmlformats.org/officeDocument/2006/relationships" xmlns:p="http://schemas.openxmlformats.org/presentationml/2006/main">
+  <p:cSld>
+    <p:spTree>
+      <p:nvGrpSpPr>
+        <p:cNvPr id="1" name=""/>
+        <p:cNvGrpSpPr/>
+        <p:nvPr/>
+      </p:nvGrpSpPr>
+      <p:grpSpPr>
+        <a:xfrm>
+          <a:off x="0" y="0"/>
+          <a:ext cx="0" cy="0"/>
+          <a:chOff x="0" y="0"/>
+          <a:chExt cx="0" cy="0"/>
+        </a:xfrm>
+      </p:grpSpPr>
+      <p:sp>
+        <p:nvSpPr>
           <p:cNvPr id="330" name="Rectangle 5"/>
           <p:cNvSpPr/>
           <p:nvPr/>
@@ -3813,7 +4014,7 @@
           </a:ln>
           <a:extLst>
             <a:ext uri="{C572A759-6A51-4108-AA02-DFA0A04FC94B}">
-              <ma14:wrappingTextBoxFlag xmlns="" xmlns:ma14="http://schemas.microsoft.com/office/mac/drawingml/2011/main" val="1"/>
+              <ma14:wrappingTextBoxFlag xmlns:ma14="http://schemas.microsoft.com/office/mac/drawingml/2011/main" xmlns="" val="1"/>
             </a:ext>
           </a:extLst>
         </p:spPr>
@@ -3980,7 +4181,7 @@
           </a:ln>
           <a:extLst>
             <a:ext uri="{C572A759-6A51-4108-AA02-DFA0A04FC94B}">
-              <ma14:wrappingTextBoxFlag xmlns="" xmlns:ma14="http://schemas.microsoft.com/office/mac/drawingml/2011/main" val="1"/>
+              <ma14:wrappingTextBoxFlag xmlns:ma14="http://schemas.microsoft.com/office/mac/drawingml/2011/main" xmlns="" val="1"/>
             </a:ext>
           </a:extLst>
         </p:spPr>
@@ -4027,7 +4228,7 @@
 </p:sld>
 </file>
 
-<file path=ppt/slides/slide11.xml><?xml version="1.0" encoding="utf-8"?>
+<file path=ppt/slides/slide12.xml><?xml version="1.0" encoding="utf-8"?>
 <p:sld xmlns:a="http://schemas.openxmlformats.org/drawingml/2006/main" xmlns:r="http://schemas.openxmlformats.org/officeDocument/2006/relationships" xmlns:p="http://schemas.openxmlformats.org/presentationml/2006/main">
   <p:cSld>
     <p:bg>
@@ -4100,7 +4301,7 @@
           </a:ln>
           <a:extLst>
             <a:ext uri="{C572A759-6A51-4108-AA02-DFA0A04FC94B}">
-              <ma14:wrappingTextBoxFlag xmlns="" xmlns:ma14="http://schemas.microsoft.com/office/mac/drawingml/2011/main" val="1"/>
+              <ma14:wrappingTextBoxFlag xmlns:ma14="http://schemas.microsoft.com/office/mac/drawingml/2011/main" xmlns="" val="1"/>
             </a:ext>
           </a:extLst>
         </p:spPr>
@@ -4191,7 +4392,7 @@
           <a:effectLst/>
           <a:extLst>
             <a:ext uri="{C572A759-6A51-4108-AA02-DFA0A04FC94B}">
-              <ma14:wrappingTextBoxFlag xmlns="" xmlns:ma14="http://schemas.microsoft.com/office/mac/drawingml/2011/main" val="1"/>
+              <ma14:wrappingTextBoxFlag xmlns:ma14="http://schemas.microsoft.com/office/mac/drawingml/2011/main" xmlns="" val="1"/>
             </a:ext>
           </a:extLst>
         </p:spPr>
@@ -4516,7 +4717,7 @@
           </a:ln>
           <a:extLst>
             <a:ext uri="{C572A759-6A51-4108-AA02-DFA0A04FC94B}">
-              <ma14:wrappingTextBoxFlag xmlns="" xmlns:ma14="http://schemas.microsoft.com/office/mac/drawingml/2011/main" val="1"/>
+              <ma14:wrappingTextBoxFlag xmlns:ma14="http://schemas.microsoft.com/office/mac/drawingml/2011/main" xmlns="" val="1"/>
             </a:ext>
           </a:extLst>
         </p:spPr>
@@ -4640,7 +4841,7 @@
           </a:ln>
           <a:extLst>
             <a:ext uri="{C572A759-6A51-4108-AA02-DFA0A04FC94B}">
-              <ma14:wrappingTextBoxFlag xmlns="" xmlns:ma14="http://schemas.microsoft.com/office/mac/drawingml/2011/main" val="1"/>
+              <ma14:wrappingTextBoxFlag xmlns:ma14="http://schemas.microsoft.com/office/mac/drawingml/2011/main" xmlns="" val="1"/>
             </a:ext>
           </a:extLst>
         </p:spPr>
@@ -4860,7 +5061,7 @@
           </a:ln>
           <a:extLst>
             <a:ext uri="{C572A759-6A51-4108-AA02-DFA0A04FC94B}">
-              <ma14:wrappingTextBoxFlag xmlns="" xmlns:ma14="http://schemas.microsoft.com/office/mac/drawingml/2011/main" val="1"/>
+              <ma14:wrappingTextBoxFlag xmlns:ma14="http://schemas.microsoft.com/office/mac/drawingml/2011/main" xmlns="" val="1"/>
             </a:ext>
           </a:extLst>
         </p:spPr>
@@ -5002,7 +5203,7 @@
           </a:ln>
           <a:extLst>
             <a:ext uri="{C572A759-6A51-4108-AA02-DFA0A04FC94B}">
-              <ma14:wrappingTextBoxFlag xmlns="" xmlns:ma14="http://schemas.microsoft.com/office/mac/drawingml/2011/main" val="1"/>
+              <ma14:wrappingTextBoxFlag xmlns:ma14="http://schemas.microsoft.com/office/mac/drawingml/2011/main" xmlns="" val="1"/>
             </a:ext>
           </a:extLst>
         </p:spPr>
@@ -5201,7 +5402,7 @@
           </a:ln>
           <a:extLst>
             <a:ext uri="{C572A759-6A51-4108-AA02-DFA0A04FC94B}">
-              <ma14:wrappingTextBoxFlag xmlns="" xmlns:ma14="http://schemas.microsoft.com/office/mac/drawingml/2011/main" val="1"/>
+              <ma14:wrappingTextBoxFlag xmlns:ma14="http://schemas.microsoft.com/office/mac/drawingml/2011/main" xmlns="" val="1"/>
             </a:ext>
           </a:extLst>
         </p:spPr>
@@ -5328,7 +5529,7 @@
           </a:ln>
           <a:extLst>
             <a:ext uri="{C572A759-6A51-4108-AA02-DFA0A04FC94B}">
-              <ma14:wrappingTextBoxFlag xmlns="" xmlns:ma14="http://schemas.microsoft.com/office/mac/drawingml/2011/main" val="1"/>
+              <ma14:wrappingTextBoxFlag xmlns:ma14="http://schemas.microsoft.com/office/mac/drawingml/2011/main" xmlns="" val="1"/>
             </a:ext>
           </a:extLst>
         </p:spPr>
@@ -5513,8 +5714,8 @@
         </p:nvSpPr>
         <p:spPr>
           <a:xfrm>
-            <a:off x="6193474" y="1624690"/>
-            <a:ext cx="5426697" cy="607089"/>
+            <a:off x="359926" y="1805592"/>
+            <a:ext cx="5286894" cy="2796920"/>
           </a:xfrm>
           <a:prstGeom prst="rect">
             <a:avLst/>
@@ -5524,7 +5725,7 @@
           </a:ln>
           <a:extLst>
             <a:ext uri="{C572A759-6A51-4108-AA02-DFA0A04FC94B}">
-              <ma14:wrappingTextBoxFlag xmlns="" xmlns:ma14="http://schemas.microsoft.com/office/mac/drawingml/2011/main" val="1"/>
+              <ma14:wrappingTextBoxFlag xmlns:ma14="http://schemas.microsoft.com/office/mac/drawingml/2011/main" xmlns="" val="1"/>
             </a:ext>
           </a:extLst>
         </p:spPr>
@@ -5550,121 +5751,12 @@
           </a:lstStyle>
           <a:p>
             <a:r>
-              <a:rPr sz="1200" dirty="0"/>
-              <a:t>Lorem ipsum dolor sit </a:t>
-            </a:r>
-            <a:r>
-              <a:rPr sz="1200" dirty="0" err="1"/>
-              <a:t>amet</a:t>
-            </a:r>
-            <a:r>
-              <a:rPr sz="1200" dirty="0"/>
-              <a:t>, </a:t>
-            </a:r>
-            <a:r>
-              <a:rPr sz="1200" dirty="0" err="1"/>
-              <a:t>lacus</a:t>
-            </a:r>
-            <a:r>
-              <a:rPr sz="1200" dirty="0"/>
-              <a:t> </a:t>
-            </a:r>
-            <a:r>
-              <a:rPr sz="1200" dirty="0" err="1"/>
-              <a:t>nulla</a:t>
-            </a:r>
-            <a:r>
-              <a:rPr sz="1200" dirty="0"/>
-              <a:t> ac </a:t>
-            </a:r>
-            <a:r>
-              <a:rPr sz="1200" dirty="0" err="1"/>
-              <a:t>netus</a:t>
-            </a:r>
-            <a:r>
-              <a:rPr sz="1200" dirty="0"/>
-              <a:t> </a:t>
-            </a:r>
-            <a:r>
-              <a:rPr sz="1200" dirty="0" err="1"/>
-              <a:t>nibh</a:t>
-            </a:r>
-            <a:r>
-              <a:rPr sz="1200" dirty="0"/>
-              <a:t> </a:t>
-            </a:r>
-            <a:r>
-              <a:rPr sz="1200" dirty="0" err="1"/>
-              <a:t>aliquet</a:t>
-            </a:r>
-            <a:r>
-              <a:rPr sz="1200" dirty="0"/>
-              <a:t>, </a:t>
-            </a:r>
-            <a:r>
-              <a:rPr sz="1200" dirty="0" err="1"/>
-              <a:t>porttitor</a:t>
-            </a:r>
-            <a:r>
-              <a:rPr sz="1200" dirty="0"/>
-              <a:t> ligula </a:t>
-            </a:r>
-            <a:r>
-              <a:rPr sz="1200" dirty="0" err="1"/>
-              <a:t>justo</a:t>
-            </a:r>
-            <a:r>
-              <a:rPr sz="1200" dirty="0"/>
-              <a:t> libero </a:t>
-            </a:r>
-            <a:r>
-              <a:rPr sz="1200" dirty="0" err="1"/>
-              <a:t>vivamus</a:t>
-            </a:r>
-            <a:r>
-              <a:rPr sz="1200" dirty="0"/>
-              <a:t> </a:t>
-            </a:r>
-            <a:r>
-              <a:rPr sz="1200" dirty="0" err="1"/>
-              <a:t>porttitor</a:t>
-            </a:r>
-            <a:r>
-              <a:rPr sz="1200" dirty="0"/>
-              <a:t> dolor, </a:t>
-            </a:r>
-            <a:r>
-              <a:rPr lang="it-IT" sz="1200" dirty="0"/>
-              <a:t> Perché </a:t>
-            </a:r>
-            <a:r>
-              <a:rPr lang="it-IT" sz="1200" dirty="0" err="1"/>
-              <a:t>layer</a:t>
-            </a:r>
-            <a:r>
-              <a:rPr lang="it-IT" sz="1200" dirty="0"/>
-              <a:t>?</a:t>
-            </a:r>
-            <a:endParaRPr sz="1200" dirty="0"/>
+              <a:rPr lang="en-US" sz="2000" dirty="0"/>
+              <a:t>Given the large number of records, it was decided to use neural networks to solve the problem of predicting the taxi trip duration. The choice of the model and the hyperparameters was made after several empirical tests.</a:t>
+            </a:r>
+            <a:endParaRPr sz="2000" dirty="0"/>
           </a:p>
         </p:txBody>
-      </p:sp>
-      <p:sp>
-        <p:nvSpPr>
-          <p:cNvPr id="2" name="Picture Placeholder 1"/>
-          <p:cNvSpPr>
-            <a:spLocks noGrp="1"/>
-          </p:cNvSpPr>
-          <p:nvPr>
-            <p:ph type="pic" sz="half" idx="13"/>
-          </p:nvPr>
-        </p:nvSpPr>
-        <p:spPr>
-          <a:xfrm>
-            <a:off x="406851" y="1346005"/>
-            <a:ext cx="5107949" cy="4165990"/>
-          </a:xfrm>
-        </p:spPr>
       </p:sp>
       <p:sp>
         <p:nvSpPr>
@@ -5680,7 +5772,7 @@
         </p:nvSpPr>
         <p:spPr>
           <a:xfrm>
-            <a:off x="6193474" y="316182"/>
+            <a:off x="359926" y="316182"/>
             <a:ext cx="5591675" cy="1754326"/>
           </a:xfrm>
           <a:prstGeom prst="rect">
@@ -5691,7 +5783,7 @@
           </a:ln>
           <a:extLst>
             <a:ext uri="{C572A759-6A51-4108-AA02-DFA0A04FC94B}">
-              <ma14:wrappingTextBoxFlag xmlns="" xmlns:ma14="http://schemas.microsoft.com/office/mac/drawingml/2011/main" val="1"/>
+              <ma14:wrappingTextBoxFlag xmlns:ma14="http://schemas.microsoft.com/office/mac/drawingml/2011/main" xmlns="" val="1"/>
             </a:ext>
           </a:extLst>
         </p:spPr>
@@ -5740,6 +5832,42 @@
           </a:p>
         </p:txBody>
       </p:sp>
+      <p:pic>
+        <p:nvPicPr>
+          <p:cNvPr id="4" name="Immagine 3">
+            <a:extLst>
+              <a:ext uri="{FF2B5EF4-FFF2-40B4-BE49-F238E27FC236}">
+                <a16:creationId xmlns:a16="http://schemas.microsoft.com/office/drawing/2014/main" id="{DDC8828F-63A8-4E32-AE8B-280160FC50E3}"/>
+              </a:ext>
+            </a:extLst>
+          </p:cNvPr>
+          <p:cNvPicPr>
+            <a:picLocks noChangeAspect="1"/>
+          </p:cNvPicPr>
+          <p:nvPr/>
+        </p:nvPicPr>
+        <p:blipFill>
+          <a:blip r:embed="rId2">
+            <a:extLst>
+              <a:ext uri="{28A0092B-C50C-407E-A947-70E740481C1C}">
+                <a14:useLocalDpi xmlns:a14="http://schemas.microsoft.com/office/drawing/2010/main" val="0"/>
+              </a:ext>
+            </a:extLst>
+          </a:blip>
+          <a:stretch>
+            <a:fillRect/>
+          </a:stretch>
+        </p:blipFill>
+        <p:spPr>
+          <a:xfrm rot="5400000">
+            <a:off x="6317399" y="1930152"/>
+            <a:ext cx="5445483" cy="2669563"/>
+          </a:xfrm>
+          <a:prstGeom prst="rect">
+            <a:avLst/>
+          </a:prstGeom>
+        </p:spPr>
+      </p:pic>
     </p:spTree>
     <p:extLst>
       <p:ext uri="{BB962C8B-B14F-4D97-AF65-F5344CB8AC3E}">
@@ -5825,7 +5953,7 @@
           </a:ln>
           <a:extLst>
             <a:ext uri="{C572A759-6A51-4108-AA02-DFA0A04FC94B}">
-              <ma14:wrappingTextBoxFlag xmlns="" xmlns:ma14="http://schemas.microsoft.com/office/mac/drawingml/2011/main" val="1"/>
+              <ma14:wrappingTextBoxFlag xmlns:ma14="http://schemas.microsoft.com/office/mac/drawingml/2011/main" xmlns="" val="1"/>
             </a:ext>
           </a:extLst>
         </p:spPr>
@@ -5920,7 +6048,7 @@
           </a:ln>
           <a:extLst>
             <a:ext uri="{C572A759-6A51-4108-AA02-DFA0A04FC94B}">
-              <ma14:wrappingTextBoxFlag xmlns="" xmlns:ma14="http://schemas.microsoft.com/office/mac/drawingml/2011/main" val="1"/>
+              <ma14:wrappingTextBoxFlag xmlns:ma14="http://schemas.microsoft.com/office/mac/drawingml/2011/main" xmlns="" val="1"/>
             </a:ext>
           </a:extLst>
         </p:spPr>
@@ -6036,7 +6164,7 @@
           </a:ln>
           <a:extLst>
             <a:ext uri="{C572A759-6A51-4108-AA02-DFA0A04FC94B}">
-              <ma14:wrappingTextBoxFlag xmlns="" xmlns:ma14="http://schemas.microsoft.com/office/mac/drawingml/2011/main" val="1"/>
+              <ma14:wrappingTextBoxFlag xmlns:ma14="http://schemas.microsoft.com/office/mac/drawingml/2011/main" xmlns="" val="1"/>
             </a:ext>
           </a:extLst>
         </p:spPr>
@@ -6155,7 +6283,7 @@
           </a:ln>
           <a:extLst>
             <a:ext uri="{C572A759-6A51-4108-AA02-DFA0A04FC94B}">
-              <ma14:wrappingTextBoxFlag xmlns="" xmlns:ma14="http://schemas.microsoft.com/office/mac/drawingml/2011/main" val="1"/>
+              <ma14:wrappingTextBoxFlag xmlns:ma14="http://schemas.microsoft.com/office/mac/drawingml/2011/main" xmlns="" val="1"/>
             </a:ext>
           </a:extLst>
         </p:spPr>
@@ -6252,8 +6380,8 @@
         </p:nvSpPr>
         <p:spPr>
           <a:xfrm>
-            <a:off x="3153713" y="934519"/>
-            <a:ext cx="5884575" cy="478401"/>
+            <a:off x="2899232" y="934519"/>
+            <a:ext cx="5884575" cy="270652"/>
           </a:xfrm>
           <a:prstGeom prst="rect">
             <a:avLst/>
@@ -6263,7 +6391,7 @@
           </a:ln>
           <a:extLst>
             <a:ext uri="{C572A759-6A51-4108-AA02-DFA0A04FC94B}">
-              <ma14:wrappingTextBoxFlag xmlns="" xmlns:ma14="http://schemas.microsoft.com/office/mac/drawingml/2011/main" val="1"/>
+              <ma14:wrappingTextBoxFlag xmlns:ma14="http://schemas.microsoft.com/office/mac/drawingml/2011/main" xmlns="" val="1"/>
             </a:ext>
           </a:extLst>
         </p:spPr>
@@ -6294,7 +6422,15 @@
             </a:r>
             <a:r>
               <a:rPr lang="it-IT" dirty="0" err="1"/>
-              <a:t>graphs</a:t>
+              <a:t>graph</a:t>
+            </a:r>
+            <a:r>
+              <a:rPr lang="it-IT" dirty="0"/>
+              <a:t> shows the </a:t>
+            </a:r>
+            <a:r>
+              <a:rPr lang="it-IT" dirty="0" err="1"/>
+              <a:t>error</a:t>
             </a:r>
             <a:r>
               <a:rPr lang="it-IT" dirty="0"/>
@@ -6302,64 +6438,25 @@
             </a:r>
             <a:r>
               <a:rPr lang="it-IT" dirty="0" err="1"/>
-              <a:t>represent</a:t>
+              <a:t>divided</a:t>
             </a:r>
             <a:r>
               <a:rPr lang="it-IT" dirty="0"/>
-              <a:t> the </a:t>
+              <a:t> by trip </a:t>
             </a:r>
             <a:r>
               <a:rPr lang="it-IT" dirty="0" err="1"/>
-              <a:t>loss</a:t>
+              <a:t>duration’s</a:t>
             </a:r>
             <a:r>
               <a:rPr lang="it-IT" dirty="0"/>
-              <a:t> </a:t>
+              <a:t> bin </a:t>
             </a:r>
             <a:r>
               <a:rPr lang="it-IT" dirty="0" err="1"/>
-              <a:t>function</a:t>
-            </a:r>
-            <a:r>
-              <a:rPr lang="it-IT" dirty="0"/>
-              <a:t> of the model and the </a:t>
-            </a:r>
-            <a:r>
-              <a:rPr lang="it-IT" dirty="0" err="1"/>
-              <a:t>scatter</a:t>
-            </a:r>
-            <a:r>
-              <a:rPr lang="it-IT" dirty="0"/>
-              <a:t> plot of the </a:t>
-            </a:r>
-            <a:r>
-              <a:rPr lang="it-IT" dirty="0" err="1"/>
-              <a:t>prediction</a:t>
-            </a:r>
-            <a:r>
-              <a:rPr lang="it-IT" dirty="0"/>
-              <a:t> </a:t>
-            </a:r>
-            <a:r>
-              <a:rPr lang="it-IT" dirty="0" err="1"/>
-              <a:t>against</a:t>
-            </a:r>
-            <a:r>
-              <a:rPr lang="it-IT" dirty="0"/>
-              <a:t> the </a:t>
-            </a:r>
-            <a:r>
-              <a:rPr lang="it-IT" dirty="0" err="1"/>
-              <a:t>real</a:t>
-            </a:r>
-            <a:r>
-              <a:rPr lang="it-IT" dirty="0"/>
-              <a:t> duration</a:t>
-            </a:r>
-            <a:r>
-              <a:rPr dirty="0"/>
-              <a:t>.</a:t>
-            </a:r>
+              <a:t>category</a:t>
+            </a:r>
+            <a:endParaRPr dirty="0"/>
           </a:p>
         </p:txBody>
       </p:sp>
@@ -6382,7 +6479,7 @@
           </a:ln>
           <a:extLst>
             <a:ext uri="{C572A759-6A51-4108-AA02-DFA0A04FC94B}">
-              <ma14:wrappingTextBoxFlag xmlns="" xmlns:ma14="http://schemas.microsoft.com/office/mac/drawingml/2011/main" val="1"/>
+              <ma14:wrappingTextBoxFlag xmlns:ma14="http://schemas.microsoft.com/office/mac/drawingml/2011/main" xmlns="" val="1"/>
             </a:ext>
           </a:extLst>
         </p:spPr>
@@ -6424,7 +6521,7 @@
           <p:nvPr/>
         </p:nvPicPr>
         <p:blipFill>
-          <a:blip r:embed="rId2">
+          <a:blip r:embed="rId2" cstate="print">
             <a:extLst>
               <a:ext uri="{28A0092B-C50C-407E-A947-70E740481C1C}">
                 <a14:useLocalDpi xmlns:a14="http://schemas.microsoft.com/office/drawing/2010/main" val="0"/>
@@ -6436,8 +6533,8 @@
         </p:blipFill>
         <p:spPr>
           <a:xfrm>
-            <a:off x="1984695" y="1801728"/>
-            <a:ext cx="7713648" cy="4520635"/>
+            <a:off x="3321294" y="1412920"/>
+            <a:ext cx="5048983" cy="5048983"/>
           </a:xfrm>
           <a:prstGeom prst="rect">
             <a:avLst/>
@@ -6447,7 +6544,7 @@
     </p:spTree>
     <p:extLst>
       <p:ext uri="{BB962C8B-B14F-4D97-AF65-F5344CB8AC3E}">
-        <p14:creationId xmlns:p14="http://schemas.microsoft.com/office/powerpoint/2010/main" val="4176706947"/>
+        <p14:creationId xmlns:p14="http://schemas.microsoft.com/office/powerpoint/2010/main" val="3409751324"/>
       </p:ext>
     </p:extLst>
   </p:cSld>
@@ -6484,7 +6581,7 @@
         <p:spPr>
           <a:xfrm>
             <a:off x="3153713" y="934519"/>
-            <a:ext cx="5884575" cy="270652"/>
+            <a:ext cx="5884575" cy="478401"/>
           </a:xfrm>
           <a:prstGeom prst="rect">
             <a:avLst/>
@@ -6533,7 +6630,7 @@
             </a:r>
             <a:r>
               <a:rPr lang="it-IT" dirty="0" err="1"/>
-              <a:t>visualize</a:t>
+              <a:t>represent</a:t>
             </a:r>
             <a:r>
               <a:rPr lang="it-IT" dirty="0"/>
@@ -6541,7 +6638,7 @@
             </a:r>
             <a:r>
               <a:rPr lang="it-IT" dirty="0" err="1"/>
-              <a:t>comparison</a:t>
+              <a:t>loss</a:t>
             </a:r>
             <a:r>
               <a:rPr lang="it-IT" dirty="0"/>
@@ -6549,11 +6646,43 @@
             </a:r>
             <a:r>
               <a:rPr lang="it-IT" dirty="0" err="1"/>
-              <a:t>between</a:t>
+              <a:t>function</a:t>
             </a:r>
             <a:r>
               <a:rPr lang="it-IT" dirty="0"/>
-              <a:t> out top N models</a:t>
+              <a:t> of the model and the </a:t>
+            </a:r>
+            <a:r>
+              <a:rPr lang="it-IT" dirty="0" err="1"/>
+              <a:t>scatter</a:t>
+            </a:r>
+            <a:r>
+              <a:rPr lang="it-IT" dirty="0"/>
+              <a:t> plot of the </a:t>
+            </a:r>
+            <a:r>
+              <a:rPr lang="it-IT" dirty="0" err="1"/>
+              <a:t>prediction</a:t>
+            </a:r>
+            <a:r>
+              <a:rPr lang="it-IT" dirty="0"/>
+              <a:t> </a:t>
+            </a:r>
+            <a:r>
+              <a:rPr lang="it-IT" dirty="0" err="1"/>
+              <a:t>against</a:t>
+            </a:r>
+            <a:r>
+              <a:rPr lang="it-IT" dirty="0"/>
+              <a:t> the </a:t>
+            </a:r>
+            <a:r>
+              <a:rPr lang="it-IT" dirty="0" err="1"/>
+              <a:t>real</a:t>
+            </a:r>
+            <a:r>
+              <a:rPr lang="it-IT" dirty="0"/>
+              <a:t> duration</a:t>
             </a:r>
             <a:r>
               <a:rPr dirty="0"/>
@@ -6570,8 +6699,8 @@
         </p:nvSpPr>
         <p:spPr>
           <a:xfrm>
-            <a:off x="4922121" y="288188"/>
-            <a:ext cx="2347757" cy="646331"/>
+            <a:off x="5123697" y="288188"/>
+            <a:ext cx="1435647" cy="646331"/>
           </a:xfrm>
           <a:prstGeom prst="rect">
             <a:avLst/>
@@ -6602,7 +6731,7 @@
           <a:p>
             <a:r>
               <a:rPr lang="it-IT" dirty="0" err="1"/>
-              <a:t>Comparison</a:t>
+              <a:t>Results</a:t>
             </a:r>
             <a:endParaRPr dirty="0"/>
           </a:p>
@@ -6613,7 +6742,7 @@
           <p:cNvPr id="4" name="Immagine 3">
             <a:extLst>
               <a:ext uri="{FF2B5EF4-FFF2-40B4-BE49-F238E27FC236}">
-                <a16:creationId xmlns:a16="http://schemas.microsoft.com/office/drawing/2014/main" id="{419C839D-B355-4D3F-9DA4-592C8D04B95F}"/>
+                <a16:creationId xmlns:a16="http://schemas.microsoft.com/office/drawing/2014/main" id="{F0193568-147D-41B9-BB58-2B63B7BDDB4F}"/>
               </a:ext>
             </a:extLst>
           </p:cNvPr>
@@ -6630,14 +6759,13 @@
               </a:ext>
             </a:extLst>
           </a:blip>
-          <a:stretch>
-            <a:fillRect/>
-          </a:stretch>
+          <a:srcRect/>
+          <a:stretch/>
         </p:blipFill>
         <p:spPr>
           <a:xfrm>
-            <a:off x="2001294" y="1580850"/>
-            <a:ext cx="8034223" cy="4620693"/>
+            <a:off x="1984695" y="1801728"/>
+            <a:ext cx="7713648" cy="4520635"/>
           </a:xfrm>
           <a:prstGeom prst="rect">
             <a:avLst/>
@@ -6647,7 +6775,7 @@
     </p:spTree>
     <p:extLst>
       <p:ext uri="{BB962C8B-B14F-4D97-AF65-F5344CB8AC3E}">
-        <p14:creationId xmlns:p14="http://schemas.microsoft.com/office/powerpoint/2010/main" val="1396381081"/>
+        <p14:creationId xmlns:p14="http://schemas.microsoft.com/office/powerpoint/2010/main" val="4176706947"/>
       </p:ext>
     </p:extLst>
   </p:cSld>

--- a/presentation/presentation.pptx
+++ b/presentation/presentation.pptx
@@ -18,7 +18,7 @@
     <p:sldId id="309" r:id="rId9"/>
     <p:sldId id="308" r:id="rId10"/>
     <p:sldId id="306" r:id="rId11"/>
-    <p:sldId id="307" r:id="rId12"/>
+    <p:sldId id="310" r:id="rId12"/>
     <p:sldId id="299" r:id="rId13"/>
   </p:sldIdLst>
   <p:sldSz cx="12192000" cy="6858000"/>
@@ -2455,7 +2455,7 @@
           </a:ln>
           <a:extLst>
             <a:ext uri="{C572A759-6A51-4108-AA02-DFA0A04FC94B}">
-              <ma14:wrappingTextBoxFlag xmlns:ma14="http://schemas.microsoft.com/office/mac/drawingml/2011/main" xmlns="" val="1"/>
+              <ma14:wrappingTextBoxFlag xmlns="" xmlns:ma14="http://schemas.microsoft.com/office/mac/drawingml/2011/main" val="1"/>
             </a:ext>
           </a:extLst>
         </p:spPr>
@@ -2494,7 +2494,7 @@
           </a:ln>
           <a:extLst>
             <a:ext uri="{C572A759-6A51-4108-AA02-DFA0A04FC94B}">
-              <ma14:wrappingTextBoxFlag xmlns:ma14="http://schemas.microsoft.com/office/mac/drawingml/2011/main" xmlns="" val="1"/>
+              <ma14:wrappingTextBoxFlag xmlns="" xmlns:ma14="http://schemas.microsoft.com/office/mac/drawingml/2011/main" val="1"/>
             </a:ext>
           </a:extLst>
         </p:spPr>
@@ -3516,7 +3516,7 @@
             <a:effectLst/>
             <a:extLst>
               <a:ext uri="{C572A759-6A51-4108-AA02-DFA0A04FC94B}">
-                <ma14:wrappingTextBoxFlag xmlns:ma14="http://schemas.microsoft.com/office/mac/drawingml/2011/main" xmlns="" val="1"/>
+                <ma14:wrappingTextBoxFlag xmlns="" xmlns:ma14="http://schemas.microsoft.com/office/mac/drawingml/2011/main" val="1"/>
               </a:ext>
             </a:extLst>
           </p:spPr>
@@ -3568,7 +3568,7 @@
             <a:effectLst/>
             <a:extLst>
               <a:ext uri="{C572A759-6A51-4108-AA02-DFA0A04FC94B}">
-                <ma14:wrappingTextBoxFlag xmlns:ma14="http://schemas.microsoft.com/office/mac/drawingml/2011/main" xmlns="" val="1"/>
+                <ma14:wrappingTextBoxFlag xmlns="" xmlns:ma14="http://schemas.microsoft.com/office/mac/drawingml/2011/main" val="1"/>
               </a:ext>
             </a:extLst>
           </p:spPr>
@@ -3785,7 +3785,7 @@
           </a:ln>
           <a:extLst>
             <a:ext uri="{C572A759-6A51-4108-AA02-DFA0A04FC94B}">
-              <ma14:wrappingTextBoxFlag xmlns="" xmlns:ma14="http://schemas.microsoft.com/office/mac/drawingml/2011/main" val="1"/>
+              <ma14:wrappingTextBoxFlag xmlns:ma14="http://schemas.microsoft.com/office/mac/drawingml/2011/main" xmlns="" val="1"/>
             </a:ext>
           </a:extLst>
         </p:spPr>
@@ -3872,7 +3872,7 @@
           </a:ln>
           <a:extLst>
             <a:ext uri="{C572A759-6A51-4108-AA02-DFA0A04FC94B}">
-              <ma14:wrappingTextBoxFlag xmlns="" xmlns:ma14="http://schemas.microsoft.com/office/mac/drawingml/2011/main" val="1"/>
+              <ma14:wrappingTextBoxFlag xmlns:ma14="http://schemas.microsoft.com/office/mac/drawingml/2011/main" xmlns="" val="1"/>
             </a:ext>
           </a:extLst>
         </p:spPr>
@@ -3966,16 +3966,56 @@
           <a:chExt cx="0" cy="0"/>
         </a:xfrm>
       </p:grpSpPr>
+      <p:pic>
+        <p:nvPicPr>
+          <p:cNvPr id="11" name="Segnaposto immagine 7">
+            <a:extLst>
+              <a:ext uri="{FF2B5EF4-FFF2-40B4-BE49-F238E27FC236}">
+                <a16:creationId xmlns:a16="http://schemas.microsoft.com/office/drawing/2014/main" id="{8C5A5DB1-987B-42ED-85A2-E141F23D5C0D}"/>
+              </a:ext>
+            </a:extLst>
+          </p:cNvPr>
+          <p:cNvPicPr>
+            <a:picLocks noGrp="1" noChangeAspect="1"/>
+          </p:cNvPicPr>
+          <p:nvPr>
+            <p:ph type="pic" sz="half" idx="13"/>
+          </p:nvPr>
+        </p:nvPicPr>
+        <p:blipFill>
+          <a:blip r:embed="rId2">
+            <a:extLst>
+              <a:ext uri="{28A0092B-C50C-407E-A947-70E740481C1C}">
+                <a14:useLocalDpi xmlns:a14="http://schemas.microsoft.com/office/drawing/2010/main" val="0"/>
+              </a:ext>
+            </a:extLst>
+          </a:blip>
+          <a:srcRect l="25741" r="25741"/>
+          <a:stretch/>
+        </p:blipFill>
+        <p:spPr>
+          <a:xfrm>
+            <a:off x="6803700" y="0"/>
+            <a:ext cx="5388300" cy="6858000"/>
+          </a:xfrm>
+        </p:spPr>
+      </p:pic>
       <p:sp>
         <p:nvSpPr>
-          <p:cNvPr id="330" name="Rectangle 5"/>
+          <p:cNvPr id="6" name="Rectangle 5">
+            <a:extLst>
+              <a:ext uri="{FF2B5EF4-FFF2-40B4-BE49-F238E27FC236}">
+                <a16:creationId xmlns:a16="http://schemas.microsoft.com/office/drawing/2014/main" id="{28D22E49-36C9-4FDD-AC98-B506103FD91C}"/>
+              </a:ext>
+            </a:extLst>
+          </p:cNvPr>
           <p:cNvSpPr/>
           <p:nvPr/>
         </p:nvSpPr>
         <p:spPr>
-          <a:xfrm>
-            <a:off x="0" y="0"/>
-            <a:ext cx="12192000" cy="6858000"/>
+          <a:xfrm flipH="1">
+            <a:off x="7611364" y="673210"/>
+            <a:ext cx="3554023" cy="1285701"/>
           </a:xfrm>
           <a:prstGeom prst="rect">
             <a:avLst/>
@@ -3991,20 +4031,59 @@
           <a:bodyPr lIns="45719" rIns="45719"/>
           <a:lstStyle/>
           <a:p>
-            <a:endParaRPr/>
+            <a:r>
+              <a:rPr lang="it-IT" dirty="0"/>
+              <a:t>   </a:t>
+            </a:r>
+            <a:endParaRPr dirty="0"/>
           </a:p>
         </p:txBody>
       </p:sp>
       <p:sp>
         <p:nvSpPr>
-          <p:cNvPr id="331" name="Rectangle 2"/>
+          <p:cNvPr id="5" name="Rectangle 5">
+            <a:extLst>
+              <a:ext uri="{FF2B5EF4-FFF2-40B4-BE49-F238E27FC236}">
+                <a16:creationId xmlns:a16="http://schemas.microsoft.com/office/drawing/2014/main" id="{DD142950-86D7-4CE7-B724-C21F6D3BF783}"/>
+              </a:ext>
+            </a:extLst>
+          </p:cNvPr>
+          <p:cNvSpPr/>
+          <p:nvPr/>
+        </p:nvSpPr>
+        <p:spPr>
+          <a:xfrm flipH="1">
+            <a:off x="0" y="0"/>
+            <a:ext cx="6803700" cy="6858000"/>
+          </a:xfrm>
+          <a:prstGeom prst="rect">
+            <a:avLst/>
+          </a:prstGeom>
+          <a:solidFill>
+            <a:srgbClr val="1E1E1E"/>
+          </a:solidFill>
+          <a:ln w="12700">
+            <a:miter lim="400000"/>
+          </a:ln>
+        </p:spPr>
+        <p:txBody>
+          <a:bodyPr lIns="45719" rIns="45719"/>
+          <a:lstStyle/>
+          <a:p>
+            <a:endParaRPr/>
+          </a:p>
+        </p:txBody>
+      </p:sp>
+      <p:sp>
+        <p:nvSpPr>
+          <p:cNvPr id="355" name="TextBox 6"/>
           <p:cNvSpPr txBox="1"/>
           <p:nvPr/>
         </p:nvSpPr>
         <p:spPr>
-          <a:xfrm>
-            <a:off x="406851" y="1346005"/>
-            <a:ext cx="5426697" cy="607089"/>
+          <a:xfrm flipH="1">
+            <a:off x="7855424" y="886484"/>
+            <a:ext cx="3065902" cy="830997"/>
           </a:xfrm>
           <a:prstGeom prst="rect">
             <a:avLst/>
@@ -4014,7 +4093,129 @@
           </a:ln>
           <a:extLst>
             <a:ext uri="{C572A759-6A51-4108-AA02-DFA0A04FC94B}">
-              <ma14:wrappingTextBoxFlag xmlns:ma14="http://schemas.microsoft.com/office/mac/drawingml/2011/main" xmlns="" val="1"/>
+              <ma14:wrappingTextBoxFlag xmlns="" xmlns:ma14="http://schemas.microsoft.com/office/mac/drawingml/2011/main" val="1"/>
+            </a:ext>
+          </a:extLst>
+        </p:spPr>
+        <p:txBody>
+          <a:bodyPr wrap="none" lIns="45719" rIns="45719">
+            <a:spAutoFit/>
+          </a:bodyPr>
+          <a:lstStyle>
+            <a:lvl1pPr>
+              <a:defRPr sz="4800">
+                <a:solidFill>
+                  <a:srgbClr val="1E1E1E"/>
+                </a:solidFill>
+                <a:latin typeface="Montserrat Bold"/>
+                <a:ea typeface="Montserrat Bold"/>
+                <a:cs typeface="Montserrat Bold"/>
+                <a:sym typeface="Montserrat Bold"/>
+              </a:defRPr>
+            </a:lvl1pPr>
+          </a:lstStyle>
+          <a:p>
+            <a:r>
+              <a:rPr lang="it-IT" dirty="0" err="1">
+                <a:solidFill>
+                  <a:schemeClr val="bg1"/>
+                </a:solidFill>
+              </a:rPr>
+              <a:t>Conclusions</a:t>
+            </a:r>
+            <a:endParaRPr dirty="0">
+              <a:solidFill>
+                <a:schemeClr val="bg1"/>
+              </a:solidFill>
+            </a:endParaRPr>
+          </a:p>
+        </p:txBody>
+      </p:sp>
+      <p:sp>
+        <p:nvSpPr>
+          <p:cNvPr id="17" name="CasellaDiTesto 16">
+            <a:extLst>
+              <a:ext uri="{FF2B5EF4-FFF2-40B4-BE49-F238E27FC236}">
+                <a16:creationId xmlns:a16="http://schemas.microsoft.com/office/drawing/2014/main" id="{1AE2CE8B-E006-4D41-A7A3-E0223F7629FA}"/>
+              </a:ext>
+            </a:extLst>
+          </p:cNvPr>
+          <p:cNvSpPr txBox="1"/>
+          <p:nvPr/>
+        </p:nvSpPr>
+        <p:spPr>
+          <a:xfrm>
+            <a:off x="7060093" y="6543364"/>
+            <a:ext cx="6097464" cy="169277"/>
+          </a:xfrm>
+          <a:prstGeom prst="rect">
+            <a:avLst/>
+          </a:prstGeom>
+          <a:noFill/>
+          <a:ln w="12700" cap="flat">
+            <a:noFill/>
+            <a:miter lim="400000"/>
+          </a:ln>
+          <a:effectLst/>
+          <a:sp3d/>
+        </p:spPr>
+        <p:style>
+          <a:lnRef idx="0">
+            <a:scrgbClr r="0" g="0" b="0"/>
+          </a:lnRef>
+          <a:fillRef idx="0">
+            <a:scrgbClr r="0" g="0" b="0"/>
+          </a:fillRef>
+          <a:effectRef idx="0">
+            <a:scrgbClr r="0" g="0" b="0"/>
+          </a:effectRef>
+          <a:fontRef idx="none"/>
+        </p:style>
+        <p:txBody>
+          <a:bodyPr wrap="square">
+            <a:spAutoFit/>
+          </a:bodyPr>
+          <a:lstStyle/>
+          <a:p>
+            <a:r>
+              <a:rPr lang="it-IT" sz="500" dirty="0">
+                <a:solidFill>
+                  <a:schemeClr val="bg1">
+                    <a:lumMod val="75000"/>
+                  </a:schemeClr>
+                </a:solidFill>
+              </a:rPr>
+              <a:t>Image from https://fortune.com/2016/07/13/study-nyc-taxi-outperforming-uber/</a:t>
+            </a:r>
+          </a:p>
+        </p:txBody>
+      </p:sp>
+      <p:sp>
+        <p:nvSpPr>
+          <p:cNvPr id="9" name="Rectangle 2">
+            <a:extLst>
+              <a:ext uri="{FF2B5EF4-FFF2-40B4-BE49-F238E27FC236}">
+                <a16:creationId xmlns:a16="http://schemas.microsoft.com/office/drawing/2014/main" id="{EA675272-0EC3-4D7A-A2E0-CCB77F6407AB}"/>
+              </a:ext>
+            </a:extLst>
+          </p:cNvPr>
+          <p:cNvSpPr txBox="1"/>
+          <p:nvPr/>
+        </p:nvSpPr>
+        <p:spPr>
+          <a:xfrm>
+            <a:off x="688501" y="823671"/>
+            <a:ext cx="5426697" cy="5210657"/>
+          </a:xfrm>
+          <a:prstGeom prst="rect">
+            <a:avLst/>
+          </a:prstGeom>
+          <a:ln w="12700">
+            <a:miter lim="400000"/>
+          </a:ln>
+          <a:extLst>
+            <a:ext uri="{C572A759-6A51-4108-AA02-DFA0A04FC94B}">
+              <ma14:wrappingTextBoxFlag xmlns="" xmlns:ma14="http://schemas.microsoft.com/office/mac/drawingml/2011/main" val="1"/>
             </a:ext>
           </a:extLst>
         </p:spPr>
@@ -4040,184 +4241,68 @@
           </a:lstStyle>
           <a:p>
             <a:r>
-              <a:rPr sz="1200" dirty="0"/>
-              <a:t>Lorem ipsum dolor sit </a:t>
-            </a:r>
-            <a:r>
-              <a:rPr sz="1200" dirty="0" err="1"/>
-              <a:t>amet</a:t>
-            </a:r>
-            <a:r>
-              <a:rPr sz="1200" dirty="0"/>
-              <a:t>, </a:t>
-            </a:r>
-            <a:r>
-              <a:rPr sz="1200" dirty="0" err="1"/>
-              <a:t>lacus</a:t>
-            </a:r>
-            <a:r>
-              <a:rPr sz="1200" dirty="0"/>
-              <a:t> </a:t>
-            </a:r>
-            <a:r>
-              <a:rPr sz="1200" dirty="0" err="1"/>
-              <a:t>nulla</a:t>
-            </a:r>
-            <a:r>
-              <a:rPr sz="1200" dirty="0"/>
-              <a:t> ac </a:t>
-            </a:r>
-            <a:r>
-              <a:rPr sz="1200" dirty="0" err="1"/>
-              <a:t>netus</a:t>
-            </a:r>
-            <a:r>
-              <a:rPr sz="1200" dirty="0"/>
-              <a:t> </a:t>
-            </a:r>
-            <a:r>
-              <a:rPr sz="1200" dirty="0" err="1"/>
-              <a:t>nibh</a:t>
-            </a:r>
-            <a:r>
-              <a:rPr sz="1200" dirty="0"/>
-              <a:t> </a:t>
-            </a:r>
-            <a:r>
-              <a:rPr sz="1200" dirty="0" err="1"/>
-              <a:t>aliquet</a:t>
-            </a:r>
-            <a:r>
-              <a:rPr sz="1200" dirty="0"/>
-              <a:t>, </a:t>
-            </a:r>
-            <a:r>
-              <a:rPr sz="1200" dirty="0" err="1"/>
-              <a:t>porttitor</a:t>
-            </a:r>
-            <a:r>
-              <a:rPr sz="1200" dirty="0"/>
-              <a:t> ligula </a:t>
-            </a:r>
-            <a:r>
-              <a:rPr sz="1200" dirty="0" err="1"/>
-              <a:t>justo</a:t>
-            </a:r>
-            <a:r>
-              <a:rPr sz="1200" dirty="0"/>
-              <a:t> libero </a:t>
-            </a:r>
-            <a:r>
-              <a:rPr sz="1200" dirty="0" err="1"/>
-              <a:t>vivamus</a:t>
-            </a:r>
-            <a:r>
-              <a:rPr sz="1200" dirty="0"/>
-              <a:t> </a:t>
-            </a:r>
-            <a:r>
-              <a:rPr sz="1200" dirty="0" err="1"/>
-              <a:t>porttitor</a:t>
-            </a:r>
-            <a:r>
-              <a:rPr sz="1200" dirty="0"/>
-              <a:t> dolor, </a:t>
-            </a:r>
-            <a:r>
-              <a:rPr lang="it-IT" sz="1200" dirty="0"/>
-              <a:t> Perché </a:t>
-            </a:r>
-            <a:r>
-              <a:rPr lang="it-IT" sz="1200" dirty="0" err="1"/>
-              <a:t>layer</a:t>
-            </a:r>
-            <a:r>
-              <a:rPr lang="it-IT" sz="1200" dirty="0"/>
-              <a:t>?</a:t>
-            </a:r>
-            <a:endParaRPr sz="1200" dirty="0"/>
-          </a:p>
-        </p:txBody>
-      </p:sp>
-      <p:sp>
-        <p:nvSpPr>
-          <p:cNvPr id="2" name="Picture Placeholder 1"/>
-          <p:cNvSpPr>
-            <a:spLocks noGrp="1"/>
-          </p:cNvSpPr>
-          <p:nvPr>
-            <p:ph type="pic" sz="half" idx="13"/>
-          </p:nvPr>
-        </p:nvSpPr>
-        <p:spPr>
-          <a:xfrm>
-            <a:off x="6541288" y="1346005"/>
-            <a:ext cx="5107949" cy="4165990"/>
-          </a:xfrm>
-        </p:spPr>
-      </p:sp>
-      <p:sp>
-        <p:nvSpPr>
-          <p:cNvPr id="8" name="TextBox 5">
-            <a:extLst>
-              <a:ext uri="{FF2B5EF4-FFF2-40B4-BE49-F238E27FC236}">
-                <a16:creationId xmlns:a16="http://schemas.microsoft.com/office/drawing/2014/main" id="{2D7E1F90-7546-4231-8DCD-7A9B5FD8F7D6}"/>
-              </a:ext>
-            </a:extLst>
-          </p:cNvPr>
-          <p:cNvSpPr txBox="1"/>
-          <p:nvPr/>
-        </p:nvSpPr>
-        <p:spPr>
-          <a:xfrm>
-            <a:off x="406850" y="579951"/>
-            <a:ext cx="5591675" cy="1200329"/>
-          </a:xfrm>
-          <a:prstGeom prst="rect">
-            <a:avLst/>
-          </a:prstGeom>
-          <a:ln w="12700">
-            <a:miter lim="400000"/>
-          </a:ln>
-          <a:extLst>
-            <a:ext uri="{C572A759-6A51-4108-AA02-DFA0A04FC94B}">
-              <ma14:wrappingTextBoxFlag xmlns:ma14="http://schemas.microsoft.com/office/mac/drawingml/2011/main" xmlns="" val="1"/>
-            </a:ext>
-          </a:extLst>
-        </p:spPr>
-        <p:txBody>
-          <a:bodyPr wrap="square" lIns="45719" rIns="45719">
-            <a:spAutoFit/>
-          </a:bodyPr>
-          <a:lstStyle>
-            <a:lvl1pPr>
-              <a:defRPr sz="3600">
-                <a:solidFill>
-                  <a:srgbClr val="FFFFFF"/>
-                </a:solidFill>
-                <a:latin typeface="Montserrat Bold"/>
-                <a:ea typeface="Montserrat Bold"/>
-                <a:cs typeface="Montserrat Bold"/>
-                <a:sym typeface="Montserrat Bold"/>
-              </a:defRPr>
-            </a:lvl1pPr>
-          </a:lstStyle>
-          <a:p>
-            <a:r>
-              <a:rPr lang="it-IT" dirty="0" err="1"/>
-              <a:t>Conclusion</a:t>
-            </a:r>
-            <a:endParaRPr lang="it-IT" dirty="0"/>
-          </a:p>
-          <a:p>
-            <a:endParaRPr dirty="0"/>
+              <a:rPr lang="en-US" sz="1600" dirty="0"/>
+              <a:t>The approach applied gives </a:t>
+            </a:r>
+            <a:r>
+              <a:rPr lang="en-US" sz="1600" u="sng" dirty="0"/>
+              <a:t>good results</a:t>
+            </a:r>
+            <a:r>
+              <a:rPr lang="en-US" sz="1600" dirty="0"/>
+              <a:t>. </a:t>
+            </a:r>
+          </a:p>
+          <a:p>
+            <a:endParaRPr lang="en-US" sz="1600" dirty="0"/>
+          </a:p>
+          <a:p>
+            <a:r>
+              <a:rPr lang="en-US" sz="1600" dirty="0"/>
+              <a:t>In particular, the integration with geo-spatial data is important in order to consider different types of trips and also the outlier cut of too long trips and too short to be meaningful.</a:t>
+            </a:r>
+          </a:p>
+          <a:p>
+            <a:endParaRPr lang="en-US" sz="1600" dirty="0"/>
+          </a:p>
+          <a:p>
+            <a:r>
+              <a:rPr lang="en-US" sz="1600" dirty="0"/>
+              <a:t>The models tried are quite </a:t>
+            </a:r>
+            <a:r>
+              <a:rPr lang="en-US" sz="1600" u="sng" dirty="0"/>
+              <a:t>complex</a:t>
+            </a:r>
+            <a:r>
+              <a:rPr lang="en-US" sz="1600" dirty="0"/>
+              <a:t> but the best is the </a:t>
+            </a:r>
+            <a:r>
+              <a:rPr lang="en-US" sz="1600" u="sng" dirty="0"/>
+              <a:t>simplest one </a:t>
+            </a:r>
+            <a:r>
+              <a:rPr lang="en-US" sz="1600" dirty="0"/>
+              <a:t>(5 layers instead of 7 layers),usually a simpler model avoids overfitting and is more robust.</a:t>
+            </a:r>
+          </a:p>
+          <a:p>
+            <a:endParaRPr lang="en-US" sz="1600" dirty="0"/>
+          </a:p>
+          <a:p>
+            <a:r>
+              <a:rPr lang="en-US" sz="1600" dirty="0"/>
+              <a:t>The project could be improved in the future by adding some traffic information or based on this model bring a real-time one, that can be much more useful.</a:t>
+            </a:r>
+            <a:endParaRPr sz="1600" dirty="0"/>
           </a:p>
         </p:txBody>
       </p:sp>
     </p:spTree>
     <p:extLst>
       <p:ext uri="{BB962C8B-B14F-4D97-AF65-F5344CB8AC3E}">
-        <p14:creationId xmlns:p14="http://schemas.microsoft.com/office/powerpoint/2010/main" val="1104741153"/>
+        <p14:creationId xmlns:p14="http://schemas.microsoft.com/office/powerpoint/2010/main" val="2933212610"/>
       </p:ext>
     </p:extLst>
   </p:cSld>
@@ -4301,7 +4386,7 @@
           </a:ln>
           <a:extLst>
             <a:ext uri="{C572A759-6A51-4108-AA02-DFA0A04FC94B}">
-              <ma14:wrappingTextBoxFlag xmlns:ma14="http://schemas.microsoft.com/office/mac/drawingml/2011/main" xmlns="" val="1"/>
+              <ma14:wrappingTextBoxFlag xmlns="" xmlns:ma14="http://schemas.microsoft.com/office/mac/drawingml/2011/main" val="1"/>
             </a:ext>
           </a:extLst>
         </p:spPr>
@@ -4392,7 +4477,7 @@
           <a:effectLst/>
           <a:extLst>
             <a:ext uri="{C572A759-6A51-4108-AA02-DFA0A04FC94B}">
-              <ma14:wrappingTextBoxFlag xmlns:ma14="http://schemas.microsoft.com/office/mac/drawingml/2011/main" xmlns="" val="1"/>
+              <ma14:wrappingTextBoxFlag xmlns="" xmlns:ma14="http://schemas.microsoft.com/office/mac/drawingml/2011/main" val="1"/>
             </a:ext>
           </a:extLst>
         </p:spPr>
@@ -4717,7 +4802,7 @@
           </a:ln>
           <a:extLst>
             <a:ext uri="{C572A759-6A51-4108-AA02-DFA0A04FC94B}">
-              <ma14:wrappingTextBoxFlag xmlns:ma14="http://schemas.microsoft.com/office/mac/drawingml/2011/main" xmlns="" val="1"/>
+              <ma14:wrappingTextBoxFlag xmlns="" xmlns:ma14="http://schemas.microsoft.com/office/mac/drawingml/2011/main" val="1"/>
             </a:ext>
           </a:extLst>
         </p:spPr>
@@ -4841,7 +4926,7 @@
           </a:ln>
           <a:extLst>
             <a:ext uri="{C572A759-6A51-4108-AA02-DFA0A04FC94B}">
-              <ma14:wrappingTextBoxFlag xmlns:ma14="http://schemas.microsoft.com/office/mac/drawingml/2011/main" xmlns="" val="1"/>
+              <ma14:wrappingTextBoxFlag xmlns="" xmlns:ma14="http://schemas.microsoft.com/office/mac/drawingml/2011/main" val="1"/>
             </a:ext>
           </a:extLst>
         </p:spPr>
@@ -5061,7 +5146,7 @@
           </a:ln>
           <a:extLst>
             <a:ext uri="{C572A759-6A51-4108-AA02-DFA0A04FC94B}">
-              <ma14:wrappingTextBoxFlag xmlns:ma14="http://schemas.microsoft.com/office/mac/drawingml/2011/main" xmlns="" val="1"/>
+              <ma14:wrappingTextBoxFlag xmlns="" xmlns:ma14="http://schemas.microsoft.com/office/mac/drawingml/2011/main" val="1"/>
             </a:ext>
           </a:extLst>
         </p:spPr>
@@ -5088,7 +5173,15 @@
           <a:p>
             <a:r>
               <a:rPr lang="en-US" sz="1400" dirty="0"/>
-              <a:t>The dataset was taken from Kaggle and can be found at this </a:t>
+              <a:t>The dataset was taken from </a:t>
+            </a:r>
+            <a:r>
+              <a:rPr lang="en-US" sz="1400" u="sng" dirty="0"/>
+              <a:t>Kaggle</a:t>
+            </a:r>
+            <a:r>
+              <a:rPr lang="en-US" sz="1400" dirty="0"/>
+              <a:t> and can be found at this </a:t>
             </a:r>
             <a:r>
               <a:rPr lang="en-US" sz="1400" dirty="0">
@@ -5116,7 +5209,15 @@
             </a:pPr>
             <a:r>
               <a:rPr lang="en-US" sz="1400" dirty="0"/>
-              <a:t>Some records contained presumably wrong information regarding the trip duration. (i.e. trips whose distance was 700 or more km completed in less than an hour)</a:t>
+              <a:t>Some records contained presumably </a:t>
+            </a:r>
+            <a:r>
+              <a:rPr lang="en-US" sz="1400" b="1" dirty="0"/>
+              <a:t>wrong information </a:t>
+            </a:r>
+            <a:r>
+              <a:rPr lang="en-US" sz="1400" dirty="0"/>
+              <a:t>regarding the trip duration. (i.e. trips whose distance was 700 or more km completed in less than an hour)</a:t>
             </a:r>
           </a:p>
           <a:p>
@@ -5125,7 +5226,23 @@
             </a:pPr>
             <a:r>
               <a:rPr lang="en-US" sz="1400" dirty="0"/>
-              <a:t>Trips that presented a trip duration less than 10 seconds. </a:t>
+              <a:t>Trips that presented a </a:t>
+            </a:r>
+            <a:r>
+              <a:rPr lang="en-US" sz="1400" u="sng" dirty="0"/>
+              <a:t>trip duration </a:t>
+            </a:r>
+            <a:r>
+              <a:rPr lang="en-US" sz="1400" dirty="0"/>
+              <a:t>less than </a:t>
+            </a:r>
+            <a:r>
+              <a:rPr lang="en-US" sz="1400" u="sng" dirty="0"/>
+              <a:t>10 seconds</a:t>
+            </a:r>
+            <a:r>
+              <a:rPr lang="en-US" sz="1400" dirty="0"/>
+              <a:t>. </a:t>
             </a:r>
           </a:p>
           <a:p>
@@ -5138,7 +5255,23 @@
             </a:r>
             <a:r>
               <a:rPr lang="en-US" sz="1400" dirty="0"/>
-              <a:t> data encoded in latitude and longitude. This Is not the ideal format to feed to the models</a:t>
+              <a:t> data encoded in </a:t>
+            </a:r>
+            <a:r>
+              <a:rPr lang="en-US" sz="1400" u="sng" dirty="0"/>
+              <a:t>latitude</a:t>
+            </a:r>
+            <a:r>
+              <a:rPr lang="en-US" sz="1400" dirty="0"/>
+              <a:t> and </a:t>
+            </a:r>
+            <a:r>
+              <a:rPr lang="en-US" sz="1400" u="sng" dirty="0"/>
+              <a:t>longitude</a:t>
+            </a:r>
+            <a:r>
+              <a:rPr lang="en-US" sz="1400" dirty="0"/>
+              <a:t>. This Is not the ideal format to feed to the models</a:t>
             </a:r>
           </a:p>
           <a:p>
@@ -5147,7 +5280,19 @@
             </a:pPr>
             <a:r>
               <a:rPr lang="en-US" sz="1400" dirty="0"/>
-              <a:t>Datetime attribute contained more than one information (day, time, weekday or not, </a:t>
+              <a:t>Datetime attribute contained more than one information (</a:t>
+            </a:r>
+            <a:r>
+              <a:rPr lang="en-US" sz="1400" u="sng" dirty="0"/>
+              <a:t>day, time, weekday or n</a:t>
+            </a:r>
+            <a:r>
+              <a:rPr lang="en-US" sz="1400" b="1" dirty="0"/>
+              <a:t>ot</a:t>
+            </a:r>
+            <a:r>
+              <a:rPr lang="en-US" sz="1400" dirty="0"/>
+              <a:t>, </a:t>
             </a:r>
             <a:r>
               <a:rPr lang="en-US" sz="1400" dirty="0" err="1"/>
@@ -5164,7 +5309,15 @@
             </a:pPr>
             <a:r>
               <a:rPr lang="en-US" sz="1400" dirty="0"/>
-              <a:t>No distance between the points is given. This had to be calculated.</a:t>
+              <a:t>No </a:t>
+            </a:r>
+            <a:r>
+              <a:rPr lang="en-US" sz="1400" b="1" dirty="0"/>
+              <a:t>distance</a:t>
+            </a:r>
+            <a:r>
+              <a:rPr lang="en-US" sz="1400" dirty="0"/>
+              <a:t> between the points is given. This had to be calculated.</a:t>
             </a:r>
           </a:p>
           <a:p>
@@ -5173,7 +5326,15 @@
             </a:pPr>
             <a:r>
               <a:rPr lang="en-US" sz="1400" dirty="0"/>
-              <a:t>No aggregate geographical info (county/block) was given.</a:t>
+              <a:t>No </a:t>
+            </a:r>
+            <a:r>
+              <a:rPr lang="en-US" sz="1400" u="sng" dirty="0"/>
+              <a:t>aggregate geographical </a:t>
+            </a:r>
+            <a:r>
+              <a:rPr lang="en-US" sz="1400" dirty="0"/>
+              <a:t>info (county/block) was given.</a:t>
             </a:r>
           </a:p>
         </p:txBody>
@@ -5203,7 +5364,7 @@
           </a:ln>
           <a:extLst>
             <a:ext uri="{C572A759-6A51-4108-AA02-DFA0A04FC94B}">
-              <ma14:wrappingTextBoxFlag xmlns:ma14="http://schemas.microsoft.com/office/mac/drawingml/2011/main" xmlns="" val="1"/>
+              <ma14:wrappingTextBoxFlag xmlns="" xmlns:ma14="http://schemas.microsoft.com/office/mac/drawingml/2011/main" val="1"/>
             </a:ext>
           </a:extLst>
         </p:spPr>
@@ -5402,7 +5563,7 @@
           </a:ln>
           <a:extLst>
             <a:ext uri="{C572A759-6A51-4108-AA02-DFA0A04FC94B}">
-              <ma14:wrappingTextBoxFlag xmlns:ma14="http://schemas.microsoft.com/office/mac/drawingml/2011/main" xmlns="" val="1"/>
+              <ma14:wrappingTextBoxFlag xmlns="" xmlns:ma14="http://schemas.microsoft.com/office/mac/drawingml/2011/main" val="1"/>
             </a:ext>
           </a:extLst>
         </p:spPr>
@@ -5529,7 +5690,7 @@
           </a:ln>
           <a:extLst>
             <a:ext uri="{C572A759-6A51-4108-AA02-DFA0A04FC94B}">
-              <ma14:wrappingTextBoxFlag xmlns:ma14="http://schemas.microsoft.com/office/mac/drawingml/2011/main" xmlns="" val="1"/>
+              <ma14:wrappingTextBoxFlag xmlns="" xmlns:ma14="http://schemas.microsoft.com/office/mac/drawingml/2011/main" val="1"/>
             </a:ext>
           </a:extLst>
         </p:spPr>
@@ -5725,7 +5886,7 @@
           </a:ln>
           <a:extLst>
             <a:ext uri="{C572A759-6A51-4108-AA02-DFA0A04FC94B}">
-              <ma14:wrappingTextBoxFlag xmlns:ma14="http://schemas.microsoft.com/office/mac/drawingml/2011/main" xmlns="" val="1"/>
+              <ma14:wrappingTextBoxFlag xmlns="" xmlns:ma14="http://schemas.microsoft.com/office/mac/drawingml/2011/main" val="1"/>
             </a:ext>
           </a:extLst>
         </p:spPr>
@@ -5783,7 +5944,7 @@
           </a:ln>
           <a:extLst>
             <a:ext uri="{C572A759-6A51-4108-AA02-DFA0A04FC94B}">
-              <ma14:wrappingTextBoxFlag xmlns:ma14="http://schemas.microsoft.com/office/mac/drawingml/2011/main" xmlns="" val="1"/>
+              <ma14:wrappingTextBoxFlag xmlns="" xmlns:ma14="http://schemas.microsoft.com/office/mac/drawingml/2011/main" val="1"/>
             </a:ext>
           </a:extLst>
         </p:spPr>
@@ -5953,7 +6114,7 @@
           </a:ln>
           <a:extLst>
             <a:ext uri="{C572A759-6A51-4108-AA02-DFA0A04FC94B}">
-              <ma14:wrappingTextBoxFlag xmlns:ma14="http://schemas.microsoft.com/office/mac/drawingml/2011/main" xmlns="" val="1"/>
+              <ma14:wrappingTextBoxFlag xmlns="" xmlns:ma14="http://schemas.microsoft.com/office/mac/drawingml/2011/main" val="1"/>
             </a:ext>
           </a:extLst>
         </p:spPr>
@@ -5980,26 +6141,26 @@
           <a:p>
             <a:r>
               <a:rPr lang="en-US" sz="1600" dirty="0"/>
-              <a:t>This is model that resulted to be the best, in the end. It uses Dense layers, each with decreasing number </a:t>
-            </a:r>
-            <a:r>
-              <a:rPr lang="en-US" sz="1600"/>
-              <a:t>of units and </a:t>
+              <a:t>This is model that resulted to be the best, in the end. It uses </a:t>
+            </a:r>
+            <a:r>
+              <a:rPr lang="en-US" sz="1600" b="1" dirty="0"/>
+              <a:t>Dense</a:t>
             </a:r>
             <a:r>
               <a:rPr lang="en-US" sz="1600" dirty="0"/>
-              <a:t>with the </a:t>
-            </a:r>
-            <a:r>
-              <a:rPr lang="en-US" sz="1600" dirty="0" err="1"/>
-              <a:t>relu</a:t>
+              <a:t> layers, each with decreasing number of units and with the </a:t>
+            </a:r>
+            <a:r>
+              <a:rPr lang="en-US" sz="1600" b="1" dirty="0" err="1"/>
+              <a:t>ReLU</a:t>
             </a:r>
             <a:r>
               <a:rPr lang="en-US" sz="1600" dirty="0"/>
               <a:t> activation function, each followed by a </a:t>
             </a:r>
             <a:r>
-              <a:rPr lang="en-US" sz="1600" dirty="0" err="1"/>
+              <a:rPr lang="en-US" sz="1600" b="1" dirty="0" err="1"/>
               <a:t>BatchNormalization</a:t>
             </a:r>
             <a:r>
@@ -6010,7 +6171,15 @@
           <a:p>
             <a:r>
               <a:rPr lang="en-US" sz="1600" dirty="0"/>
-              <a:t>This layers all follows a Gaussian Noise layer, with very small hyperparameter. This is because adding noise to an </a:t>
+              <a:t>This layers all follows a </a:t>
+            </a:r>
+            <a:r>
+              <a:rPr lang="en-US" sz="1600" b="1" dirty="0"/>
+              <a:t>Gaussian Noise</a:t>
+            </a:r>
+            <a:r>
+              <a:rPr lang="en-US" sz="1600" dirty="0"/>
+              <a:t> layer, with very small hyperparameter. This is because adding noise to an </a:t>
             </a:r>
             <a:r>
               <a:rPr lang="en-US" sz="1600" dirty="0" err="1"/>
@@ -6048,7 +6217,7 @@
           </a:ln>
           <a:extLst>
             <a:ext uri="{C572A759-6A51-4108-AA02-DFA0A04FC94B}">
-              <ma14:wrappingTextBoxFlag xmlns:ma14="http://schemas.microsoft.com/office/mac/drawingml/2011/main" xmlns="" val="1"/>
+              <ma14:wrappingTextBoxFlag xmlns="" xmlns:ma14="http://schemas.microsoft.com/office/mac/drawingml/2011/main" val="1"/>
             </a:ext>
           </a:extLst>
         </p:spPr>
@@ -6164,7 +6333,7 @@
           </a:ln>
           <a:extLst>
             <a:ext uri="{C572A759-6A51-4108-AA02-DFA0A04FC94B}">
-              <ma14:wrappingTextBoxFlag xmlns:ma14="http://schemas.microsoft.com/office/mac/drawingml/2011/main" xmlns="" val="1"/>
+              <ma14:wrappingTextBoxFlag xmlns="" xmlns:ma14="http://schemas.microsoft.com/office/mac/drawingml/2011/main" val="1"/>
             </a:ext>
           </a:extLst>
         </p:spPr>
@@ -6283,7 +6452,7 @@
           </a:ln>
           <a:extLst>
             <a:ext uri="{C572A759-6A51-4108-AA02-DFA0A04FC94B}">
-              <ma14:wrappingTextBoxFlag xmlns:ma14="http://schemas.microsoft.com/office/mac/drawingml/2011/main" xmlns="" val="1"/>
+              <ma14:wrappingTextBoxFlag xmlns="" xmlns:ma14="http://schemas.microsoft.com/office/mac/drawingml/2011/main" val="1"/>
             </a:ext>
           </a:extLst>
         </p:spPr>
@@ -6391,7 +6560,7 @@
           </a:ln>
           <a:extLst>
             <a:ext uri="{C572A759-6A51-4108-AA02-DFA0A04FC94B}">
-              <ma14:wrappingTextBoxFlag xmlns:ma14="http://schemas.microsoft.com/office/mac/drawingml/2011/main" xmlns="" val="1"/>
+              <ma14:wrappingTextBoxFlag xmlns="" xmlns:ma14="http://schemas.microsoft.com/office/mac/drawingml/2011/main" val="1"/>
             </a:ext>
           </a:extLst>
         </p:spPr>
@@ -6479,7 +6648,7 @@
           </a:ln>
           <a:extLst>
             <a:ext uri="{C572A759-6A51-4108-AA02-DFA0A04FC94B}">
-              <ma14:wrappingTextBoxFlag xmlns:ma14="http://schemas.microsoft.com/office/mac/drawingml/2011/main" xmlns="" val="1"/>
+              <ma14:wrappingTextBoxFlag xmlns="" xmlns:ma14="http://schemas.microsoft.com/office/mac/drawingml/2011/main" val="1"/>
             </a:ext>
           </a:extLst>
         </p:spPr>
@@ -6508,10 +6677,10 @@
       </p:sp>
       <p:pic>
         <p:nvPicPr>
-          <p:cNvPr id="4" name="Immagine 3">
+          <p:cNvPr id="3" name="Immagine 2">
             <a:extLst>
               <a:ext uri="{FF2B5EF4-FFF2-40B4-BE49-F238E27FC236}">
-                <a16:creationId xmlns:a16="http://schemas.microsoft.com/office/drawing/2014/main" id="{F0193568-147D-41B9-BB58-2B63B7BDDB4F}"/>
+                <a16:creationId xmlns:a16="http://schemas.microsoft.com/office/drawing/2014/main" id="{F05700AF-8073-4991-B377-3DDC3E9FAFBF}"/>
               </a:ext>
             </a:extLst>
           </p:cNvPr>
@@ -6528,13 +6697,14 @@
               </a:ext>
             </a:extLst>
           </a:blip>
-          <a:srcRect/>
-          <a:stretch/>
+          <a:stretch>
+            <a:fillRect/>
+          </a:stretch>
         </p:blipFill>
         <p:spPr>
           <a:xfrm>
-            <a:off x="3321294" y="1412920"/>
-            <a:ext cx="5048983" cy="5048983"/>
+            <a:off x="3298436" y="1310195"/>
+            <a:ext cx="5086165" cy="5086165"/>
           </a:xfrm>
           <a:prstGeom prst="rect">
             <a:avLst/>
@@ -6591,7 +6761,7 @@
           </a:ln>
           <a:extLst>
             <a:ext uri="{C572A759-6A51-4108-AA02-DFA0A04FC94B}">
-              <ma14:wrappingTextBoxFlag xmlns:ma14="http://schemas.microsoft.com/office/mac/drawingml/2011/main" xmlns="" val="1"/>
+              <ma14:wrappingTextBoxFlag xmlns="" xmlns:ma14="http://schemas.microsoft.com/office/mac/drawingml/2011/main" val="1"/>
             </a:ext>
           </a:extLst>
         </p:spPr>
@@ -6710,7 +6880,7 @@
           </a:ln>
           <a:extLst>
             <a:ext uri="{C572A759-6A51-4108-AA02-DFA0A04FC94B}">
-              <ma14:wrappingTextBoxFlag xmlns:ma14="http://schemas.microsoft.com/office/mac/drawingml/2011/main" xmlns="" val="1"/>
+              <ma14:wrappingTextBoxFlag xmlns="" xmlns:ma14="http://schemas.microsoft.com/office/mac/drawingml/2011/main" val="1"/>
             </a:ext>
           </a:extLst>
         </p:spPr>

--- a/presentation/presentation.pptx
+++ b/presentation/presentation.pptx
@@ -2455,7 +2455,7 @@
           </a:ln>
           <a:extLst>
             <a:ext uri="{C572A759-6A51-4108-AA02-DFA0A04FC94B}">
-              <ma14:wrappingTextBoxFlag xmlns="" xmlns:ma14="http://schemas.microsoft.com/office/mac/drawingml/2011/main" val="1"/>
+              <ma14:wrappingTextBoxFlag xmlns:ma14="http://schemas.microsoft.com/office/mac/drawingml/2011/main" xmlns="" val="1"/>
             </a:ext>
           </a:extLst>
         </p:spPr>
@@ -2494,7 +2494,7 @@
           </a:ln>
           <a:extLst>
             <a:ext uri="{C572A759-6A51-4108-AA02-DFA0A04FC94B}">
-              <ma14:wrappingTextBoxFlag xmlns="" xmlns:ma14="http://schemas.microsoft.com/office/mac/drawingml/2011/main" val="1"/>
+              <ma14:wrappingTextBoxFlag xmlns:ma14="http://schemas.microsoft.com/office/mac/drawingml/2011/main" xmlns="" val="1"/>
             </a:ext>
           </a:extLst>
         </p:spPr>
@@ -3516,7 +3516,7 @@
             <a:effectLst/>
             <a:extLst>
               <a:ext uri="{C572A759-6A51-4108-AA02-DFA0A04FC94B}">
-                <ma14:wrappingTextBoxFlag xmlns="" xmlns:ma14="http://schemas.microsoft.com/office/mac/drawingml/2011/main" val="1"/>
+                <ma14:wrappingTextBoxFlag xmlns:ma14="http://schemas.microsoft.com/office/mac/drawingml/2011/main" xmlns="" val="1"/>
               </a:ext>
             </a:extLst>
           </p:spPr>
@@ -3568,7 +3568,7 @@
             <a:effectLst/>
             <a:extLst>
               <a:ext uri="{C572A759-6A51-4108-AA02-DFA0A04FC94B}">
-                <ma14:wrappingTextBoxFlag xmlns="" xmlns:ma14="http://schemas.microsoft.com/office/mac/drawingml/2011/main" val="1"/>
+                <ma14:wrappingTextBoxFlag xmlns:ma14="http://schemas.microsoft.com/office/mac/drawingml/2011/main" xmlns="" val="1"/>
               </a:ext>
             </a:extLst>
           </p:spPr>
@@ -3785,7 +3785,7 @@
           </a:ln>
           <a:extLst>
             <a:ext uri="{C572A759-6A51-4108-AA02-DFA0A04FC94B}">
-              <ma14:wrappingTextBoxFlag xmlns:ma14="http://schemas.microsoft.com/office/mac/drawingml/2011/main" xmlns="" val="1"/>
+              <ma14:wrappingTextBoxFlag xmlns="" xmlns:ma14="http://schemas.microsoft.com/office/mac/drawingml/2011/main" val="1"/>
             </a:ext>
           </a:extLst>
         </p:spPr>
@@ -3872,7 +3872,7 @@
           </a:ln>
           <a:extLst>
             <a:ext uri="{C572A759-6A51-4108-AA02-DFA0A04FC94B}">
-              <ma14:wrappingTextBoxFlag xmlns:ma14="http://schemas.microsoft.com/office/mac/drawingml/2011/main" xmlns="" val="1"/>
+              <ma14:wrappingTextBoxFlag xmlns="" xmlns:ma14="http://schemas.microsoft.com/office/mac/drawingml/2011/main" val="1"/>
             </a:ext>
           </a:extLst>
         </p:spPr>
@@ -4093,7 +4093,7 @@
           </a:ln>
           <a:extLst>
             <a:ext uri="{C572A759-6A51-4108-AA02-DFA0A04FC94B}">
-              <ma14:wrappingTextBoxFlag xmlns="" xmlns:ma14="http://schemas.microsoft.com/office/mac/drawingml/2011/main" val="1"/>
+              <ma14:wrappingTextBoxFlag xmlns:ma14="http://schemas.microsoft.com/office/mac/drawingml/2011/main" xmlns="" val="1"/>
             </a:ext>
           </a:extLst>
         </p:spPr>
@@ -4215,7 +4215,7 @@
           </a:ln>
           <a:extLst>
             <a:ext uri="{C572A759-6A51-4108-AA02-DFA0A04FC94B}">
-              <ma14:wrappingTextBoxFlag xmlns="" xmlns:ma14="http://schemas.microsoft.com/office/mac/drawingml/2011/main" val="1"/>
+              <ma14:wrappingTextBoxFlag xmlns:ma14="http://schemas.microsoft.com/office/mac/drawingml/2011/main" xmlns="" val="1"/>
             </a:ext>
           </a:extLst>
         </p:spPr>
@@ -4386,7 +4386,7 @@
           </a:ln>
           <a:extLst>
             <a:ext uri="{C572A759-6A51-4108-AA02-DFA0A04FC94B}">
-              <ma14:wrappingTextBoxFlag xmlns="" xmlns:ma14="http://schemas.microsoft.com/office/mac/drawingml/2011/main" val="1"/>
+              <ma14:wrappingTextBoxFlag xmlns:ma14="http://schemas.microsoft.com/office/mac/drawingml/2011/main" xmlns="" val="1"/>
             </a:ext>
           </a:extLst>
         </p:spPr>
@@ -4477,7 +4477,7 @@
           <a:effectLst/>
           <a:extLst>
             <a:ext uri="{C572A759-6A51-4108-AA02-DFA0A04FC94B}">
-              <ma14:wrappingTextBoxFlag xmlns="" xmlns:ma14="http://schemas.microsoft.com/office/mac/drawingml/2011/main" val="1"/>
+              <ma14:wrappingTextBoxFlag xmlns:ma14="http://schemas.microsoft.com/office/mac/drawingml/2011/main" xmlns="" val="1"/>
             </a:ext>
           </a:extLst>
         </p:spPr>
@@ -4802,7 +4802,7 @@
           </a:ln>
           <a:extLst>
             <a:ext uri="{C572A759-6A51-4108-AA02-DFA0A04FC94B}">
-              <ma14:wrappingTextBoxFlag xmlns="" xmlns:ma14="http://schemas.microsoft.com/office/mac/drawingml/2011/main" val="1"/>
+              <ma14:wrappingTextBoxFlag xmlns:ma14="http://schemas.microsoft.com/office/mac/drawingml/2011/main" xmlns="" val="1"/>
             </a:ext>
           </a:extLst>
         </p:spPr>
@@ -4926,7 +4926,7 @@
           </a:ln>
           <a:extLst>
             <a:ext uri="{C572A759-6A51-4108-AA02-DFA0A04FC94B}">
-              <ma14:wrappingTextBoxFlag xmlns="" xmlns:ma14="http://schemas.microsoft.com/office/mac/drawingml/2011/main" val="1"/>
+              <ma14:wrappingTextBoxFlag xmlns:ma14="http://schemas.microsoft.com/office/mac/drawingml/2011/main" xmlns="" val="1"/>
             </a:ext>
           </a:extLst>
         </p:spPr>
@@ -5146,7 +5146,7 @@
           </a:ln>
           <a:extLst>
             <a:ext uri="{C572A759-6A51-4108-AA02-DFA0A04FC94B}">
-              <ma14:wrappingTextBoxFlag xmlns="" xmlns:ma14="http://schemas.microsoft.com/office/mac/drawingml/2011/main" val="1"/>
+              <ma14:wrappingTextBoxFlag xmlns:ma14="http://schemas.microsoft.com/office/mac/drawingml/2011/main" xmlns="" val="1"/>
             </a:ext>
           </a:extLst>
         </p:spPr>
@@ -5271,7 +5271,7 @@
             </a:r>
             <a:r>
               <a:rPr lang="en-US" sz="1400" dirty="0"/>
-              <a:t>. This Is not the ideal format to feed to the models</a:t>
+              <a:t>. This Is not the ideal format to feed the models</a:t>
             </a:r>
           </a:p>
           <a:p>
@@ -5364,7 +5364,7 @@
           </a:ln>
           <a:extLst>
             <a:ext uri="{C572A759-6A51-4108-AA02-DFA0A04FC94B}">
-              <ma14:wrappingTextBoxFlag xmlns="" xmlns:ma14="http://schemas.microsoft.com/office/mac/drawingml/2011/main" val="1"/>
+              <ma14:wrappingTextBoxFlag xmlns:ma14="http://schemas.microsoft.com/office/mac/drawingml/2011/main" xmlns="" val="1"/>
             </a:ext>
           </a:extLst>
         </p:spPr>
@@ -5563,7 +5563,7 @@
           </a:ln>
           <a:extLst>
             <a:ext uri="{C572A759-6A51-4108-AA02-DFA0A04FC94B}">
-              <ma14:wrappingTextBoxFlag xmlns="" xmlns:ma14="http://schemas.microsoft.com/office/mac/drawingml/2011/main" val="1"/>
+              <ma14:wrappingTextBoxFlag xmlns:ma14="http://schemas.microsoft.com/office/mac/drawingml/2011/main" xmlns="" val="1"/>
             </a:ext>
           </a:extLst>
         </p:spPr>
@@ -5690,7 +5690,7 @@
           </a:ln>
           <a:extLst>
             <a:ext uri="{C572A759-6A51-4108-AA02-DFA0A04FC94B}">
-              <ma14:wrappingTextBoxFlag xmlns="" xmlns:ma14="http://schemas.microsoft.com/office/mac/drawingml/2011/main" val="1"/>
+              <ma14:wrappingTextBoxFlag xmlns:ma14="http://schemas.microsoft.com/office/mac/drawingml/2011/main" xmlns="" val="1"/>
             </a:ext>
           </a:extLst>
         </p:spPr>
@@ -5886,7 +5886,7 @@
           </a:ln>
           <a:extLst>
             <a:ext uri="{C572A759-6A51-4108-AA02-DFA0A04FC94B}">
-              <ma14:wrappingTextBoxFlag xmlns="" xmlns:ma14="http://schemas.microsoft.com/office/mac/drawingml/2011/main" val="1"/>
+              <ma14:wrappingTextBoxFlag xmlns:ma14="http://schemas.microsoft.com/office/mac/drawingml/2011/main" xmlns="" val="1"/>
             </a:ext>
           </a:extLst>
         </p:spPr>
@@ -5944,7 +5944,7 @@
           </a:ln>
           <a:extLst>
             <a:ext uri="{C572A759-6A51-4108-AA02-DFA0A04FC94B}">
-              <ma14:wrappingTextBoxFlag xmlns="" xmlns:ma14="http://schemas.microsoft.com/office/mac/drawingml/2011/main" val="1"/>
+              <ma14:wrappingTextBoxFlag xmlns:ma14="http://schemas.microsoft.com/office/mac/drawingml/2011/main" xmlns="" val="1"/>
             </a:ext>
           </a:extLst>
         </p:spPr>
@@ -6104,7 +6104,7 @@
         <p:spPr>
           <a:xfrm>
             <a:off x="337797" y="1140813"/>
-            <a:ext cx="5426697" cy="3733330"/>
+            <a:ext cx="5426697" cy="5217134"/>
           </a:xfrm>
           <a:prstGeom prst="rect">
             <a:avLst/>
@@ -6114,7 +6114,7 @@
           </a:ln>
           <a:extLst>
             <a:ext uri="{C572A759-6A51-4108-AA02-DFA0A04FC94B}">
-              <ma14:wrappingTextBoxFlag xmlns="" xmlns:ma14="http://schemas.microsoft.com/office/mac/drawingml/2011/main" val="1"/>
+              <ma14:wrappingTextBoxFlag xmlns:ma14="http://schemas.microsoft.com/office/mac/drawingml/2011/main" xmlns="" val="1"/>
             </a:ext>
           </a:extLst>
         </p:spPr>
@@ -6187,8 +6187,171 @@
             </a:r>
             <a:r>
               <a:rPr lang="en-US" sz="1600" dirty="0"/>
-              <a:t> neural network model can have a regularizing effect and reduce overfitting.</a:t>
-            </a:r>
+              <a:t> neural network model can have a regularizing effect and reduce overfitting. </a:t>
+            </a:r>
+            <a:r>
+              <a:rPr lang="it-IT" sz="1600" dirty="0"/>
+              <a:t>The</a:t>
+            </a:r>
+            <a:r>
+              <a:rPr lang="it-IT" sz="1600" b="1" dirty="0"/>
+              <a:t> Learning Rate </a:t>
+            </a:r>
+            <a:r>
+              <a:rPr lang="it-IT" sz="1600" dirty="0" err="1"/>
+              <a:t>changes</a:t>
+            </a:r>
+            <a:r>
+              <a:rPr lang="it-IT" sz="1600" dirty="0"/>
+              <a:t> </a:t>
+            </a:r>
+            <a:r>
+              <a:rPr lang="it-IT" sz="1600" dirty="0" err="1"/>
+              <a:t>going</a:t>
+            </a:r>
+            <a:r>
+              <a:rPr lang="it-IT" sz="1600" dirty="0"/>
+              <a:t> </a:t>
+            </a:r>
+            <a:r>
+              <a:rPr lang="it-IT" sz="1600" dirty="0" err="1"/>
+              <a:t>forward</a:t>
+            </a:r>
+            <a:r>
+              <a:rPr lang="it-IT" sz="1600" dirty="0"/>
+              <a:t> with the </a:t>
+            </a:r>
+            <a:r>
+              <a:rPr lang="it-IT" sz="1600" dirty="0" err="1"/>
+              <a:t>epochs</a:t>
+            </a:r>
+            <a:r>
+              <a:rPr lang="it-IT" sz="1600" dirty="0"/>
+              <a:t> in </a:t>
+            </a:r>
+            <a:r>
+              <a:rPr lang="it-IT" sz="1600" dirty="0" err="1"/>
+              <a:t>order</a:t>
+            </a:r>
+            <a:r>
+              <a:rPr lang="it-IT" sz="1600" dirty="0"/>
+              <a:t> to be </a:t>
+            </a:r>
+            <a:r>
+              <a:rPr lang="it-IT" sz="1600" dirty="0" err="1"/>
+              <a:t>able</a:t>
+            </a:r>
+            <a:r>
+              <a:rPr lang="it-IT" sz="1600" dirty="0"/>
+              <a:t> to </a:t>
+            </a:r>
+            <a:r>
+              <a:rPr lang="it-IT" sz="1600" dirty="0" err="1"/>
+              <a:t>quickly</a:t>
+            </a:r>
+            <a:r>
+              <a:rPr lang="it-IT" sz="1600" dirty="0"/>
+              <a:t> </a:t>
+            </a:r>
+            <a:r>
+              <a:rPr lang="it-IT" sz="1600" dirty="0" err="1"/>
+              <a:t>find</a:t>
+            </a:r>
+            <a:r>
+              <a:rPr lang="it-IT" sz="1600" dirty="0"/>
+              <a:t> an optimum </a:t>
+            </a:r>
+            <a:r>
+              <a:rPr lang="it-IT" sz="1600" dirty="0" err="1"/>
+              <a:t>point</a:t>
+            </a:r>
+            <a:r>
+              <a:rPr lang="it-IT" sz="1600" dirty="0"/>
+              <a:t> and </a:t>
+            </a:r>
+            <a:r>
+              <a:rPr lang="it-IT" sz="1600" dirty="0" err="1"/>
+              <a:t>then</a:t>
+            </a:r>
+            <a:r>
+              <a:rPr lang="it-IT" sz="1600" dirty="0"/>
+              <a:t> </a:t>
+            </a:r>
+            <a:r>
+              <a:rPr lang="it-IT" sz="1600" dirty="0" err="1"/>
+              <a:t>move</a:t>
+            </a:r>
+            <a:r>
+              <a:rPr lang="it-IT" sz="1600" dirty="0"/>
+              <a:t> </a:t>
+            </a:r>
+            <a:r>
+              <a:rPr lang="it-IT" sz="1600" dirty="0" err="1"/>
+              <a:t>carefully</a:t>
+            </a:r>
+            <a:r>
+              <a:rPr lang="it-IT" sz="1600" dirty="0"/>
+              <a:t> in the </a:t>
+            </a:r>
+            <a:r>
+              <a:rPr lang="it-IT" sz="1600" dirty="0" err="1"/>
+              <a:t>vicinity</a:t>
+            </a:r>
+            <a:r>
+              <a:rPr lang="it-IT" sz="1600" dirty="0"/>
+              <a:t> of </a:t>
+            </a:r>
+            <a:r>
+              <a:rPr lang="it-IT" sz="1600" dirty="0" err="1"/>
+              <a:t>this</a:t>
+            </a:r>
+            <a:r>
+              <a:rPr lang="it-IT" sz="1600" dirty="0"/>
+              <a:t> </a:t>
+            </a:r>
+            <a:r>
+              <a:rPr lang="it-IT" sz="1600" dirty="0" err="1"/>
+              <a:t>point</a:t>
+            </a:r>
+            <a:r>
+              <a:rPr lang="it-IT" sz="1600" dirty="0"/>
+              <a:t> so </a:t>
+            </a:r>
+            <a:r>
+              <a:rPr lang="it-IT" sz="1600" dirty="0" err="1"/>
+              <a:t>as</a:t>
+            </a:r>
+            <a:r>
+              <a:rPr lang="it-IT" sz="1600" dirty="0"/>
+              <a:t> </a:t>
+            </a:r>
+            <a:r>
+              <a:rPr lang="it-IT" sz="1600" dirty="0" err="1"/>
+              <a:t>not</a:t>
+            </a:r>
+            <a:r>
+              <a:rPr lang="it-IT" sz="1600" dirty="0"/>
+              <a:t> to </a:t>
+            </a:r>
+            <a:r>
+              <a:rPr lang="it-IT" sz="1600" dirty="0" err="1"/>
+              <a:t>skip</a:t>
+            </a:r>
+            <a:r>
+              <a:rPr lang="it-IT" sz="1600" dirty="0"/>
+              <a:t> </a:t>
+            </a:r>
+            <a:r>
+              <a:rPr lang="it-IT" sz="1600" dirty="0" err="1"/>
+              <a:t>it</a:t>
+            </a:r>
+            <a:r>
+              <a:rPr lang="it-IT" sz="1600" dirty="0"/>
+              <a:t>. </a:t>
+            </a:r>
+          </a:p>
+          <a:p>
+            <a:endParaRPr lang="en-US" sz="1600" dirty="0"/>
           </a:p>
         </p:txBody>
       </p:sp>
@@ -6217,7 +6380,7 @@
           </a:ln>
           <a:extLst>
             <a:ext uri="{C572A759-6A51-4108-AA02-DFA0A04FC94B}">
-              <ma14:wrappingTextBoxFlag xmlns="" xmlns:ma14="http://schemas.microsoft.com/office/mac/drawingml/2011/main" val="1"/>
+              <ma14:wrappingTextBoxFlag xmlns:ma14="http://schemas.microsoft.com/office/mac/drawingml/2011/main" xmlns="" val="1"/>
             </a:ext>
           </a:extLst>
         </p:spPr>
@@ -6333,7 +6496,7 @@
           </a:ln>
           <a:extLst>
             <a:ext uri="{C572A759-6A51-4108-AA02-DFA0A04FC94B}">
-              <ma14:wrappingTextBoxFlag xmlns="" xmlns:ma14="http://schemas.microsoft.com/office/mac/drawingml/2011/main" val="1"/>
+              <ma14:wrappingTextBoxFlag xmlns:ma14="http://schemas.microsoft.com/office/mac/drawingml/2011/main" xmlns="" val="1"/>
             </a:ext>
           </a:extLst>
         </p:spPr>
@@ -6452,7 +6615,7 @@
           </a:ln>
           <a:extLst>
             <a:ext uri="{C572A759-6A51-4108-AA02-DFA0A04FC94B}">
-              <ma14:wrappingTextBoxFlag xmlns="" xmlns:ma14="http://schemas.microsoft.com/office/mac/drawingml/2011/main" val="1"/>
+              <ma14:wrappingTextBoxFlag xmlns:ma14="http://schemas.microsoft.com/office/mac/drawingml/2011/main" xmlns="" val="1"/>
             </a:ext>
           </a:extLst>
         </p:spPr>
@@ -6560,7 +6723,7 @@
           </a:ln>
           <a:extLst>
             <a:ext uri="{C572A759-6A51-4108-AA02-DFA0A04FC94B}">
-              <ma14:wrappingTextBoxFlag xmlns="" xmlns:ma14="http://schemas.microsoft.com/office/mac/drawingml/2011/main" val="1"/>
+              <ma14:wrappingTextBoxFlag xmlns:ma14="http://schemas.microsoft.com/office/mac/drawingml/2011/main" xmlns="" val="1"/>
             </a:ext>
           </a:extLst>
         </p:spPr>
@@ -6648,7 +6811,7 @@
           </a:ln>
           <a:extLst>
             <a:ext uri="{C572A759-6A51-4108-AA02-DFA0A04FC94B}">
-              <ma14:wrappingTextBoxFlag xmlns="" xmlns:ma14="http://schemas.microsoft.com/office/mac/drawingml/2011/main" val="1"/>
+              <ma14:wrappingTextBoxFlag xmlns:ma14="http://schemas.microsoft.com/office/mac/drawingml/2011/main" xmlns="" val="1"/>
             </a:ext>
           </a:extLst>
         </p:spPr>
@@ -6761,7 +6924,7 @@
           </a:ln>
           <a:extLst>
             <a:ext uri="{C572A759-6A51-4108-AA02-DFA0A04FC94B}">
-              <ma14:wrappingTextBoxFlag xmlns="" xmlns:ma14="http://schemas.microsoft.com/office/mac/drawingml/2011/main" val="1"/>
+              <ma14:wrappingTextBoxFlag xmlns:ma14="http://schemas.microsoft.com/office/mac/drawingml/2011/main" xmlns="" val="1"/>
             </a:ext>
           </a:extLst>
         </p:spPr>
@@ -6880,7 +7043,7 @@
           </a:ln>
           <a:extLst>
             <a:ext uri="{C572A759-6A51-4108-AA02-DFA0A04FC94B}">
-              <ma14:wrappingTextBoxFlag xmlns="" xmlns:ma14="http://schemas.microsoft.com/office/mac/drawingml/2011/main" val="1"/>
+              <ma14:wrappingTextBoxFlag xmlns:ma14="http://schemas.microsoft.com/office/mac/drawingml/2011/main" xmlns="" val="1"/>
             </a:ext>
           </a:extLst>
         </p:spPr>

--- a/presentation/presentation.pptx
+++ b/presentation/presentation.pptx
@@ -13,11 +13,11 @@
     <p:sldId id="302" r:id="rId4"/>
     <p:sldId id="260" r:id="rId5"/>
     <p:sldId id="301" r:id="rId6"/>
-    <p:sldId id="304" r:id="rId7"/>
-    <p:sldId id="261" r:id="rId8"/>
-    <p:sldId id="309" r:id="rId9"/>
-    <p:sldId id="308" r:id="rId10"/>
-    <p:sldId id="306" r:id="rId11"/>
+    <p:sldId id="306" r:id="rId7"/>
+    <p:sldId id="304" r:id="rId8"/>
+    <p:sldId id="261" r:id="rId9"/>
+    <p:sldId id="309" r:id="rId10"/>
+    <p:sldId id="308" r:id="rId11"/>
     <p:sldId id="310" r:id="rId12"/>
     <p:sldId id="299" r:id="rId13"/>
   </p:sldIdLst>
@@ -2455,7 +2455,7 @@
           </a:ln>
           <a:extLst>
             <a:ext uri="{C572A759-6A51-4108-AA02-DFA0A04FC94B}">
-              <ma14:wrappingTextBoxFlag xmlns:ma14="http://schemas.microsoft.com/office/mac/drawingml/2011/main" xmlns="" val="1"/>
+              <ma14:wrappingTextBoxFlag xmlns="" xmlns:ma14="http://schemas.microsoft.com/office/mac/drawingml/2011/main" val="1"/>
             </a:ext>
           </a:extLst>
         </p:spPr>
@@ -2494,7 +2494,7 @@
           </a:ln>
           <a:extLst>
             <a:ext uri="{C572A759-6A51-4108-AA02-DFA0A04FC94B}">
-              <ma14:wrappingTextBoxFlag xmlns:ma14="http://schemas.microsoft.com/office/mac/drawingml/2011/main" xmlns="" val="1"/>
+              <ma14:wrappingTextBoxFlag xmlns="" xmlns:ma14="http://schemas.microsoft.com/office/mac/drawingml/2011/main" val="1"/>
             </a:ext>
           </a:extLst>
         </p:spPr>
@@ -3516,7 +3516,7 @@
             <a:effectLst/>
             <a:extLst>
               <a:ext uri="{C572A759-6A51-4108-AA02-DFA0A04FC94B}">
-                <ma14:wrappingTextBoxFlag xmlns:ma14="http://schemas.microsoft.com/office/mac/drawingml/2011/main" xmlns="" val="1"/>
+                <ma14:wrappingTextBoxFlag xmlns="" xmlns:ma14="http://schemas.microsoft.com/office/mac/drawingml/2011/main" val="1"/>
               </a:ext>
             </a:extLst>
           </p:spPr>
@@ -3568,7 +3568,7 @@
             <a:effectLst/>
             <a:extLst>
               <a:ext uri="{C572A759-6A51-4108-AA02-DFA0A04FC94B}">
-                <ma14:wrappingTextBoxFlag xmlns:ma14="http://schemas.microsoft.com/office/mac/drawingml/2011/main" xmlns="" val="1"/>
+                <ma14:wrappingTextBoxFlag xmlns="" xmlns:ma14="http://schemas.microsoft.com/office/mac/drawingml/2011/main" val="1"/>
               </a:ext>
             </a:extLst>
           </p:spPr>
@@ -3775,7 +3775,7 @@
         <p:spPr>
           <a:xfrm>
             <a:off x="3153713" y="934519"/>
-            <a:ext cx="5884575" cy="270652"/>
+            <a:ext cx="5884575" cy="274242"/>
           </a:xfrm>
           <a:prstGeom prst="rect">
             <a:avLst/>
@@ -3824,7 +3824,23 @@
             </a:r>
             <a:r>
               <a:rPr lang="it-IT" dirty="0" err="1"/>
-              <a:t>visualize</a:t>
+              <a:t>represent</a:t>
+            </a:r>
+            <a:r>
+              <a:rPr lang="it-IT" dirty="0"/>
+              <a:t> the scatter plot of the </a:t>
+            </a:r>
+            <a:r>
+              <a:rPr lang="it-IT" dirty="0" err="1"/>
+              <a:t>prediction</a:t>
+            </a:r>
+            <a:r>
+              <a:rPr lang="it-IT" dirty="0"/>
+              <a:t> </a:t>
+            </a:r>
+            <a:r>
+              <a:rPr lang="it-IT" dirty="0" err="1"/>
+              <a:t>against</a:t>
             </a:r>
             <a:r>
               <a:rPr lang="it-IT" dirty="0"/>
@@ -3832,19 +3848,11 @@
             </a:r>
             <a:r>
               <a:rPr lang="it-IT" dirty="0" err="1"/>
-              <a:t>comparison</a:t>
+              <a:t>real</a:t>
             </a:r>
             <a:r>
               <a:rPr lang="it-IT" dirty="0"/>
-              <a:t> </a:t>
-            </a:r>
-            <a:r>
-              <a:rPr lang="it-IT" dirty="0" err="1"/>
-              <a:t>between</a:t>
-            </a:r>
-            <a:r>
-              <a:rPr lang="it-IT" dirty="0"/>
-              <a:t> out top N models</a:t>
+              <a:t> duration</a:t>
             </a:r>
             <a:r>
               <a:rPr dirty="0"/>
@@ -3861,8 +3869,8 @@
         </p:nvSpPr>
         <p:spPr>
           <a:xfrm>
-            <a:off x="4922121" y="288188"/>
-            <a:ext cx="2347757" cy="646331"/>
+            <a:off x="5123697" y="288188"/>
+            <a:ext cx="1435647" cy="646331"/>
           </a:xfrm>
           <a:prstGeom prst="rect">
             <a:avLst/>
@@ -3893,7 +3901,7 @@
           <a:p>
             <a:r>
               <a:rPr lang="it-IT" dirty="0" err="1"/>
-              <a:t>Comparison</a:t>
+              <a:t>Results</a:t>
             </a:r>
             <a:endParaRPr dirty="0"/>
           </a:p>
@@ -3904,7 +3912,7 @@
           <p:cNvPr id="4" name="Immagine 3">
             <a:extLst>
               <a:ext uri="{FF2B5EF4-FFF2-40B4-BE49-F238E27FC236}">
-                <a16:creationId xmlns:a16="http://schemas.microsoft.com/office/drawing/2014/main" id="{419C839D-B355-4D3F-9DA4-592C8D04B95F}"/>
+                <a16:creationId xmlns:a16="http://schemas.microsoft.com/office/drawing/2014/main" id="{F0193568-147D-41B9-BB58-2B63B7BDDB4F}"/>
               </a:ext>
             </a:extLst>
           </p:cNvPr>
@@ -3921,14 +3929,13 @@
               </a:ext>
             </a:extLst>
           </a:blip>
-          <a:stretch>
-            <a:fillRect/>
-          </a:stretch>
+          <a:srcRect/>
+          <a:stretch/>
         </p:blipFill>
         <p:spPr>
           <a:xfrm>
-            <a:off x="2001294" y="1580850"/>
-            <a:ext cx="8034223" cy="4620693"/>
+            <a:off x="1984695" y="1801728"/>
+            <a:ext cx="7713648" cy="4520635"/>
           </a:xfrm>
           <a:prstGeom prst="rect">
             <a:avLst/>
@@ -3938,7 +3945,7 @@
     </p:spTree>
     <p:extLst>
       <p:ext uri="{BB962C8B-B14F-4D97-AF65-F5344CB8AC3E}">
-        <p14:creationId xmlns:p14="http://schemas.microsoft.com/office/powerpoint/2010/main" val="1396381081"/>
+        <p14:creationId xmlns:p14="http://schemas.microsoft.com/office/powerpoint/2010/main" val="4176706947"/>
       </p:ext>
     </p:extLst>
   </p:cSld>
@@ -4093,7 +4100,7 @@
           </a:ln>
           <a:extLst>
             <a:ext uri="{C572A759-6A51-4108-AA02-DFA0A04FC94B}">
-              <ma14:wrappingTextBoxFlag xmlns:ma14="http://schemas.microsoft.com/office/mac/drawingml/2011/main" xmlns="" val="1"/>
+              <ma14:wrappingTextBoxFlag xmlns="" xmlns:ma14="http://schemas.microsoft.com/office/mac/drawingml/2011/main" val="1"/>
             </a:ext>
           </a:extLst>
         </p:spPr>
@@ -4215,7 +4222,7 @@
           </a:ln>
           <a:extLst>
             <a:ext uri="{C572A759-6A51-4108-AA02-DFA0A04FC94B}">
-              <ma14:wrappingTextBoxFlag xmlns:ma14="http://schemas.microsoft.com/office/mac/drawingml/2011/main" xmlns="" val="1"/>
+              <ma14:wrappingTextBoxFlag xmlns="" xmlns:ma14="http://schemas.microsoft.com/office/mac/drawingml/2011/main" val="1"/>
             </a:ext>
           </a:extLst>
         </p:spPr>
@@ -4386,7 +4393,7 @@
           </a:ln>
           <a:extLst>
             <a:ext uri="{C572A759-6A51-4108-AA02-DFA0A04FC94B}">
-              <ma14:wrappingTextBoxFlag xmlns:ma14="http://schemas.microsoft.com/office/mac/drawingml/2011/main" xmlns="" val="1"/>
+              <ma14:wrappingTextBoxFlag xmlns="" xmlns:ma14="http://schemas.microsoft.com/office/mac/drawingml/2011/main" val="1"/>
             </a:ext>
           </a:extLst>
         </p:spPr>
@@ -4477,7 +4484,7 @@
           <a:effectLst/>
           <a:extLst>
             <a:ext uri="{C572A759-6A51-4108-AA02-DFA0A04FC94B}">
-              <ma14:wrappingTextBoxFlag xmlns:ma14="http://schemas.microsoft.com/office/mac/drawingml/2011/main" xmlns="" val="1"/>
+              <ma14:wrappingTextBoxFlag xmlns="" xmlns:ma14="http://schemas.microsoft.com/office/mac/drawingml/2011/main" val="1"/>
             </a:ext>
           </a:extLst>
         </p:spPr>
@@ -4802,7 +4809,7 @@
           </a:ln>
           <a:extLst>
             <a:ext uri="{C572A759-6A51-4108-AA02-DFA0A04FC94B}">
-              <ma14:wrappingTextBoxFlag xmlns:ma14="http://schemas.microsoft.com/office/mac/drawingml/2011/main" xmlns="" val="1"/>
+              <ma14:wrappingTextBoxFlag xmlns="" xmlns:ma14="http://schemas.microsoft.com/office/mac/drawingml/2011/main" val="1"/>
             </a:ext>
           </a:extLst>
         </p:spPr>
@@ -4926,7 +4933,7 @@
           </a:ln>
           <a:extLst>
             <a:ext uri="{C572A759-6A51-4108-AA02-DFA0A04FC94B}">
-              <ma14:wrappingTextBoxFlag xmlns:ma14="http://schemas.microsoft.com/office/mac/drawingml/2011/main" xmlns="" val="1"/>
+              <ma14:wrappingTextBoxFlag xmlns="" xmlns:ma14="http://schemas.microsoft.com/office/mac/drawingml/2011/main" val="1"/>
             </a:ext>
           </a:extLst>
         </p:spPr>
@@ -5146,7 +5153,7 @@
           </a:ln>
           <a:extLst>
             <a:ext uri="{C572A759-6A51-4108-AA02-DFA0A04FC94B}">
-              <ma14:wrappingTextBoxFlag xmlns:ma14="http://schemas.microsoft.com/office/mac/drawingml/2011/main" xmlns="" val="1"/>
+              <ma14:wrappingTextBoxFlag xmlns="" xmlns:ma14="http://schemas.microsoft.com/office/mac/drawingml/2011/main" val="1"/>
             </a:ext>
           </a:extLst>
         </p:spPr>
@@ -5364,7 +5371,7 @@
           </a:ln>
           <a:extLst>
             <a:ext uri="{C572A759-6A51-4108-AA02-DFA0A04FC94B}">
-              <ma14:wrappingTextBoxFlag xmlns:ma14="http://schemas.microsoft.com/office/mac/drawingml/2011/main" xmlns="" val="1"/>
+              <ma14:wrappingTextBoxFlag xmlns="" xmlns:ma14="http://schemas.microsoft.com/office/mac/drawingml/2011/main" val="1"/>
             </a:ext>
           </a:extLst>
         </p:spPr>
@@ -5563,7 +5570,7 @@
           </a:ln>
           <a:extLst>
             <a:ext uri="{C572A759-6A51-4108-AA02-DFA0A04FC94B}">
-              <ma14:wrappingTextBoxFlag xmlns:ma14="http://schemas.microsoft.com/office/mac/drawingml/2011/main" xmlns="" val="1"/>
+              <ma14:wrappingTextBoxFlag xmlns="" xmlns:ma14="http://schemas.microsoft.com/office/mac/drawingml/2011/main" val="1"/>
             </a:ext>
           </a:extLst>
         </p:spPr>
@@ -5690,7 +5697,7 @@
           </a:ln>
           <a:extLst>
             <a:ext uri="{C572A759-6A51-4108-AA02-DFA0A04FC94B}">
-              <ma14:wrappingTextBoxFlag xmlns:ma14="http://schemas.microsoft.com/office/mac/drawingml/2011/main" xmlns="" val="1"/>
+              <ma14:wrappingTextBoxFlag xmlns="" xmlns:ma14="http://schemas.microsoft.com/office/mac/drawingml/2011/main" val="1"/>
             </a:ext>
           </a:extLst>
         </p:spPr>
@@ -5886,7 +5893,7 @@
           </a:ln>
           <a:extLst>
             <a:ext uri="{C572A759-6A51-4108-AA02-DFA0A04FC94B}">
-              <ma14:wrappingTextBoxFlag xmlns:ma14="http://schemas.microsoft.com/office/mac/drawingml/2011/main" xmlns="" val="1"/>
+              <ma14:wrappingTextBoxFlag xmlns="" xmlns:ma14="http://schemas.microsoft.com/office/mac/drawingml/2011/main" val="1"/>
             </a:ext>
           </a:extLst>
         </p:spPr>
@@ -5944,7 +5951,7 @@
           </a:ln>
           <a:extLst>
             <a:ext uri="{C572A759-6A51-4108-AA02-DFA0A04FC94B}">
-              <ma14:wrappingTextBoxFlag xmlns:ma14="http://schemas.microsoft.com/office/mac/drawingml/2011/main" xmlns="" val="1"/>
+              <ma14:wrappingTextBoxFlag xmlns="" xmlns:ma14="http://schemas.microsoft.com/office/mac/drawingml/2011/main" val="1"/>
             </a:ext>
           </a:extLst>
         </p:spPr>
@@ -6062,49 +6069,14 @@
       </p:grpSpPr>
       <p:sp>
         <p:nvSpPr>
-          <p:cNvPr id="338" name="Rectangle 5"/>
-          <p:cNvSpPr/>
-          <p:nvPr/>
-        </p:nvSpPr>
-        <p:spPr>
-          <a:xfrm>
-            <a:off x="1" y="0"/>
-            <a:ext cx="6240886" cy="6858000"/>
-          </a:xfrm>
-          <a:prstGeom prst="rect">
-            <a:avLst/>
-          </a:prstGeom>
-          <a:solidFill>
-            <a:srgbClr val="1E1E1E"/>
-          </a:solidFill>
-          <a:ln w="12700">
-            <a:miter lim="400000"/>
-          </a:ln>
-        </p:spPr>
-        <p:txBody>
-          <a:bodyPr lIns="45719" rIns="45719"/>
-          <a:lstStyle/>
-          <a:p>
-            <a:endParaRPr/>
-          </a:p>
-        </p:txBody>
-      </p:sp>
-      <p:sp>
-        <p:nvSpPr>
-          <p:cNvPr id="9" name="Rectangle 2">
-            <a:extLst>
-              <a:ext uri="{FF2B5EF4-FFF2-40B4-BE49-F238E27FC236}">
-                <a16:creationId xmlns:a16="http://schemas.microsoft.com/office/drawing/2014/main" id="{9A1D70F6-7B6C-44AA-AA6B-77ED02BEDC86}"/>
-              </a:ext>
-            </a:extLst>
-          </p:cNvPr>
+          <p:cNvPr id="346" name="Rectangle 11"/>
           <p:cNvSpPr txBox="1"/>
           <p:nvPr/>
         </p:nvSpPr>
         <p:spPr>
           <a:xfrm>
-            <a:off x="337797" y="1140813"/>
-            <a:ext cx="5426697" cy="5217134"/>
+            <a:off x="3153713" y="934519"/>
+            <a:ext cx="5884575" cy="274242"/>
           </a:xfrm>
           <a:prstGeom prst="rect">
             <a:avLst/>
@@ -6119,17 +6091,17 @@
           </a:extLst>
         </p:spPr>
         <p:txBody>
-          <a:bodyPr wrap="square" lIns="45719" rIns="45719">
+          <a:bodyPr lIns="45719" rIns="45719">
             <a:spAutoFit/>
           </a:bodyPr>
           <a:lstStyle>
-            <a:lvl1pPr algn="just">
+            <a:lvl1pPr algn="ctr">
               <a:lnSpc>
                 <a:spcPct val="150000"/>
               </a:lnSpc>
               <a:defRPr sz="900">
                 <a:solidFill>
-                  <a:srgbClr val="FFFFFF"/>
+                  <a:srgbClr val="A7A7A7"/>
                 </a:solidFill>
                 <a:latin typeface="Lato Regular"/>
                 <a:ea typeface="Lato Regular"/>
@@ -6140,237 +6112,58 @@
           </a:lstStyle>
           <a:p>
             <a:r>
-              <a:rPr lang="en-US" sz="1600" dirty="0"/>
-              <a:t>This is model that resulted to be the best, in the end. It uses </a:t>
-            </a:r>
-            <a:r>
-              <a:rPr lang="en-US" sz="1600" b="1" dirty="0"/>
-              <a:t>Dense</a:t>
-            </a:r>
-            <a:r>
-              <a:rPr lang="en-US" sz="1600" dirty="0"/>
-              <a:t> layers, each with decreasing number of units and with the </a:t>
-            </a:r>
-            <a:r>
-              <a:rPr lang="en-US" sz="1600" b="1" dirty="0" err="1"/>
-              <a:t>ReLU</a:t>
-            </a:r>
-            <a:r>
-              <a:rPr lang="en-US" sz="1600" dirty="0"/>
-              <a:t> activation function, each followed by a </a:t>
-            </a:r>
-            <a:r>
-              <a:rPr lang="en-US" sz="1600" b="1" dirty="0" err="1"/>
-              <a:t>BatchNormalization</a:t>
-            </a:r>
-            <a:r>
-              <a:rPr lang="en-US" sz="1600" dirty="0"/>
-              <a:t> layer. This layer normalizes the results obtained from the previous dense layer, resulting in better and faster learning, and less overfitting.</a:t>
-            </a:r>
-          </a:p>
-          <a:p>
-            <a:r>
-              <a:rPr lang="en-US" sz="1600" dirty="0"/>
-              <a:t>This layers all follows a </a:t>
-            </a:r>
-            <a:r>
-              <a:rPr lang="en-US" sz="1600" b="1" dirty="0"/>
-              <a:t>Gaussian Noise</a:t>
-            </a:r>
-            <a:r>
-              <a:rPr lang="en-US" sz="1600" dirty="0"/>
-              <a:t> layer, with very small hyperparameter. This is because adding noise to an </a:t>
-            </a:r>
-            <a:r>
-              <a:rPr lang="en-US" sz="1600" dirty="0" err="1"/>
-              <a:t>underconstrained</a:t>
-            </a:r>
-            <a:r>
-              <a:rPr lang="en-US" sz="1600" dirty="0"/>
-              <a:t> neural network model can have a regularizing effect and reduce overfitting. </a:t>
-            </a:r>
-            <a:r>
-              <a:rPr lang="it-IT" sz="1600" dirty="0"/>
-              <a:t>The</a:t>
-            </a:r>
-            <a:r>
-              <a:rPr lang="it-IT" sz="1600" b="1" dirty="0"/>
-              <a:t> Learning Rate </a:t>
-            </a:r>
-            <a:r>
-              <a:rPr lang="it-IT" sz="1600" dirty="0" err="1"/>
-              <a:t>changes</a:t>
-            </a:r>
-            <a:r>
-              <a:rPr lang="it-IT" sz="1600" dirty="0"/>
+              <a:rPr lang="it-IT" dirty="0"/>
+              <a:t>The following </a:t>
+            </a:r>
+            <a:r>
+              <a:rPr lang="it-IT" dirty="0" err="1"/>
+              <a:t>graphs</a:t>
+            </a:r>
+            <a:r>
+              <a:rPr lang="it-IT" dirty="0"/>
               <a:t> </a:t>
             </a:r>
             <a:r>
-              <a:rPr lang="it-IT" sz="1600" dirty="0" err="1"/>
-              <a:t>going</a:t>
-            </a:r>
-            <a:r>
-              <a:rPr lang="it-IT" sz="1600" dirty="0"/>
+              <a:rPr lang="it-IT" dirty="0" err="1"/>
+              <a:t>visualize</a:t>
+            </a:r>
+            <a:r>
+              <a:rPr lang="it-IT" dirty="0"/>
+              <a:t> the </a:t>
+            </a:r>
+            <a:r>
+              <a:rPr lang="it-IT" dirty="0" err="1"/>
+              <a:t>comparison</a:t>
+            </a:r>
+            <a:r>
+              <a:rPr lang="it-IT" dirty="0"/>
               <a:t> </a:t>
             </a:r>
             <a:r>
-              <a:rPr lang="it-IT" sz="1600" dirty="0" err="1"/>
-              <a:t>forward</a:t>
-            </a:r>
-            <a:r>
-              <a:rPr lang="it-IT" sz="1600" dirty="0"/>
-              <a:t> with the </a:t>
-            </a:r>
-            <a:r>
-              <a:rPr lang="it-IT" sz="1600" dirty="0" err="1"/>
-              <a:t>epochs</a:t>
-            </a:r>
-            <a:r>
-              <a:rPr lang="it-IT" sz="1600" dirty="0"/>
-              <a:t> in </a:t>
-            </a:r>
-            <a:r>
-              <a:rPr lang="it-IT" sz="1600" dirty="0" err="1"/>
-              <a:t>order</a:t>
-            </a:r>
-            <a:r>
-              <a:rPr lang="it-IT" sz="1600" dirty="0"/>
-              <a:t> to be </a:t>
-            </a:r>
-            <a:r>
-              <a:rPr lang="it-IT" sz="1600" dirty="0" err="1"/>
-              <a:t>able</a:t>
-            </a:r>
-            <a:r>
-              <a:rPr lang="it-IT" sz="1600" dirty="0"/>
-              <a:t> to </a:t>
-            </a:r>
-            <a:r>
-              <a:rPr lang="it-IT" sz="1600" dirty="0" err="1"/>
-              <a:t>quickly</a:t>
-            </a:r>
-            <a:r>
-              <a:rPr lang="it-IT" sz="1600" dirty="0"/>
-              <a:t> </a:t>
-            </a:r>
-            <a:r>
-              <a:rPr lang="it-IT" sz="1600" dirty="0" err="1"/>
-              <a:t>find</a:t>
-            </a:r>
-            <a:r>
-              <a:rPr lang="it-IT" sz="1600" dirty="0"/>
-              <a:t> an optimum </a:t>
-            </a:r>
-            <a:r>
-              <a:rPr lang="it-IT" sz="1600" dirty="0" err="1"/>
-              <a:t>point</a:t>
-            </a:r>
-            <a:r>
-              <a:rPr lang="it-IT" sz="1600" dirty="0"/>
-              <a:t> and </a:t>
-            </a:r>
-            <a:r>
-              <a:rPr lang="it-IT" sz="1600" dirty="0" err="1"/>
-              <a:t>then</a:t>
-            </a:r>
-            <a:r>
-              <a:rPr lang="it-IT" sz="1600" dirty="0"/>
-              <a:t> </a:t>
-            </a:r>
-            <a:r>
-              <a:rPr lang="it-IT" sz="1600" dirty="0" err="1"/>
-              <a:t>move</a:t>
-            </a:r>
-            <a:r>
-              <a:rPr lang="it-IT" sz="1600" dirty="0"/>
-              <a:t> </a:t>
-            </a:r>
-            <a:r>
-              <a:rPr lang="it-IT" sz="1600" dirty="0" err="1"/>
-              <a:t>carefully</a:t>
-            </a:r>
-            <a:r>
-              <a:rPr lang="it-IT" sz="1600" dirty="0"/>
-              <a:t> in the </a:t>
-            </a:r>
-            <a:r>
-              <a:rPr lang="it-IT" sz="1600" dirty="0" err="1"/>
-              <a:t>vicinity</a:t>
-            </a:r>
-            <a:r>
-              <a:rPr lang="it-IT" sz="1600" dirty="0"/>
-              <a:t> of </a:t>
-            </a:r>
-            <a:r>
-              <a:rPr lang="it-IT" sz="1600" dirty="0" err="1"/>
-              <a:t>this</a:t>
-            </a:r>
-            <a:r>
-              <a:rPr lang="it-IT" sz="1600" dirty="0"/>
-              <a:t> </a:t>
-            </a:r>
-            <a:r>
-              <a:rPr lang="it-IT" sz="1600" dirty="0" err="1"/>
-              <a:t>point</a:t>
-            </a:r>
-            <a:r>
-              <a:rPr lang="it-IT" sz="1600" dirty="0"/>
-              <a:t> so </a:t>
-            </a:r>
-            <a:r>
-              <a:rPr lang="it-IT" sz="1600" dirty="0" err="1"/>
-              <a:t>as</a:t>
-            </a:r>
-            <a:r>
-              <a:rPr lang="it-IT" sz="1600" dirty="0"/>
-              <a:t> </a:t>
-            </a:r>
-            <a:r>
-              <a:rPr lang="it-IT" sz="1600" dirty="0" err="1"/>
-              <a:t>not</a:t>
-            </a:r>
-            <a:r>
-              <a:rPr lang="it-IT" sz="1600" dirty="0"/>
-              <a:t> to </a:t>
-            </a:r>
-            <a:r>
-              <a:rPr lang="it-IT" sz="1600" dirty="0" err="1"/>
-              <a:t>skip</a:t>
-            </a:r>
-            <a:r>
-              <a:rPr lang="it-IT" sz="1600" dirty="0"/>
-              <a:t> </a:t>
-            </a:r>
-            <a:r>
-              <a:rPr lang="it-IT" sz="1600" dirty="0" err="1"/>
-              <a:t>it</a:t>
-            </a:r>
-            <a:r>
-              <a:rPr lang="it-IT" sz="1600" dirty="0"/>
-              <a:t>. </a:t>
-            </a:r>
-          </a:p>
-          <a:p>
-            <a:endParaRPr lang="en-US" sz="1600" dirty="0"/>
+              <a:rPr lang="it-IT" dirty="0" err="1"/>
+              <a:t>between</a:t>
+            </a:r>
+            <a:r>
+              <a:rPr lang="it-IT" dirty="0"/>
+              <a:t> out top 3 models</a:t>
+            </a:r>
+            <a:r>
+              <a:rPr dirty="0"/>
+              <a:t>.</a:t>
+            </a:r>
           </a:p>
         </p:txBody>
       </p:sp>
       <p:sp>
         <p:nvSpPr>
-          <p:cNvPr id="10" name="TextBox 5">
-            <a:extLst>
-              <a:ext uri="{FF2B5EF4-FFF2-40B4-BE49-F238E27FC236}">
-                <a16:creationId xmlns:a16="http://schemas.microsoft.com/office/drawing/2014/main" id="{1C768714-9359-4798-9B60-BE4421470C89}"/>
-              </a:ext>
-            </a:extLst>
-          </p:cNvPr>
+          <p:cNvPr id="347" name="TextBox 12"/>
           <p:cNvSpPr txBox="1"/>
           <p:nvPr/>
         </p:nvSpPr>
         <p:spPr>
           <a:xfrm>
-            <a:off x="337797" y="336458"/>
-            <a:ext cx="4066176" cy="646331"/>
+            <a:off x="4922121" y="288188"/>
+            <a:ext cx="2347757" cy="646331"/>
           </a:xfrm>
           <a:prstGeom prst="rect">
             <a:avLst/>
@@ -6391,9 +6184,6 @@
           <a:lstStyle>
             <a:lvl1pPr>
               <a:defRPr sz="3600">
-                <a:solidFill>
-                  <a:srgbClr val="FFFFFF"/>
-                </a:solidFill>
                 <a:latin typeface="Montserrat Bold"/>
                 <a:ea typeface="Montserrat Bold"/>
                 <a:cs typeface="Montserrat Bold"/>
@@ -6403,19 +6193,19 @@
           </a:lstStyle>
           <a:p>
             <a:r>
-              <a:rPr lang="it-IT" b="1" dirty="0"/>
-              <a:t>Best model: Model 1</a:t>
-            </a:r>
-            <a:endParaRPr b="1" dirty="0"/>
+              <a:rPr lang="it-IT" dirty="0" err="1"/>
+              <a:t>Comparison</a:t>
+            </a:r>
+            <a:endParaRPr dirty="0"/>
           </a:p>
         </p:txBody>
       </p:sp>
       <p:pic>
         <p:nvPicPr>
-          <p:cNvPr id="8" name="Immagine 7" descr="Immagine che contiene tavolo&#10;&#10;Descrizione generata automaticamente">
+          <p:cNvPr id="4" name="Immagine 3">
             <a:extLst>
               <a:ext uri="{FF2B5EF4-FFF2-40B4-BE49-F238E27FC236}">
-                <a16:creationId xmlns:a16="http://schemas.microsoft.com/office/drawing/2014/main" id="{AADA5F72-CC7C-4E24-ADFF-26CCC038385A}"/>
+                <a16:creationId xmlns:a16="http://schemas.microsoft.com/office/drawing/2014/main" id="{419C839D-B355-4D3F-9DA4-592C8D04B95F}"/>
               </a:ext>
             </a:extLst>
           </p:cNvPr>
@@ -6438,8 +6228,8 @@
         </p:blipFill>
         <p:spPr>
           <a:xfrm>
-            <a:off x="6801986" y="693751"/>
-            <a:ext cx="4856845" cy="5470498"/>
+            <a:off x="2001294" y="1580850"/>
+            <a:ext cx="8034223" cy="4620693"/>
           </a:xfrm>
           <a:prstGeom prst="rect">
             <a:avLst/>
@@ -6449,7 +6239,7 @@
     </p:spTree>
     <p:extLst>
       <p:ext uri="{BB962C8B-B14F-4D97-AF65-F5344CB8AC3E}">
-        <p14:creationId xmlns:p14="http://schemas.microsoft.com/office/powerpoint/2010/main" val="3601882057"/>
+        <p14:creationId xmlns:p14="http://schemas.microsoft.com/office/powerpoint/2010/main" val="1396381081"/>
       </p:ext>
     </p:extLst>
   </p:cSld>
@@ -6479,14 +6269,49 @@
       </p:grpSpPr>
       <p:sp>
         <p:nvSpPr>
-          <p:cNvPr id="346" name="Rectangle 11"/>
+          <p:cNvPr id="338" name="Rectangle 5"/>
+          <p:cNvSpPr/>
+          <p:nvPr/>
+        </p:nvSpPr>
+        <p:spPr>
+          <a:xfrm>
+            <a:off x="1" y="0"/>
+            <a:ext cx="6240886" cy="6858000"/>
+          </a:xfrm>
+          <a:prstGeom prst="rect">
+            <a:avLst/>
+          </a:prstGeom>
+          <a:solidFill>
+            <a:srgbClr val="1E1E1E"/>
+          </a:solidFill>
+          <a:ln w="12700">
+            <a:miter lim="400000"/>
+          </a:ln>
+        </p:spPr>
+        <p:txBody>
+          <a:bodyPr lIns="45719" rIns="45719"/>
+          <a:lstStyle/>
+          <a:p>
+            <a:endParaRPr/>
+          </a:p>
+        </p:txBody>
+      </p:sp>
+      <p:sp>
+        <p:nvSpPr>
+          <p:cNvPr id="9" name="Rectangle 2">
+            <a:extLst>
+              <a:ext uri="{FF2B5EF4-FFF2-40B4-BE49-F238E27FC236}">
+                <a16:creationId xmlns:a16="http://schemas.microsoft.com/office/drawing/2014/main" id="{9A1D70F6-7B6C-44AA-AA6B-77ED02BEDC86}"/>
+              </a:ext>
+            </a:extLst>
+          </p:cNvPr>
           <p:cNvSpPr txBox="1"/>
           <p:nvPr/>
         </p:nvSpPr>
         <p:spPr>
           <a:xfrm>
-            <a:off x="3153713" y="934519"/>
-            <a:ext cx="5884575" cy="478401"/>
+            <a:off x="337797" y="1140813"/>
+            <a:ext cx="5426697" cy="5217134"/>
           </a:xfrm>
           <a:prstGeom prst="rect">
             <a:avLst/>
@@ -6496,22 +6321,22 @@
           </a:ln>
           <a:extLst>
             <a:ext uri="{C572A759-6A51-4108-AA02-DFA0A04FC94B}">
-              <ma14:wrappingTextBoxFlag xmlns:ma14="http://schemas.microsoft.com/office/mac/drawingml/2011/main" xmlns="" val="1"/>
+              <ma14:wrappingTextBoxFlag xmlns="" xmlns:ma14="http://schemas.microsoft.com/office/mac/drawingml/2011/main" val="1"/>
             </a:ext>
           </a:extLst>
         </p:spPr>
         <p:txBody>
-          <a:bodyPr lIns="45719" rIns="45719">
+          <a:bodyPr wrap="square" lIns="45719" rIns="45719">
             <a:spAutoFit/>
           </a:bodyPr>
           <a:lstStyle>
-            <a:lvl1pPr algn="ctr">
+            <a:lvl1pPr algn="just">
               <a:lnSpc>
                 <a:spcPct val="150000"/>
               </a:lnSpc>
               <a:defRPr sz="900">
                 <a:solidFill>
-                  <a:srgbClr val="A7A7A7"/>
+                  <a:srgbClr val="FFFFFF"/>
                 </a:solidFill>
                 <a:latin typeface="Lato Regular"/>
                 <a:ea typeface="Lato Regular"/>
@@ -6522,90 +6347,237 @@
           </a:lstStyle>
           <a:p>
             <a:r>
-              <a:rPr lang="it-IT" dirty="0"/>
-              <a:t>The following </a:t>
-            </a:r>
-            <a:r>
-              <a:rPr lang="it-IT" dirty="0" err="1"/>
-              <a:t>graphs</a:t>
-            </a:r>
-            <a:r>
-              <a:rPr lang="it-IT" dirty="0"/>
+              <a:rPr lang="en-US" sz="1600" dirty="0"/>
+              <a:t>This is model that resulted to be the best, in the end. It uses </a:t>
+            </a:r>
+            <a:r>
+              <a:rPr lang="en-US" sz="1600" b="1" dirty="0"/>
+              <a:t>Dense</a:t>
+            </a:r>
+            <a:r>
+              <a:rPr lang="en-US" sz="1600" dirty="0"/>
+              <a:t> layers, each with decreasing number of units and with the </a:t>
+            </a:r>
+            <a:r>
+              <a:rPr lang="en-US" sz="1600" b="1" dirty="0" err="1"/>
+              <a:t>ReLU</a:t>
+            </a:r>
+            <a:r>
+              <a:rPr lang="en-US" sz="1600" dirty="0"/>
+              <a:t> activation function, each followed by a </a:t>
+            </a:r>
+            <a:r>
+              <a:rPr lang="en-US" sz="1600" b="1" dirty="0" err="1"/>
+              <a:t>BatchNormalization</a:t>
+            </a:r>
+            <a:r>
+              <a:rPr lang="en-US" sz="1600" dirty="0"/>
+              <a:t> layer. This layer normalizes the results obtained from the previous dense layer, resulting in better and faster learning, and less overfitting.</a:t>
+            </a:r>
+          </a:p>
+          <a:p>
+            <a:r>
+              <a:rPr lang="en-US" sz="1600" dirty="0"/>
+              <a:t>This layers all follows a </a:t>
+            </a:r>
+            <a:r>
+              <a:rPr lang="en-US" sz="1600" b="1" dirty="0"/>
+              <a:t>Gaussian Noise</a:t>
+            </a:r>
+            <a:r>
+              <a:rPr lang="en-US" sz="1600" dirty="0"/>
+              <a:t> layer, with very small hyperparameter. This is because adding noise to an </a:t>
+            </a:r>
+            <a:r>
+              <a:rPr lang="en-US" sz="1600" dirty="0" err="1"/>
+              <a:t>underconstrained</a:t>
+            </a:r>
+            <a:r>
+              <a:rPr lang="en-US" sz="1600" dirty="0"/>
+              <a:t> neural network model can have a regularizing effect and reduce overfitting. </a:t>
+            </a:r>
+            <a:r>
+              <a:rPr lang="it-IT" sz="1600" dirty="0"/>
+              <a:t>The</a:t>
+            </a:r>
+            <a:r>
+              <a:rPr lang="it-IT" sz="1600" b="1" dirty="0"/>
+              <a:t> Learning Rate </a:t>
+            </a:r>
+            <a:r>
+              <a:rPr lang="it-IT" sz="1600" dirty="0" err="1"/>
+              <a:t>changes</a:t>
+            </a:r>
+            <a:r>
+              <a:rPr lang="it-IT" sz="1600" dirty="0"/>
               <a:t> </a:t>
             </a:r>
             <a:r>
-              <a:rPr lang="it-IT" dirty="0" err="1"/>
-              <a:t>represent</a:t>
-            </a:r>
-            <a:r>
-              <a:rPr lang="it-IT" dirty="0"/>
-              <a:t> the </a:t>
-            </a:r>
-            <a:r>
-              <a:rPr lang="it-IT" dirty="0" err="1"/>
-              <a:t>loss</a:t>
-            </a:r>
-            <a:r>
-              <a:rPr lang="it-IT" dirty="0"/>
+              <a:rPr lang="it-IT" sz="1600" dirty="0" err="1"/>
+              <a:t>going</a:t>
+            </a:r>
+            <a:r>
+              <a:rPr lang="it-IT" sz="1600" dirty="0"/>
               <a:t> </a:t>
             </a:r>
             <a:r>
-              <a:rPr lang="it-IT" dirty="0" err="1"/>
-              <a:t>function</a:t>
-            </a:r>
-            <a:r>
-              <a:rPr lang="it-IT" dirty="0"/>
-              <a:t> of the model and the </a:t>
-            </a:r>
-            <a:r>
-              <a:rPr lang="it-IT" dirty="0" err="1"/>
-              <a:t>scatter</a:t>
-            </a:r>
-            <a:r>
-              <a:rPr lang="it-IT" dirty="0"/>
-              <a:t> plot of the </a:t>
-            </a:r>
-            <a:r>
-              <a:rPr lang="it-IT" dirty="0" err="1"/>
-              <a:t>prediction</a:t>
-            </a:r>
-            <a:r>
-              <a:rPr lang="it-IT" dirty="0"/>
+              <a:rPr lang="it-IT" sz="1600" dirty="0" err="1"/>
+              <a:t>forward</a:t>
+            </a:r>
+            <a:r>
+              <a:rPr lang="it-IT" sz="1600" dirty="0"/>
+              <a:t> with the </a:t>
+            </a:r>
+            <a:r>
+              <a:rPr lang="it-IT" sz="1600" dirty="0" err="1"/>
+              <a:t>epochs</a:t>
+            </a:r>
+            <a:r>
+              <a:rPr lang="it-IT" sz="1600" dirty="0"/>
+              <a:t> in </a:t>
+            </a:r>
+            <a:r>
+              <a:rPr lang="it-IT" sz="1600" dirty="0" err="1"/>
+              <a:t>order</a:t>
+            </a:r>
+            <a:r>
+              <a:rPr lang="it-IT" sz="1600" dirty="0"/>
+              <a:t> to be </a:t>
+            </a:r>
+            <a:r>
+              <a:rPr lang="it-IT" sz="1600" dirty="0" err="1"/>
+              <a:t>able</a:t>
+            </a:r>
+            <a:r>
+              <a:rPr lang="it-IT" sz="1600" dirty="0"/>
+              <a:t> to </a:t>
+            </a:r>
+            <a:r>
+              <a:rPr lang="it-IT" sz="1600" dirty="0" err="1"/>
+              <a:t>quickly</a:t>
+            </a:r>
+            <a:r>
+              <a:rPr lang="it-IT" sz="1600" dirty="0"/>
               <a:t> </a:t>
             </a:r>
             <a:r>
-              <a:rPr lang="it-IT" dirty="0" err="1"/>
-              <a:t>against</a:t>
-            </a:r>
-            <a:r>
-              <a:rPr lang="it-IT" dirty="0"/>
-              <a:t> the </a:t>
-            </a:r>
-            <a:r>
-              <a:rPr lang="it-IT" dirty="0" err="1"/>
-              <a:t>real</a:t>
-            </a:r>
-            <a:r>
-              <a:rPr lang="it-IT" dirty="0"/>
-              <a:t> duration</a:t>
-            </a:r>
-            <a:r>
-              <a:rPr dirty="0"/>
-              <a:t>.</a:t>
-            </a:r>
+              <a:rPr lang="it-IT" sz="1600" dirty="0" err="1"/>
+              <a:t>find</a:t>
+            </a:r>
+            <a:r>
+              <a:rPr lang="it-IT" sz="1600" dirty="0"/>
+              <a:t> an optimum </a:t>
+            </a:r>
+            <a:r>
+              <a:rPr lang="it-IT" sz="1600" dirty="0" err="1"/>
+              <a:t>point</a:t>
+            </a:r>
+            <a:r>
+              <a:rPr lang="it-IT" sz="1600" dirty="0"/>
+              <a:t> and </a:t>
+            </a:r>
+            <a:r>
+              <a:rPr lang="it-IT" sz="1600" dirty="0" err="1"/>
+              <a:t>then</a:t>
+            </a:r>
+            <a:r>
+              <a:rPr lang="it-IT" sz="1600" dirty="0"/>
+              <a:t> </a:t>
+            </a:r>
+            <a:r>
+              <a:rPr lang="it-IT" sz="1600" dirty="0" err="1"/>
+              <a:t>move</a:t>
+            </a:r>
+            <a:r>
+              <a:rPr lang="it-IT" sz="1600" dirty="0"/>
+              <a:t> </a:t>
+            </a:r>
+            <a:r>
+              <a:rPr lang="it-IT" sz="1600" dirty="0" err="1"/>
+              <a:t>carefully</a:t>
+            </a:r>
+            <a:r>
+              <a:rPr lang="it-IT" sz="1600" dirty="0"/>
+              <a:t> in the </a:t>
+            </a:r>
+            <a:r>
+              <a:rPr lang="it-IT" sz="1600" dirty="0" err="1"/>
+              <a:t>vicinity</a:t>
+            </a:r>
+            <a:r>
+              <a:rPr lang="it-IT" sz="1600" dirty="0"/>
+              <a:t> of </a:t>
+            </a:r>
+            <a:r>
+              <a:rPr lang="it-IT" sz="1600" dirty="0" err="1"/>
+              <a:t>this</a:t>
+            </a:r>
+            <a:r>
+              <a:rPr lang="it-IT" sz="1600" dirty="0"/>
+              <a:t> </a:t>
+            </a:r>
+            <a:r>
+              <a:rPr lang="it-IT" sz="1600" dirty="0" err="1"/>
+              <a:t>point</a:t>
+            </a:r>
+            <a:r>
+              <a:rPr lang="it-IT" sz="1600" dirty="0"/>
+              <a:t> so </a:t>
+            </a:r>
+            <a:r>
+              <a:rPr lang="it-IT" sz="1600" dirty="0" err="1"/>
+              <a:t>as</a:t>
+            </a:r>
+            <a:r>
+              <a:rPr lang="it-IT" sz="1600" dirty="0"/>
+              <a:t> </a:t>
+            </a:r>
+            <a:r>
+              <a:rPr lang="it-IT" sz="1600" dirty="0" err="1"/>
+              <a:t>not</a:t>
+            </a:r>
+            <a:r>
+              <a:rPr lang="it-IT" sz="1600" dirty="0"/>
+              <a:t> to </a:t>
+            </a:r>
+            <a:r>
+              <a:rPr lang="it-IT" sz="1600" dirty="0" err="1"/>
+              <a:t>skip</a:t>
+            </a:r>
+            <a:r>
+              <a:rPr lang="it-IT" sz="1600" dirty="0"/>
+              <a:t> </a:t>
+            </a:r>
+            <a:r>
+              <a:rPr lang="it-IT" sz="1600" dirty="0" err="1"/>
+              <a:t>it</a:t>
+            </a:r>
+            <a:r>
+              <a:rPr lang="it-IT" sz="1600" dirty="0"/>
+              <a:t>. </a:t>
+            </a:r>
+          </a:p>
+          <a:p>
+            <a:endParaRPr lang="en-US" sz="1600" dirty="0"/>
           </a:p>
         </p:txBody>
       </p:sp>
       <p:sp>
         <p:nvSpPr>
-          <p:cNvPr id="347" name="TextBox 12"/>
+          <p:cNvPr id="10" name="TextBox 5">
+            <a:extLst>
+              <a:ext uri="{FF2B5EF4-FFF2-40B4-BE49-F238E27FC236}">
+                <a16:creationId xmlns:a16="http://schemas.microsoft.com/office/drawing/2014/main" id="{1C768714-9359-4798-9B60-BE4421470C89}"/>
+              </a:ext>
+            </a:extLst>
+          </p:cNvPr>
           <p:cNvSpPr txBox="1"/>
           <p:nvPr/>
         </p:nvSpPr>
         <p:spPr>
           <a:xfrm>
-            <a:off x="5123697" y="288188"/>
-            <a:ext cx="1435647" cy="646331"/>
+            <a:off x="337797" y="336458"/>
+            <a:ext cx="4066176" cy="646331"/>
           </a:xfrm>
           <a:prstGeom prst="rect">
             <a:avLst/>
@@ -6615,7 +6587,7 @@
           </a:ln>
           <a:extLst>
             <a:ext uri="{C572A759-6A51-4108-AA02-DFA0A04FC94B}">
-              <ma14:wrappingTextBoxFlag xmlns:ma14="http://schemas.microsoft.com/office/mac/drawingml/2011/main" xmlns="" val="1"/>
+              <ma14:wrappingTextBoxFlag xmlns="" xmlns:ma14="http://schemas.microsoft.com/office/mac/drawingml/2011/main" val="1"/>
             </a:ext>
           </a:extLst>
         </p:spPr>
@@ -6626,6 +6598,9 @@
           <a:lstStyle>
             <a:lvl1pPr>
               <a:defRPr sz="3600">
+                <a:solidFill>
+                  <a:srgbClr val="FFFFFF"/>
+                </a:solidFill>
                 <a:latin typeface="Montserrat Bold"/>
                 <a:ea typeface="Montserrat Bold"/>
                 <a:cs typeface="Montserrat Bold"/>
@@ -6635,19 +6610,19 @@
           </a:lstStyle>
           <a:p>
             <a:r>
-              <a:rPr lang="it-IT" dirty="0" err="1"/>
-              <a:t>Results</a:t>
-            </a:r>
-            <a:endParaRPr dirty="0"/>
+              <a:rPr lang="it-IT" b="1" dirty="0"/>
+              <a:t>Best model: Model 1</a:t>
+            </a:r>
+            <a:endParaRPr b="1" dirty="0"/>
           </a:p>
         </p:txBody>
       </p:sp>
       <p:pic>
         <p:nvPicPr>
-          <p:cNvPr id="4" name="Immagine 3">
+          <p:cNvPr id="8" name="Immagine 7" descr="Immagine che contiene tavolo&#10;&#10;Descrizione generata automaticamente">
             <a:extLst>
               <a:ext uri="{FF2B5EF4-FFF2-40B4-BE49-F238E27FC236}">
-                <a16:creationId xmlns:a16="http://schemas.microsoft.com/office/drawing/2014/main" id="{F0193568-147D-41B9-BB58-2B63B7BDDB4F}"/>
+                <a16:creationId xmlns:a16="http://schemas.microsoft.com/office/drawing/2014/main" id="{AADA5F72-CC7C-4E24-ADFF-26CCC038385A}"/>
               </a:ext>
             </a:extLst>
           </p:cNvPr>
@@ -6670,8 +6645,8 @@
         </p:blipFill>
         <p:spPr>
           <a:xfrm>
-            <a:off x="1797075" y="1801728"/>
-            <a:ext cx="8088889" cy="4520635"/>
+            <a:off x="6801986" y="693751"/>
+            <a:ext cx="4856845" cy="5470498"/>
           </a:xfrm>
           <a:prstGeom prst="rect">
             <a:avLst/>
@@ -6679,6 +6654,11 @@
         </p:spPr>
       </p:pic>
     </p:spTree>
+    <p:extLst>
+      <p:ext uri="{BB962C8B-B14F-4D97-AF65-F5344CB8AC3E}">
+        <p14:creationId xmlns:p14="http://schemas.microsoft.com/office/powerpoint/2010/main" val="3601882057"/>
+      </p:ext>
+    </p:extLst>
   </p:cSld>
   <p:clrMapOvr>
     <a:masterClrMapping/>
@@ -6712,8 +6692,8 @@
         </p:nvSpPr>
         <p:spPr>
           <a:xfrm>
-            <a:off x="2899232" y="934519"/>
-            <a:ext cx="5884575" cy="270652"/>
+            <a:off x="3153713" y="934519"/>
+            <a:ext cx="5884575" cy="481991"/>
           </a:xfrm>
           <a:prstGeom prst="rect">
             <a:avLst/>
@@ -6723,7 +6703,7 @@
           </a:ln>
           <a:extLst>
             <a:ext uri="{C572A759-6A51-4108-AA02-DFA0A04FC94B}">
-              <ma14:wrappingTextBoxFlag xmlns:ma14="http://schemas.microsoft.com/office/mac/drawingml/2011/main" xmlns="" val="1"/>
+              <ma14:wrappingTextBoxFlag xmlns="" xmlns:ma14="http://schemas.microsoft.com/office/mac/drawingml/2011/main" val="1"/>
             </a:ext>
           </a:extLst>
         </p:spPr>
@@ -6754,15 +6734,7 @@
             </a:r>
             <a:r>
               <a:rPr lang="it-IT" dirty="0" err="1"/>
-              <a:t>graph</a:t>
-            </a:r>
-            <a:r>
-              <a:rPr lang="it-IT" dirty="0"/>
-              <a:t> shows the </a:t>
-            </a:r>
-            <a:r>
-              <a:rPr lang="it-IT" dirty="0" err="1"/>
-              <a:t>error</a:t>
+              <a:t>graphs</a:t>
             </a:r>
             <a:r>
               <a:rPr lang="it-IT" dirty="0"/>
@@ -6770,23 +6742,51 @@
             </a:r>
             <a:r>
               <a:rPr lang="it-IT" dirty="0" err="1"/>
-              <a:t>divided</a:t>
+              <a:t>represent</a:t>
             </a:r>
             <a:r>
               <a:rPr lang="it-IT" dirty="0"/>
-              <a:t> by trip </a:t>
+              <a:t> the </a:t>
             </a:r>
             <a:r>
               <a:rPr lang="it-IT" dirty="0" err="1"/>
-              <a:t>duration’s</a:t>
+              <a:t>loss</a:t>
             </a:r>
             <a:r>
               <a:rPr lang="it-IT" dirty="0"/>
-              <a:t> bin </a:t>
+              <a:t> </a:t>
             </a:r>
             <a:r>
               <a:rPr lang="it-IT" dirty="0" err="1"/>
-              <a:t>category</a:t>
+              <a:t>function</a:t>
+            </a:r>
+            <a:r>
+              <a:rPr lang="it-IT" dirty="0"/>
+              <a:t> of the model made on the training set </a:t>
+            </a:r>
+            <a:r>
+              <a:rPr lang="it-IT" dirty="0" err="1"/>
+              <a:t>respect</a:t>
+            </a:r>
+            <a:r>
+              <a:rPr lang="it-IT" dirty="0"/>
+              <a:t> to the </a:t>
+            </a:r>
+            <a:r>
+              <a:rPr lang="it-IT" dirty="0" err="1"/>
+              <a:t>one</a:t>
+            </a:r>
+            <a:r>
+              <a:rPr lang="it-IT" dirty="0"/>
+              <a:t> made on the </a:t>
+            </a:r>
+            <a:r>
+              <a:rPr lang="it-IT" dirty="0" err="1"/>
+              <a:t>validation</a:t>
+            </a:r>
+            <a:r>
+              <a:rPr lang="it-IT" dirty="0"/>
+              <a:t> set.</a:t>
             </a:r>
             <a:endParaRPr dirty="0"/>
           </a:p>
@@ -6811,7 +6811,7 @@
           </a:ln>
           <a:extLst>
             <a:ext uri="{C572A759-6A51-4108-AA02-DFA0A04FC94B}">
-              <ma14:wrappingTextBoxFlag xmlns:ma14="http://schemas.microsoft.com/office/mac/drawingml/2011/main" xmlns="" val="1"/>
+              <ma14:wrappingTextBoxFlag xmlns="" xmlns:ma14="http://schemas.microsoft.com/office/mac/drawingml/2011/main" val="1"/>
             </a:ext>
           </a:extLst>
         </p:spPr>
@@ -6840,10 +6840,10 @@
       </p:sp>
       <p:pic>
         <p:nvPicPr>
-          <p:cNvPr id="3" name="Immagine 2">
+          <p:cNvPr id="4" name="Immagine 3">
             <a:extLst>
               <a:ext uri="{FF2B5EF4-FFF2-40B4-BE49-F238E27FC236}">
-                <a16:creationId xmlns:a16="http://schemas.microsoft.com/office/drawing/2014/main" id="{F05700AF-8073-4991-B377-3DDC3E9FAFBF}"/>
+                <a16:creationId xmlns:a16="http://schemas.microsoft.com/office/drawing/2014/main" id="{F0193568-147D-41B9-BB58-2B63B7BDDB4F}"/>
               </a:ext>
             </a:extLst>
           </p:cNvPr>
@@ -6853,7 +6853,7 @@
           <p:nvPr/>
         </p:nvPicPr>
         <p:blipFill>
-          <a:blip r:embed="rId2" cstate="print">
+          <a:blip r:embed="rId2">
             <a:extLst>
               <a:ext uri="{28A0092B-C50C-407E-A947-70E740481C1C}">
                 <a14:useLocalDpi xmlns:a14="http://schemas.microsoft.com/office/drawing/2010/main" val="0"/>
@@ -6866,8 +6866,8 @@
         </p:blipFill>
         <p:spPr>
           <a:xfrm>
-            <a:off x="3298436" y="1310195"/>
-            <a:ext cx="5086165" cy="5086165"/>
+            <a:off x="1797075" y="1801728"/>
+            <a:ext cx="8088889" cy="4520635"/>
           </a:xfrm>
           <a:prstGeom prst="rect">
             <a:avLst/>
@@ -6875,11 +6875,6 @@
         </p:spPr>
       </p:pic>
     </p:spTree>
-    <p:extLst>
-      <p:ext uri="{BB962C8B-B14F-4D97-AF65-F5344CB8AC3E}">
-        <p14:creationId xmlns:p14="http://schemas.microsoft.com/office/powerpoint/2010/main" val="3409751324"/>
-      </p:ext>
-    </p:extLst>
   </p:cSld>
   <p:clrMapOvr>
     <a:masterClrMapping/>
@@ -6913,8 +6908,8 @@
         </p:nvSpPr>
         <p:spPr>
           <a:xfrm>
-            <a:off x="3153713" y="934519"/>
-            <a:ext cx="5884575" cy="478401"/>
+            <a:off x="2899232" y="934519"/>
+            <a:ext cx="5884575" cy="270652"/>
           </a:xfrm>
           <a:prstGeom prst="rect">
             <a:avLst/>
@@ -6924,7 +6919,7 @@
           </a:ln>
           <a:extLst>
             <a:ext uri="{C572A759-6A51-4108-AA02-DFA0A04FC94B}">
-              <ma14:wrappingTextBoxFlag xmlns:ma14="http://schemas.microsoft.com/office/mac/drawingml/2011/main" xmlns="" val="1"/>
+              <ma14:wrappingTextBoxFlag xmlns="" xmlns:ma14="http://schemas.microsoft.com/office/mac/drawingml/2011/main" val="1"/>
             </a:ext>
           </a:extLst>
         </p:spPr>
@@ -6955,7 +6950,15 @@
             </a:r>
             <a:r>
               <a:rPr lang="it-IT" dirty="0" err="1"/>
-              <a:t>graphs</a:t>
+              <a:t>graph</a:t>
+            </a:r>
+            <a:r>
+              <a:rPr lang="it-IT" dirty="0"/>
+              <a:t> shows the </a:t>
+            </a:r>
+            <a:r>
+              <a:rPr lang="it-IT" dirty="0" err="1"/>
+              <a:t>error</a:t>
             </a:r>
             <a:r>
               <a:rPr lang="it-IT" dirty="0"/>
@@ -6963,64 +6966,25 @@
             </a:r>
             <a:r>
               <a:rPr lang="it-IT" dirty="0" err="1"/>
-              <a:t>represent</a:t>
+              <a:t>divided</a:t>
             </a:r>
             <a:r>
               <a:rPr lang="it-IT" dirty="0"/>
-              <a:t> the </a:t>
+              <a:t> by trip </a:t>
             </a:r>
             <a:r>
               <a:rPr lang="it-IT" dirty="0" err="1"/>
-              <a:t>loss</a:t>
+              <a:t>duration’s</a:t>
             </a:r>
             <a:r>
               <a:rPr lang="it-IT" dirty="0"/>
-              <a:t> </a:t>
+              <a:t> bin </a:t>
             </a:r>
             <a:r>
               <a:rPr lang="it-IT" dirty="0" err="1"/>
-              <a:t>function</a:t>
-            </a:r>
-            <a:r>
-              <a:rPr lang="it-IT" dirty="0"/>
-              <a:t> of the model and the </a:t>
-            </a:r>
-            <a:r>
-              <a:rPr lang="it-IT" dirty="0" err="1"/>
-              <a:t>scatter</a:t>
-            </a:r>
-            <a:r>
-              <a:rPr lang="it-IT" dirty="0"/>
-              <a:t> plot of the </a:t>
-            </a:r>
-            <a:r>
-              <a:rPr lang="it-IT" dirty="0" err="1"/>
-              <a:t>prediction</a:t>
-            </a:r>
-            <a:r>
-              <a:rPr lang="it-IT" dirty="0"/>
-              <a:t> </a:t>
-            </a:r>
-            <a:r>
-              <a:rPr lang="it-IT" dirty="0" err="1"/>
-              <a:t>against</a:t>
-            </a:r>
-            <a:r>
-              <a:rPr lang="it-IT" dirty="0"/>
-              <a:t> the </a:t>
-            </a:r>
-            <a:r>
-              <a:rPr lang="it-IT" dirty="0" err="1"/>
-              <a:t>real</a:t>
-            </a:r>
-            <a:r>
-              <a:rPr lang="it-IT" dirty="0"/>
-              <a:t> duration</a:t>
-            </a:r>
-            <a:r>
-              <a:rPr dirty="0"/>
-              <a:t>.</a:t>
-            </a:r>
+              <a:t>category</a:t>
+            </a:r>
+            <a:endParaRPr dirty="0"/>
           </a:p>
         </p:txBody>
       </p:sp>
@@ -7043,7 +7007,7 @@
           </a:ln>
           <a:extLst>
             <a:ext uri="{C572A759-6A51-4108-AA02-DFA0A04FC94B}">
-              <ma14:wrappingTextBoxFlag xmlns:ma14="http://schemas.microsoft.com/office/mac/drawingml/2011/main" xmlns="" val="1"/>
+              <ma14:wrappingTextBoxFlag xmlns="" xmlns:ma14="http://schemas.microsoft.com/office/mac/drawingml/2011/main" val="1"/>
             </a:ext>
           </a:extLst>
         </p:spPr>
@@ -7072,10 +7036,10 @@
       </p:sp>
       <p:pic>
         <p:nvPicPr>
-          <p:cNvPr id="4" name="Immagine 3">
+          <p:cNvPr id="3" name="Immagine 2">
             <a:extLst>
               <a:ext uri="{FF2B5EF4-FFF2-40B4-BE49-F238E27FC236}">
-                <a16:creationId xmlns:a16="http://schemas.microsoft.com/office/drawing/2014/main" id="{F0193568-147D-41B9-BB58-2B63B7BDDB4F}"/>
+                <a16:creationId xmlns:a16="http://schemas.microsoft.com/office/drawing/2014/main" id="{F05700AF-8073-4991-B377-3DDC3E9FAFBF}"/>
               </a:ext>
             </a:extLst>
           </p:cNvPr>
@@ -7085,20 +7049,21 @@
           <p:nvPr/>
         </p:nvPicPr>
         <p:blipFill>
-          <a:blip r:embed="rId2">
+          <a:blip r:embed="rId2" cstate="print">
             <a:extLst>
               <a:ext uri="{28A0092B-C50C-407E-A947-70E740481C1C}">
                 <a14:useLocalDpi xmlns:a14="http://schemas.microsoft.com/office/drawing/2010/main" val="0"/>
               </a:ext>
             </a:extLst>
           </a:blip>
-          <a:srcRect/>
-          <a:stretch/>
+          <a:stretch>
+            <a:fillRect/>
+          </a:stretch>
         </p:blipFill>
         <p:spPr>
           <a:xfrm>
-            <a:off x="1984695" y="1801728"/>
-            <a:ext cx="7713648" cy="4520635"/>
+            <a:off x="3298436" y="1310195"/>
+            <a:ext cx="5086165" cy="5086165"/>
           </a:xfrm>
           <a:prstGeom prst="rect">
             <a:avLst/>
@@ -7108,7 +7073,7 @@
     </p:spTree>
     <p:extLst>
       <p:ext uri="{BB962C8B-B14F-4D97-AF65-F5344CB8AC3E}">
-        <p14:creationId xmlns:p14="http://schemas.microsoft.com/office/powerpoint/2010/main" val="4176706947"/>
+        <p14:creationId xmlns:p14="http://schemas.microsoft.com/office/powerpoint/2010/main" val="3409751324"/>
       </p:ext>
     </p:extLst>
   </p:cSld>
